--- a/PersonalProgress/HaitianJiang/SingleMiniSys/mycpu_design/顶层数据通路设计.pptx
+++ b/PersonalProgress/HaitianJiang/SingleMiniSys/mycpu_design/顶层数据通路设计.pptx
@@ -10,6 +10,8 @@
     <p:sldId id="411" r:id="rId5"/>
     <p:sldId id="412" r:id="rId6"/>
     <p:sldId id="413" r:id="rId7"/>
+    <p:sldId id="418" r:id="rId8"/>
+    <p:sldId id="414" r:id="rId9"/>
   </p:sldIdLst>
   <p:sldSz cx="12192000" cy="6858000"/>
   <p:notesSz cx="6858000" cy="9144000"/>
@@ -6719,7 +6721,7 @@
         <p:spPr>
           <a:xfrm>
             <a:off x="275590" y="264160"/>
-            <a:ext cx="1995170" cy="1198880"/>
+            <a:ext cx="1995170" cy="829945"/>
           </a:xfrm>
           <a:prstGeom prst="rect">
             <a:avLst/>
@@ -6745,21 +6747,6 @@
             <a:r>
               <a:rPr lang="en-US" altLang="zh-CN" sz="2400"/>
               <a:t>1</a:t>
-            </a:r>
-            <a:r>
-              <a:rPr lang="zh-CN" altLang="en-US" sz="2400"/>
-              <a:t>）加外设</a:t>
-            </a:r>
-            <a:endParaRPr lang="zh-CN" altLang="en-US" sz="2400"/>
-          </a:p>
-          <a:p>
-            <a:r>
-              <a:rPr lang="zh-CN" altLang="en-US" sz="2400"/>
-              <a:t>（</a:t>
-            </a:r>
-            <a:r>
-              <a:rPr lang="en-US" altLang="zh-CN" sz="2400"/>
-              <a:t>2</a:t>
             </a:r>
             <a:r>
               <a:rPr lang="zh-CN" altLang="en-US" sz="2400"/>
@@ -11904,6 +11891,2752 @@
     </p:spTree>
     <p:custDataLst>
       <p:tags r:id="rId3"/>
+    </p:custDataLst>
+  </p:cSld>
+  <p:clrMapOvr>
+    <a:masterClrMapping/>
+  </p:clrMapOvr>
+</p:sld>
+</file>
+
+<file path=ppt/slides/slide6.xml><?xml version="1.0" encoding="utf-8"?>
+<p:sld xmlns:a="http://schemas.openxmlformats.org/drawingml/2006/main" xmlns:r="http://schemas.openxmlformats.org/officeDocument/2006/relationships" xmlns:p="http://schemas.openxmlformats.org/presentationml/2006/main">
+  <p:cSld>
+    <p:spTree>
+      <p:nvGrpSpPr>
+        <p:cNvPr id="1" name=""/>
+        <p:cNvGrpSpPr/>
+        <p:nvPr/>
+      </p:nvGrpSpPr>
+      <p:grpSpPr/>
+      <p:sp>
+        <p:nvSpPr>
+          <p:cNvPr id="2" name="标题 1"/>
+          <p:cNvSpPr>
+            <a:spLocks noGrp="1"/>
+          </p:cNvSpPr>
+          <p:nvPr>
+            <p:ph type="title"/>
+          </p:nvPr>
+        </p:nvSpPr>
+        <p:spPr/>
+        <p:txBody>
+          <a:bodyPr/>
+          <a:p>
+            <a:r>
+              <a:t>关于</a:t>
+            </a:r>
+            <a:r>
+              <a:rPr lang="en-US" altLang="zh-CN"/>
+              <a:t>data</a:t>
+            </a:r>
+            <a:r>
+              <a:t>输入到</a:t>
+            </a:r>
+            <a:r>
+              <a:rPr lang="en-US" altLang="zh-CN"/>
+              <a:t>RAM</a:t>
+            </a:r>
+            <a:r>
+              <a:t>还是</a:t>
+            </a:r>
+            <a:r>
+              <a:rPr lang="en-US" altLang="zh-CN"/>
+              <a:t>IO</a:t>
+            </a:r>
+            <a:endParaRPr lang="en-US" altLang="zh-CN"/>
+          </a:p>
+        </p:txBody>
+      </p:sp>
+      <p:sp>
+        <p:nvSpPr>
+          <p:cNvPr id="3" name="内容占位符 2"/>
+          <p:cNvSpPr>
+            <a:spLocks noGrp="1"/>
+          </p:cNvSpPr>
+          <p:nvPr>
+            <p:ph idx="1"/>
+          </p:nvPr>
+        </p:nvSpPr>
+        <p:spPr/>
+        <p:txBody>
+          <a:bodyPr>
+            <a:normAutofit lnSpcReduction="10000"/>
+          </a:bodyPr>
+          <a:p>
+            <a:r>
+              <a:rPr lang="zh-CN" altLang="en-US"/>
+              <a:t>选择</a:t>
+            </a:r>
+            <a:r>
+              <a:rPr lang="en-US" altLang="zh-CN"/>
+              <a:t>RAM or IO Device</a:t>
+            </a:r>
+            <a:r>
+              <a:t>：</a:t>
+            </a:r>
+            <a:r>
+              <a:rPr lang="zh-CN" altLang="en-US"/>
+              <a:t>我们需要根据</a:t>
+            </a:r>
+            <a:r>
+              <a:rPr lang="en-US" altLang="zh-CN"/>
+              <a:t>pc</a:t>
+            </a:r>
+            <a:r>
+              <a:t>的值，也就是</a:t>
+            </a:r>
+            <a:r>
+              <a:rPr lang="en-US" altLang="zh-CN"/>
+              <a:t>32</a:t>
+            </a:r>
+            <a:r>
+              <a:t>位虚拟地址空间，去判断</a:t>
+            </a:r>
+            <a:r>
+              <a:rPr lang="en-US" altLang="zh-CN"/>
+              <a:t>data</a:t>
+            </a:r>
+            <a:r>
+              <a:t>的目标（读</a:t>
+            </a:r>
+            <a:r>
+              <a:rPr lang="en-US" altLang="zh-CN"/>
+              <a:t>/</a:t>
+            </a:r>
+            <a:r>
+              <a:t>写），是</a:t>
+            </a:r>
+            <a:r>
+              <a:rPr lang="en-US" altLang="zh-CN"/>
+              <a:t>RAM</a:t>
+            </a:r>
+            <a:r>
+              <a:t>，还是</a:t>
+            </a:r>
+            <a:r>
+              <a:rPr lang="en-US" altLang="zh-CN"/>
+              <a:t>IO</a:t>
+            </a:r>
+            <a:r>
+              <a:t>设备，以目前的地址空间分配，只需要</a:t>
+            </a:r>
+            <a:r>
+              <a:rPr b="1"/>
+              <a:t>判断</a:t>
+            </a:r>
+            <a:r>
+              <a:rPr lang="en-US" altLang="zh-CN" b="1"/>
+              <a:t>pc</a:t>
+            </a:r>
+            <a:r>
+              <a:rPr b="1"/>
+              <a:t>的最高</a:t>
+            </a:r>
+            <a:r>
+              <a:rPr lang="en-US" altLang="zh-CN" b="1"/>
+              <a:t>22</a:t>
+            </a:r>
+            <a:r>
+              <a:rPr b="1"/>
+              <a:t>位，是不是全为</a:t>
+            </a:r>
+            <a:r>
+              <a:rPr lang="en-US" altLang="zh-CN" b="1"/>
+              <a:t>1</a:t>
+            </a:r>
+            <a:r>
+              <a:rPr b="1"/>
+              <a:t>，若不是，就是</a:t>
+            </a:r>
+            <a:r>
+              <a:rPr lang="en-US" altLang="zh-CN" b="1"/>
+              <a:t>RAM</a:t>
+            </a:r>
+            <a:r>
+              <a:rPr b="1"/>
+              <a:t>；若是，就是</a:t>
+            </a:r>
+            <a:r>
+              <a:rPr lang="en-US" altLang="zh-CN" b="1"/>
+              <a:t>IO</a:t>
+            </a:r>
+            <a:r>
+              <a:rPr b="1"/>
+              <a:t>设备。</a:t>
+            </a:r>
+            <a:endParaRPr b="1"/>
+          </a:p>
+          <a:p>
+            <a:r>
+              <a:rPr lang="en-US" altLang="zh-CN"/>
+              <a:t>32</a:t>
+            </a:r>
+            <a:r>
+              <a:t>位</a:t>
+            </a:r>
+            <a:r>
+              <a:rPr lang="en-US" altLang="zh-CN"/>
+              <a:t>data</a:t>
+            </a:r>
+            <a:r>
+              <a:t>的处理</a:t>
+            </a:r>
+          </a:p>
+          <a:p>
+            <a:pPr lvl="1"/>
+            <a:r>
+              <a:rPr lang="en-US" altLang="zh-CN"/>
+              <a:t>CPU</a:t>
+            </a:r>
+            <a:r>
+              <a:t>输出</a:t>
+            </a:r>
+            <a:r>
+              <a:rPr lang="en-US" altLang="zh-CN"/>
+              <a:t>32</a:t>
+            </a:r>
+            <a:r>
+              <a:t>位</a:t>
+            </a:r>
+            <a:r>
+              <a:rPr lang="en-US" altLang="zh-CN"/>
+              <a:t>data</a:t>
+            </a:r>
+            <a:endParaRPr lang="en-US" altLang="zh-CN"/>
+          </a:p>
+          <a:p>
+            <a:pPr lvl="2"/>
+            <a:r>
+              <a:t>若流入</a:t>
+            </a:r>
+            <a:r>
+              <a:rPr lang="en-US" altLang="zh-CN"/>
+              <a:t>RAM</a:t>
+            </a:r>
+            <a:r>
+              <a:t>，则直接流入即可，配合</a:t>
+            </a:r>
+            <a:r>
+              <a:rPr lang="en-US" altLang="zh-CN"/>
+              <a:t>MemWrite</a:t>
+            </a:r>
+            <a:r>
+              <a:t>和</a:t>
+            </a:r>
+            <a:r>
+              <a:rPr lang="en-US" altLang="zh-CN"/>
+              <a:t>clk</a:t>
+            </a:r>
+            <a:r>
+              <a:t>写入</a:t>
+            </a:r>
+            <a:r>
+              <a:rPr lang="en-US" altLang="zh-CN"/>
+              <a:t>data</a:t>
+            </a:r>
+            <a:endParaRPr lang="en-US" altLang="zh-CN"/>
+          </a:p>
+          <a:p>
+            <a:pPr lvl="2"/>
+            <a:r>
+              <a:t>若流入</a:t>
+            </a:r>
+            <a:r>
+              <a:rPr lang="en-US" altLang="zh-CN"/>
+              <a:t>IO</a:t>
+            </a:r>
+            <a:r>
+              <a:t>，只能将</a:t>
+            </a:r>
+            <a:r>
+              <a:rPr b="1"/>
+              <a:t>低</a:t>
+            </a:r>
+            <a:r>
+              <a:rPr lang="en-US" altLang="zh-CN" b="1"/>
+              <a:t>16</a:t>
+            </a:r>
+            <a:r>
+              <a:rPr b="1"/>
+              <a:t>位</a:t>
+            </a:r>
+            <a:r>
+              <a:t>输出，因为</a:t>
+            </a:r>
+            <a:r>
+              <a:rPr lang="en-US" altLang="zh-CN"/>
+              <a:t>IO</a:t>
+            </a:r>
+            <a:r>
+              <a:t>数据总线宽度是</a:t>
+            </a:r>
+            <a:r>
+              <a:rPr lang="en-US" altLang="zh-CN"/>
+              <a:t>16</a:t>
+            </a:r>
+            <a:r>
+              <a:t>位，流向的目标芯片及其目标端口，由地址线的低</a:t>
+            </a:r>
+            <a:r>
+              <a:rPr lang="en-US" altLang="zh-CN"/>
+              <a:t>10</a:t>
+            </a:r>
+            <a:r>
+              <a:t>位判断，低</a:t>
+            </a:r>
+            <a:r>
+              <a:rPr lang="en-US" altLang="zh-CN"/>
+              <a:t>10</a:t>
+            </a:r>
+            <a:r>
+              <a:t>位中，高</a:t>
+            </a:r>
+            <a:r>
+              <a:rPr lang="en-US" altLang="zh-CN"/>
+              <a:t>6</a:t>
+            </a:r>
+            <a:r>
+              <a:t>位产生片选信号选中接口芯片，低</a:t>
+            </a:r>
+            <a:r>
+              <a:rPr lang="en-US" altLang="zh-CN"/>
+              <a:t>4</a:t>
+            </a:r>
+            <a:r>
+              <a:t>位则选中接口芯片的端口，从而将数据写入到端口中，从而送出到</a:t>
+            </a:r>
+            <a:r>
+              <a:rPr lang="en-US" altLang="zh-CN"/>
+              <a:t>IO</a:t>
+            </a:r>
+            <a:r>
+              <a:t>设备，也需要</a:t>
+            </a:r>
+            <a:r>
+              <a:rPr lang="en-US" altLang="zh-CN" b="1"/>
+              <a:t>IOWrite</a:t>
+            </a:r>
+            <a:r>
+              <a:rPr b="1"/>
+              <a:t>和</a:t>
+            </a:r>
+            <a:r>
+              <a:rPr lang="en-US" altLang="zh-CN" b="1"/>
+              <a:t>clk</a:t>
+            </a:r>
+            <a:r>
+              <a:rPr b="1"/>
+              <a:t>配合</a:t>
+            </a:r>
+          </a:p>
+          <a:p>
+            <a:pPr lvl="1"/>
+            <a:r>
+              <a:t>输入</a:t>
+            </a:r>
+            <a:r>
+              <a:rPr lang="en-US" altLang="zh-CN"/>
+              <a:t>32</a:t>
+            </a:r>
+            <a:r>
+              <a:t>位</a:t>
+            </a:r>
+            <a:r>
+              <a:rPr lang="en-US" altLang="zh-CN"/>
+              <a:t>data</a:t>
+            </a:r>
+            <a:r>
+              <a:t>到</a:t>
+            </a:r>
+            <a:r>
+              <a:rPr lang="en-US" altLang="zh-CN"/>
+              <a:t>CPU</a:t>
+            </a:r>
+            <a:endParaRPr lang="en-US" altLang="zh-CN"/>
+          </a:p>
+          <a:p>
+            <a:pPr lvl="2"/>
+            <a:r>
+              <a:t>先选中目标：</a:t>
+            </a:r>
+            <a:r>
+              <a:rPr lang="en-US" altLang="zh-CN"/>
+              <a:t>RAM or IO</a:t>
+            </a:r>
+            <a:endParaRPr lang="en-US" altLang="zh-CN"/>
+          </a:p>
+          <a:p>
+            <a:pPr lvl="2"/>
+            <a:r>
+              <a:rPr lang="en-US" altLang="zh-CN"/>
+              <a:t>RAM</a:t>
+            </a:r>
+            <a:r>
+              <a:t>直接将</a:t>
+            </a:r>
+            <a:r>
+              <a:rPr lang="en-US" altLang="zh-CN"/>
+              <a:t>32</a:t>
+            </a:r>
+            <a:r>
+              <a:t>位输入到</a:t>
+            </a:r>
+            <a:r>
+              <a:rPr lang="en-US" altLang="zh-CN"/>
+              <a:t>CPU</a:t>
+            </a:r>
+          </a:p>
+          <a:p>
+            <a:pPr lvl="2"/>
+            <a:r>
+              <a:t>外设输入</a:t>
+            </a:r>
+            <a:r>
+              <a:rPr lang="en-US" altLang="zh-CN"/>
+              <a:t>16</a:t>
+            </a:r>
+            <a:r>
+              <a:t>位，</a:t>
+            </a:r>
+            <a:r>
+              <a:rPr lang="en-US" altLang="zh-CN"/>
+              <a:t>0</a:t>
+            </a:r>
+            <a:r>
+              <a:t>扩展到</a:t>
+            </a:r>
+            <a:r>
+              <a:rPr lang="en-US" altLang="zh-CN"/>
+              <a:t>32</a:t>
+            </a:r>
+            <a:r>
+              <a:t>位再输入</a:t>
+            </a:r>
+          </a:p>
+        </p:txBody>
+      </p:sp>
+    </p:spTree>
+    <p:custDataLst>
+      <p:tags r:id="rId1"/>
+    </p:custDataLst>
+  </p:cSld>
+  <p:clrMapOvr>
+    <a:masterClrMapping/>
+  </p:clrMapOvr>
+</p:sld>
+</file>
+
+<file path=ppt/slides/slide7.xml><?xml version="1.0" encoding="utf-8"?>
+<p:sld xmlns:a="http://schemas.openxmlformats.org/drawingml/2006/main" xmlns:r="http://schemas.openxmlformats.org/officeDocument/2006/relationships" xmlns:p="http://schemas.openxmlformats.org/presentationml/2006/main">
+  <p:cSld>
+    <p:spTree>
+      <p:nvGrpSpPr>
+        <p:cNvPr id="1" name=""/>
+        <p:cNvGrpSpPr/>
+        <p:nvPr/>
+      </p:nvGrpSpPr>
+      <p:grpSpPr>
+        <a:xfrm>
+          <a:off x="0" y="0"/>
+          <a:ext cx="0" cy="0"/>
+          <a:chOff x="0" y="0"/>
+          <a:chExt cx="0" cy="0"/>
+        </a:xfrm>
+      </p:grpSpPr>
+      <p:sp>
+        <p:nvSpPr>
+          <p:cNvPr id="4" name="矩形 3"/>
+          <p:cNvSpPr/>
+          <p:nvPr/>
+        </p:nvSpPr>
+        <p:spPr>
+          <a:xfrm>
+            <a:off x="4058285" y="2212975"/>
+            <a:ext cx="2306955" cy="2306955"/>
+          </a:xfrm>
+          <a:prstGeom prst="rect">
+            <a:avLst/>
+          </a:prstGeom>
+          <a:ln w="19050">
+            <a:solidFill>
+              <a:schemeClr val="accent1"/>
+            </a:solidFill>
+          </a:ln>
+        </p:spPr>
+        <p:style>
+          <a:lnRef idx="2">
+            <a:schemeClr val="accent1"/>
+          </a:lnRef>
+          <a:fillRef idx="1">
+            <a:schemeClr val="lt1"/>
+          </a:fillRef>
+          <a:effectRef idx="0">
+            <a:schemeClr val="accent1"/>
+          </a:effectRef>
+          <a:fontRef idx="minor">
+            <a:schemeClr val="dk1"/>
+          </a:fontRef>
+        </p:style>
+        <p:txBody>
+          <a:bodyPr rtlCol="0" anchor="ctr"/>
+          <a:p>
+            <a:pPr algn="ctr"/>
+            <a:endParaRPr lang="zh-CN" altLang="en-US"/>
+          </a:p>
+        </p:txBody>
+      </p:sp>
+      <p:sp>
+        <p:nvSpPr>
+          <p:cNvPr id="6" name="直角三角形 5"/>
+          <p:cNvSpPr/>
+          <p:nvPr/>
+        </p:nvSpPr>
+        <p:spPr>
+          <a:xfrm rot="13500000">
+            <a:off x="3956050" y="4117975"/>
+            <a:ext cx="221615" cy="221615"/>
+          </a:xfrm>
+          <a:prstGeom prst="rtTriangle">
+            <a:avLst/>
+          </a:prstGeom>
+          <a:ln w="28575">
+            <a:solidFill>
+              <a:schemeClr val="accent1"/>
+            </a:solidFill>
+          </a:ln>
+        </p:spPr>
+        <p:style>
+          <a:lnRef idx="2">
+            <a:schemeClr val="accent1"/>
+          </a:lnRef>
+          <a:fillRef idx="1">
+            <a:schemeClr val="lt1"/>
+          </a:fillRef>
+          <a:effectRef idx="0">
+            <a:schemeClr val="accent1"/>
+          </a:effectRef>
+          <a:fontRef idx="minor">
+            <a:schemeClr val="dk1"/>
+          </a:fontRef>
+        </p:style>
+        <p:txBody>
+          <a:bodyPr rtlCol="0" anchor="ctr"/>
+          <a:p>
+            <a:pPr algn="ctr"/>
+            <a:endParaRPr lang="zh-CN" altLang="en-US"/>
+          </a:p>
+        </p:txBody>
+      </p:sp>
+      <p:sp>
+        <p:nvSpPr>
+          <p:cNvPr id="7" name="文本框 6"/>
+          <p:cNvSpPr txBox="1"/>
+          <p:nvPr/>
+        </p:nvSpPr>
+        <p:spPr>
+          <a:xfrm>
+            <a:off x="4058285" y="3620770"/>
+            <a:ext cx="725805" cy="368300"/>
+          </a:xfrm>
+          <a:prstGeom prst="rect">
+            <a:avLst/>
+          </a:prstGeom>
+          <a:noFill/>
+        </p:spPr>
+        <p:txBody>
+          <a:bodyPr wrap="square" rtlCol="0">
+            <a:spAutoFit/>
+          </a:bodyPr>
+          <a:p>
+            <a:r>
+              <a:rPr lang="en-US" altLang="zh-CN">
+                <a:solidFill>
+                  <a:schemeClr val="bg1">
+                    <a:lumMod val="50000"/>
+                  </a:schemeClr>
+                </a:solidFill>
+              </a:rPr>
+              <a:t>rst_n</a:t>
+            </a:r>
+            <a:endParaRPr lang="en-US" altLang="zh-CN">
+              <a:solidFill>
+                <a:schemeClr val="bg1">
+                  <a:lumMod val="50000"/>
+                </a:schemeClr>
+              </a:solidFill>
+            </a:endParaRPr>
+          </a:p>
+        </p:txBody>
+      </p:sp>
+      <p:sp>
+        <p:nvSpPr>
+          <p:cNvPr id="8" name="文本框 7"/>
+          <p:cNvSpPr txBox="1"/>
+          <p:nvPr/>
+        </p:nvSpPr>
+        <p:spPr>
+          <a:xfrm>
+            <a:off x="4050030" y="3174365"/>
+            <a:ext cx="1152525" cy="337185"/>
+          </a:xfrm>
+          <a:prstGeom prst="rect">
+            <a:avLst/>
+          </a:prstGeom>
+          <a:noFill/>
+        </p:spPr>
+        <p:txBody>
+          <a:bodyPr wrap="square" rtlCol="0">
+            <a:spAutoFit/>
+          </a:bodyPr>
+          <a:p>
+            <a:r>
+              <a:rPr lang="en-US" altLang="zh-CN" sz="1600">
+                <a:solidFill>
+                  <a:schemeClr val="tx1"/>
+                </a:solidFill>
+              </a:rPr>
+              <a:t>instruction</a:t>
+            </a:r>
+            <a:endParaRPr lang="en-US" altLang="zh-CN" sz="1600">
+              <a:solidFill>
+                <a:schemeClr val="tx1"/>
+              </a:solidFill>
+            </a:endParaRPr>
+          </a:p>
+        </p:txBody>
+      </p:sp>
+      <p:sp>
+        <p:nvSpPr>
+          <p:cNvPr id="9" name="文本框 8"/>
+          <p:cNvSpPr txBox="1"/>
+          <p:nvPr/>
+        </p:nvSpPr>
+        <p:spPr>
+          <a:xfrm>
+            <a:off x="4050030" y="2754630"/>
+            <a:ext cx="1673860" cy="337185"/>
+          </a:xfrm>
+          <a:prstGeom prst="rect">
+            <a:avLst/>
+          </a:prstGeom>
+          <a:noFill/>
+        </p:spPr>
+        <p:txBody>
+          <a:bodyPr wrap="square" rtlCol="0">
+            <a:spAutoFit/>
+          </a:bodyPr>
+          <a:p>
+            <a:r>
+              <a:rPr lang="en-US" altLang="zh-CN" sz="1600">
+                <a:solidFill>
+                  <a:srgbClr val="FF0000"/>
+                </a:solidFill>
+              </a:rPr>
+              <a:t>outside_data_i</a:t>
+            </a:r>
+            <a:endParaRPr lang="en-US" altLang="zh-CN" sz="1600">
+              <a:solidFill>
+                <a:srgbClr val="FF0000"/>
+              </a:solidFill>
+            </a:endParaRPr>
+          </a:p>
+        </p:txBody>
+      </p:sp>
+      <p:sp>
+        <p:nvSpPr>
+          <p:cNvPr id="10" name="文本框 9"/>
+          <p:cNvSpPr txBox="1"/>
+          <p:nvPr/>
+        </p:nvSpPr>
+        <p:spPr>
+          <a:xfrm>
+            <a:off x="4845685" y="2549525"/>
+            <a:ext cx="1554480" cy="337185"/>
+          </a:xfrm>
+          <a:prstGeom prst="rect">
+            <a:avLst/>
+          </a:prstGeom>
+          <a:noFill/>
+        </p:spPr>
+        <p:txBody>
+          <a:bodyPr wrap="square" rtlCol="0">
+            <a:spAutoFit/>
+          </a:bodyPr>
+          <a:p>
+            <a:pPr algn="r"/>
+            <a:r>
+              <a:rPr lang="en-US" altLang="zh-CN" sz="1600">
+                <a:solidFill>
+                  <a:srgbClr val="FF0000"/>
+                </a:solidFill>
+              </a:rPr>
+              <a:t>mem_io_write</a:t>
+            </a:r>
+            <a:endParaRPr lang="en-US" altLang="zh-CN" sz="1600">
+              <a:solidFill>
+                <a:srgbClr val="FF0000"/>
+              </a:solidFill>
+            </a:endParaRPr>
+          </a:p>
+        </p:txBody>
+      </p:sp>
+      <p:sp>
+        <p:nvSpPr>
+          <p:cNvPr id="11" name="文本框 10"/>
+          <p:cNvSpPr txBox="1"/>
+          <p:nvPr/>
+        </p:nvSpPr>
+        <p:spPr>
+          <a:xfrm>
+            <a:off x="5247640" y="3015615"/>
+            <a:ext cx="1152525" cy="337185"/>
+          </a:xfrm>
+          <a:prstGeom prst="rect">
+            <a:avLst/>
+          </a:prstGeom>
+          <a:noFill/>
+        </p:spPr>
+        <p:txBody>
+          <a:bodyPr wrap="square" rtlCol="0">
+            <a:spAutoFit/>
+          </a:bodyPr>
+          <a:p>
+            <a:pPr algn="r"/>
+            <a:r>
+              <a:rPr lang="en-US" altLang="zh-CN" sz="1600">
+                <a:solidFill>
+                  <a:schemeClr val="tx1"/>
+                </a:solidFill>
+              </a:rPr>
+              <a:t>data_addr</a:t>
+            </a:r>
+            <a:endParaRPr lang="en-US" altLang="zh-CN" sz="1600">
+              <a:solidFill>
+                <a:schemeClr val="tx1"/>
+              </a:solidFill>
+            </a:endParaRPr>
+          </a:p>
+        </p:txBody>
+      </p:sp>
+      <p:sp>
+        <p:nvSpPr>
+          <p:cNvPr id="12" name="文本框 11"/>
+          <p:cNvSpPr txBox="1"/>
+          <p:nvPr/>
+        </p:nvSpPr>
+        <p:spPr>
+          <a:xfrm>
+            <a:off x="5247640" y="3481705"/>
+            <a:ext cx="1152525" cy="337185"/>
+          </a:xfrm>
+          <a:prstGeom prst="rect">
+            <a:avLst/>
+          </a:prstGeom>
+          <a:noFill/>
+        </p:spPr>
+        <p:txBody>
+          <a:bodyPr wrap="square" rtlCol="0">
+            <a:spAutoFit/>
+          </a:bodyPr>
+          <a:p>
+            <a:pPr algn="r"/>
+            <a:r>
+              <a:rPr lang="en-US" altLang="zh-CN" sz="1600">
+                <a:solidFill>
+                  <a:schemeClr val="tx1"/>
+                </a:solidFill>
+              </a:rPr>
+              <a:t>data_out</a:t>
+            </a:r>
+            <a:endParaRPr lang="en-US" altLang="zh-CN" sz="1600">
+              <a:solidFill>
+                <a:schemeClr val="tx1"/>
+              </a:solidFill>
+            </a:endParaRPr>
+          </a:p>
+        </p:txBody>
+      </p:sp>
+      <p:sp>
+        <p:nvSpPr>
+          <p:cNvPr id="13" name="文本框 12"/>
+          <p:cNvSpPr txBox="1"/>
+          <p:nvPr/>
+        </p:nvSpPr>
+        <p:spPr>
+          <a:xfrm>
+            <a:off x="5871210" y="3947795"/>
+            <a:ext cx="528955" cy="337185"/>
+          </a:xfrm>
+          <a:prstGeom prst="rect">
+            <a:avLst/>
+          </a:prstGeom>
+          <a:noFill/>
+        </p:spPr>
+        <p:txBody>
+          <a:bodyPr wrap="square" rtlCol="0">
+            <a:spAutoFit/>
+          </a:bodyPr>
+          <a:p>
+            <a:pPr algn="r"/>
+            <a:r>
+              <a:rPr lang="en-US" altLang="zh-CN" sz="1600">
+                <a:solidFill>
+                  <a:schemeClr val="tx1"/>
+                </a:solidFill>
+              </a:rPr>
+              <a:t>pc</a:t>
+            </a:r>
+            <a:endParaRPr lang="en-US" altLang="zh-CN" sz="1600">
+              <a:solidFill>
+                <a:schemeClr val="tx1"/>
+              </a:solidFill>
+            </a:endParaRPr>
+          </a:p>
+        </p:txBody>
+      </p:sp>
+      <p:sp>
+        <p:nvSpPr>
+          <p:cNvPr id="14" name="文本框 13"/>
+          <p:cNvSpPr txBox="1"/>
+          <p:nvPr/>
+        </p:nvSpPr>
+        <p:spPr>
+          <a:xfrm>
+            <a:off x="4434205" y="4636135"/>
+            <a:ext cx="1554480" cy="398780"/>
+          </a:xfrm>
+          <a:prstGeom prst="rect">
+            <a:avLst/>
+          </a:prstGeom>
+          <a:noFill/>
+        </p:spPr>
+        <p:txBody>
+          <a:bodyPr wrap="square" rtlCol="0">
+            <a:spAutoFit/>
+          </a:bodyPr>
+          <a:p>
+            <a:pPr algn="ctr"/>
+            <a:r>
+              <a:rPr lang="en-US" altLang="zh-CN" sz="2000">
+                <a:solidFill>
+                  <a:schemeClr val="tx1"/>
+                </a:solidFill>
+              </a:rPr>
+              <a:t>CPU_only</a:t>
+            </a:r>
+            <a:endParaRPr lang="en-US" altLang="zh-CN" sz="2000">
+              <a:solidFill>
+                <a:schemeClr val="tx1"/>
+              </a:solidFill>
+            </a:endParaRPr>
+          </a:p>
+        </p:txBody>
+      </p:sp>
+      <p:sp>
+        <p:nvSpPr>
+          <p:cNvPr id="15" name="矩形 14"/>
+          <p:cNvSpPr/>
+          <p:nvPr/>
+        </p:nvSpPr>
+        <p:spPr>
+          <a:xfrm>
+            <a:off x="996950" y="2643505"/>
+            <a:ext cx="1427480" cy="1427480"/>
+          </a:xfrm>
+          <a:prstGeom prst="rect">
+            <a:avLst/>
+          </a:prstGeom>
+          <a:ln w="19050">
+            <a:solidFill>
+              <a:schemeClr val="accent1"/>
+            </a:solidFill>
+          </a:ln>
+        </p:spPr>
+        <p:style>
+          <a:lnRef idx="2">
+            <a:schemeClr val="accent1"/>
+          </a:lnRef>
+          <a:fillRef idx="1">
+            <a:schemeClr val="lt1"/>
+          </a:fillRef>
+          <a:effectRef idx="0">
+            <a:schemeClr val="accent1"/>
+          </a:effectRef>
+          <a:fontRef idx="minor">
+            <a:schemeClr val="dk1"/>
+          </a:fontRef>
+        </p:style>
+        <p:txBody>
+          <a:bodyPr rtlCol="0" anchor="ctr"/>
+          <a:p>
+            <a:pPr algn="ctr"/>
+            <a:endParaRPr lang="zh-CN" altLang="en-US"/>
+          </a:p>
+        </p:txBody>
+      </p:sp>
+      <p:sp>
+        <p:nvSpPr>
+          <p:cNvPr id="16" name="直角三角形 15"/>
+          <p:cNvSpPr/>
+          <p:nvPr/>
+        </p:nvSpPr>
+        <p:spPr>
+          <a:xfrm rot="13500000">
+            <a:off x="894715" y="3669030"/>
+            <a:ext cx="221615" cy="221615"/>
+          </a:xfrm>
+          <a:prstGeom prst="rtTriangle">
+            <a:avLst/>
+          </a:prstGeom>
+          <a:ln w="28575">
+            <a:solidFill>
+              <a:schemeClr val="accent1"/>
+            </a:solidFill>
+          </a:ln>
+        </p:spPr>
+        <p:style>
+          <a:lnRef idx="2">
+            <a:schemeClr val="accent1"/>
+          </a:lnRef>
+          <a:fillRef idx="1">
+            <a:schemeClr val="lt1"/>
+          </a:fillRef>
+          <a:effectRef idx="0">
+            <a:schemeClr val="accent1"/>
+          </a:effectRef>
+          <a:fontRef idx="minor">
+            <a:schemeClr val="dk1"/>
+          </a:fontRef>
+        </p:style>
+        <p:txBody>
+          <a:bodyPr rtlCol="0" anchor="ctr"/>
+          <a:p>
+            <a:pPr algn="ctr"/>
+            <a:endParaRPr lang="zh-CN" altLang="en-US"/>
+          </a:p>
+        </p:txBody>
+      </p:sp>
+      <p:sp>
+        <p:nvSpPr>
+          <p:cNvPr id="18" name="文本框 17"/>
+          <p:cNvSpPr txBox="1"/>
+          <p:nvPr/>
+        </p:nvSpPr>
+        <p:spPr>
+          <a:xfrm>
+            <a:off x="996950" y="3188970"/>
+            <a:ext cx="811530" cy="337185"/>
+          </a:xfrm>
+          <a:prstGeom prst="rect">
+            <a:avLst/>
+          </a:prstGeom>
+          <a:noFill/>
+        </p:spPr>
+        <p:txBody>
+          <a:bodyPr wrap="square" rtlCol="0">
+            <a:spAutoFit/>
+          </a:bodyPr>
+          <a:p>
+            <a:r>
+              <a:rPr lang="en-US" altLang="zh-CN" sz="1600">
+                <a:solidFill>
+                  <a:schemeClr val="tx1"/>
+                </a:solidFill>
+              </a:rPr>
+              <a:t>addra</a:t>
+            </a:r>
+            <a:endParaRPr lang="en-US" altLang="zh-CN" sz="1600">
+              <a:solidFill>
+                <a:schemeClr val="tx1"/>
+              </a:solidFill>
+            </a:endParaRPr>
+          </a:p>
+        </p:txBody>
+      </p:sp>
+      <p:sp>
+        <p:nvSpPr>
+          <p:cNvPr id="21" name="文本框 20"/>
+          <p:cNvSpPr txBox="1"/>
+          <p:nvPr/>
+        </p:nvSpPr>
+        <p:spPr>
+          <a:xfrm>
+            <a:off x="1708150" y="3188970"/>
+            <a:ext cx="716280" cy="337185"/>
+          </a:xfrm>
+          <a:prstGeom prst="rect">
+            <a:avLst/>
+          </a:prstGeom>
+          <a:noFill/>
+        </p:spPr>
+        <p:txBody>
+          <a:bodyPr wrap="square" rtlCol="0">
+            <a:spAutoFit/>
+          </a:bodyPr>
+          <a:p>
+            <a:pPr algn="r"/>
+            <a:r>
+              <a:rPr lang="en-US" altLang="zh-CN" sz="1600">
+                <a:solidFill>
+                  <a:schemeClr val="tx1"/>
+                </a:solidFill>
+              </a:rPr>
+              <a:t>douta</a:t>
+            </a:r>
+            <a:endParaRPr lang="en-US" altLang="zh-CN" sz="1600">
+              <a:solidFill>
+                <a:schemeClr val="tx1"/>
+              </a:solidFill>
+            </a:endParaRPr>
+          </a:p>
+        </p:txBody>
+      </p:sp>
+      <p:sp>
+        <p:nvSpPr>
+          <p:cNvPr id="24" name="文本框 23"/>
+          <p:cNvSpPr txBox="1"/>
+          <p:nvPr/>
+        </p:nvSpPr>
+        <p:spPr>
+          <a:xfrm>
+            <a:off x="933450" y="4187190"/>
+            <a:ext cx="1554480" cy="398780"/>
+          </a:xfrm>
+          <a:prstGeom prst="rect">
+            <a:avLst/>
+          </a:prstGeom>
+          <a:noFill/>
+        </p:spPr>
+        <p:txBody>
+          <a:bodyPr wrap="square" rtlCol="0">
+            <a:spAutoFit/>
+          </a:bodyPr>
+          <a:p>
+            <a:pPr algn="ctr"/>
+            <a:r>
+              <a:rPr lang="en-US" altLang="zh-CN" sz="2000">
+                <a:solidFill>
+                  <a:schemeClr val="tx1"/>
+                </a:solidFill>
+              </a:rPr>
+              <a:t>inst_rom</a:t>
+            </a:r>
+            <a:endParaRPr lang="en-US" altLang="zh-CN" sz="2000">
+              <a:solidFill>
+                <a:schemeClr val="tx1"/>
+              </a:solidFill>
+            </a:endParaRPr>
+          </a:p>
+        </p:txBody>
+      </p:sp>
+      <p:cxnSp>
+        <p:nvCxnSpPr>
+          <p:cNvPr id="25" name="直接连接符 24"/>
+          <p:cNvCxnSpPr>
+            <a:stCxn id="13" idx="3"/>
+          </p:cNvCxnSpPr>
+          <p:nvPr/>
+        </p:nvCxnSpPr>
+        <p:spPr>
+          <a:xfrm>
+            <a:off x="6400165" y="4116705"/>
+            <a:ext cx="535940" cy="0"/>
+          </a:xfrm>
+          <a:prstGeom prst="line">
+            <a:avLst/>
+          </a:prstGeom>
+        </p:spPr>
+        <p:style>
+          <a:lnRef idx="1">
+            <a:schemeClr val="accent1"/>
+          </a:lnRef>
+          <a:fillRef idx="0">
+            <a:schemeClr val="accent1"/>
+          </a:fillRef>
+          <a:effectRef idx="0">
+            <a:schemeClr val="accent1"/>
+          </a:effectRef>
+          <a:fontRef idx="minor">
+            <a:schemeClr val="tx1"/>
+          </a:fontRef>
+        </p:style>
+      </p:cxnSp>
+      <p:cxnSp>
+        <p:nvCxnSpPr>
+          <p:cNvPr id="26" name="直接连接符 25"/>
+          <p:cNvCxnSpPr/>
+          <p:nvPr/>
+        </p:nvCxnSpPr>
+        <p:spPr>
+          <a:xfrm>
+            <a:off x="6927850" y="4107180"/>
+            <a:ext cx="0" cy="1469390"/>
+          </a:xfrm>
+          <a:prstGeom prst="line">
+            <a:avLst/>
+          </a:prstGeom>
+        </p:spPr>
+        <p:style>
+          <a:lnRef idx="1">
+            <a:schemeClr val="accent1"/>
+          </a:lnRef>
+          <a:fillRef idx="0">
+            <a:schemeClr val="accent1"/>
+          </a:fillRef>
+          <a:effectRef idx="0">
+            <a:schemeClr val="accent1"/>
+          </a:effectRef>
+          <a:fontRef idx="minor">
+            <a:schemeClr val="tx1"/>
+          </a:fontRef>
+        </p:style>
+      </p:cxnSp>
+      <p:cxnSp>
+        <p:nvCxnSpPr>
+          <p:cNvPr id="27" name="直接连接符 26"/>
+          <p:cNvCxnSpPr/>
+          <p:nvPr/>
+        </p:nvCxnSpPr>
+        <p:spPr>
+          <a:xfrm flipH="1">
+            <a:off x="565785" y="5095240"/>
+            <a:ext cx="1962785" cy="3175"/>
+          </a:xfrm>
+          <a:prstGeom prst="line">
+            <a:avLst/>
+          </a:prstGeom>
+        </p:spPr>
+        <p:style>
+          <a:lnRef idx="1">
+            <a:schemeClr val="accent1"/>
+          </a:lnRef>
+          <a:fillRef idx="0">
+            <a:schemeClr val="accent1"/>
+          </a:fillRef>
+          <a:effectRef idx="0">
+            <a:schemeClr val="accent1"/>
+          </a:effectRef>
+          <a:fontRef idx="minor">
+            <a:schemeClr val="tx1"/>
+          </a:fontRef>
+        </p:style>
+      </p:cxnSp>
+      <p:cxnSp>
+        <p:nvCxnSpPr>
+          <p:cNvPr id="28" name="直接连接符 27"/>
+          <p:cNvCxnSpPr/>
+          <p:nvPr/>
+        </p:nvCxnSpPr>
+        <p:spPr>
+          <a:xfrm flipV="1">
+            <a:off x="556260" y="3338830"/>
+            <a:ext cx="0" cy="1750695"/>
+          </a:xfrm>
+          <a:prstGeom prst="line">
+            <a:avLst/>
+          </a:prstGeom>
+        </p:spPr>
+        <p:style>
+          <a:lnRef idx="1">
+            <a:schemeClr val="accent1"/>
+          </a:lnRef>
+          <a:fillRef idx="0">
+            <a:schemeClr val="accent1"/>
+          </a:fillRef>
+          <a:effectRef idx="0">
+            <a:schemeClr val="accent1"/>
+          </a:effectRef>
+          <a:fontRef idx="minor">
+            <a:schemeClr val="tx1"/>
+          </a:fontRef>
+        </p:style>
+      </p:cxnSp>
+      <p:cxnSp>
+        <p:nvCxnSpPr>
+          <p:cNvPr id="29" name="直接箭头连接符 28"/>
+          <p:cNvCxnSpPr>
+            <a:endCxn id="18" idx="1"/>
+          </p:cNvCxnSpPr>
+          <p:nvPr/>
+        </p:nvCxnSpPr>
+        <p:spPr>
+          <a:xfrm flipV="1">
+            <a:off x="539750" y="3357880"/>
+            <a:ext cx="457200" cy="3810"/>
+          </a:xfrm>
+          <a:prstGeom prst="straightConnector1">
+            <a:avLst/>
+          </a:prstGeom>
+          <a:ln>
+            <a:tailEnd type="arrow"/>
+          </a:ln>
+        </p:spPr>
+        <p:style>
+          <a:lnRef idx="1">
+            <a:schemeClr val="accent1"/>
+          </a:lnRef>
+          <a:fillRef idx="0">
+            <a:schemeClr val="accent1"/>
+          </a:fillRef>
+          <a:effectRef idx="0">
+            <a:schemeClr val="accent1"/>
+          </a:effectRef>
+          <a:fontRef idx="minor">
+            <a:schemeClr val="tx1"/>
+          </a:fontRef>
+        </p:style>
+      </p:cxnSp>
+      <p:cxnSp>
+        <p:nvCxnSpPr>
+          <p:cNvPr id="30" name="直接箭头连接符 29"/>
+          <p:cNvCxnSpPr>
+            <a:stCxn id="21" idx="3"/>
+            <a:endCxn id="8" idx="1"/>
+          </p:cNvCxnSpPr>
+          <p:nvPr/>
+        </p:nvCxnSpPr>
+        <p:spPr>
+          <a:xfrm flipV="1">
+            <a:off x="2424430" y="3343275"/>
+            <a:ext cx="1625600" cy="14605"/>
+          </a:xfrm>
+          <a:prstGeom prst="straightConnector1">
+            <a:avLst/>
+          </a:prstGeom>
+          <a:ln>
+            <a:tailEnd type="arrow"/>
+          </a:ln>
+        </p:spPr>
+        <p:style>
+          <a:lnRef idx="1">
+            <a:schemeClr val="accent1"/>
+          </a:lnRef>
+          <a:fillRef idx="0">
+            <a:schemeClr val="accent1"/>
+          </a:fillRef>
+          <a:effectRef idx="0">
+            <a:schemeClr val="accent1"/>
+          </a:effectRef>
+          <a:fontRef idx="minor">
+            <a:schemeClr val="tx1"/>
+          </a:fontRef>
+        </p:style>
+      </p:cxnSp>
+      <p:sp>
+        <p:nvSpPr>
+          <p:cNvPr id="31" name="矩形 30"/>
+          <p:cNvSpPr/>
+          <p:nvPr/>
+        </p:nvSpPr>
+        <p:spPr>
+          <a:xfrm>
+            <a:off x="8627745" y="579755"/>
+            <a:ext cx="2306955" cy="2306955"/>
+          </a:xfrm>
+          <a:prstGeom prst="rect">
+            <a:avLst/>
+          </a:prstGeom>
+          <a:ln w="19050">
+            <a:solidFill>
+              <a:schemeClr val="accent1"/>
+            </a:solidFill>
+          </a:ln>
+        </p:spPr>
+        <p:style>
+          <a:lnRef idx="2">
+            <a:schemeClr val="accent1"/>
+          </a:lnRef>
+          <a:fillRef idx="1">
+            <a:schemeClr val="lt1"/>
+          </a:fillRef>
+          <a:effectRef idx="0">
+            <a:schemeClr val="accent1"/>
+          </a:effectRef>
+          <a:fontRef idx="minor">
+            <a:schemeClr val="dk1"/>
+          </a:fontRef>
+        </p:style>
+        <p:txBody>
+          <a:bodyPr rtlCol="0" anchor="ctr"/>
+          <a:p>
+            <a:pPr algn="ctr"/>
+            <a:endParaRPr lang="zh-CN" altLang="en-US"/>
+          </a:p>
+        </p:txBody>
+      </p:sp>
+      <p:sp>
+        <p:nvSpPr>
+          <p:cNvPr id="32" name="直角三角形 31"/>
+          <p:cNvSpPr/>
+          <p:nvPr/>
+        </p:nvSpPr>
+        <p:spPr>
+          <a:xfrm rot="13500000">
+            <a:off x="8525510" y="2484755"/>
+            <a:ext cx="221615" cy="221615"/>
+          </a:xfrm>
+          <a:prstGeom prst="rtTriangle">
+            <a:avLst/>
+          </a:prstGeom>
+          <a:ln w="28575">
+            <a:solidFill>
+              <a:schemeClr val="accent1"/>
+            </a:solidFill>
+          </a:ln>
+        </p:spPr>
+        <p:style>
+          <a:lnRef idx="2">
+            <a:schemeClr val="accent1"/>
+          </a:lnRef>
+          <a:fillRef idx="1">
+            <a:schemeClr val="lt1"/>
+          </a:fillRef>
+          <a:effectRef idx="0">
+            <a:schemeClr val="accent1"/>
+          </a:effectRef>
+          <a:fontRef idx="minor">
+            <a:schemeClr val="dk1"/>
+          </a:fontRef>
+        </p:style>
+        <p:txBody>
+          <a:bodyPr rtlCol="0" anchor="ctr"/>
+          <a:p>
+            <a:pPr algn="ctr"/>
+            <a:endParaRPr lang="zh-CN" altLang="en-US"/>
+          </a:p>
+        </p:txBody>
+      </p:sp>
+      <p:sp>
+        <p:nvSpPr>
+          <p:cNvPr id="37" name="文本框 36"/>
+          <p:cNvSpPr txBox="1"/>
+          <p:nvPr/>
+        </p:nvSpPr>
+        <p:spPr>
+          <a:xfrm>
+            <a:off x="10095230" y="1373505"/>
+            <a:ext cx="844550" cy="337185"/>
+          </a:xfrm>
+          <a:prstGeom prst="rect">
+            <a:avLst/>
+          </a:prstGeom>
+          <a:noFill/>
+        </p:spPr>
+        <p:txBody>
+          <a:bodyPr wrap="square" rtlCol="0">
+            <a:spAutoFit/>
+          </a:bodyPr>
+          <a:p>
+            <a:pPr algn="r"/>
+            <a:r>
+              <a:rPr lang="en-US" altLang="zh-CN" sz="1600">
+                <a:solidFill>
+                  <a:schemeClr val="tx1"/>
+                </a:solidFill>
+              </a:rPr>
+              <a:t>douta</a:t>
+            </a:r>
+            <a:endParaRPr lang="en-US" altLang="zh-CN" sz="1600">
+              <a:solidFill>
+                <a:schemeClr val="tx1"/>
+              </a:solidFill>
+            </a:endParaRPr>
+          </a:p>
+        </p:txBody>
+      </p:sp>
+      <p:sp>
+        <p:nvSpPr>
+          <p:cNvPr id="38" name="文本框 37"/>
+          <p:cNvSpPr txBox="1"/>
+          <p:nvPr/>
+        </p:nvSpPr>
+        <p:spPr>
+          <a:xfrm>
+            <a:off x="10095230" y="1852930"/>
+            <a:ext cx="844550" cy="337185"/>
+          </a:xfrm>
+          <a:prstGeom prst="rect">
+            <a:avLst/>
+          </a:prstGeom>
+          <a:noFill/>
+        </p:spPr>
+        <p:txBody>
+          <a:bodyPr wrap="square" rtlCol="0">
+            <a:spAutoFit/>
+          </a:bodyPr>
+          <a:p>
+            <a:pPr algn="r"/>
+            <a:r>
+              <a:rPr lang="en-US" altLang="zh-CN" sz="1600">
+                <a:solidFill>
+                  <a:schemeClr val="tx1"/>
+                </a:solidFill>
+              </a:rPr>
+              <a:t>dina</a:t>
+            </a:r>
+            <a:endParaRPr lang="en-US" altLang="zh-CN" sz="1600">
+              <a:solidFill>
+                <a:schemeClr val="tx1"/>
+              </a:solidFill>
+            </a:endParaRPr>
+          </a:p>
+        </p:txBody>
+      </p:sp>
+      <p:sp>
+        <p:nvSpPr>
+          <p:cNvPr id="39" name="文本框 38"/>
+          <p:cNvSpPr txBox="1"/>
+          <p:nvPr/>
+        </p:nvSpPr>
+        <p:spPr>
+          <a:xfrm>
+            <a:off x="10095230" y="2332355"/>
+            <a:ext cx="844550" cy="337185"/>
+          </a:xfrm>
+          <a:prstGeom prst="rect">
+            <a:avLst/>
+          </a:prstGeom>
+          <a:noFill/>
+        </p:spPr>
+        <p:txBody>
+          <a:bodyPr wrap="square" rtlCol="0">
+            <a:spAutoFit/>
+          </a:bodyPr>
+          <a:p>
+            <a:pPr algn="r"/>
+            <a:r>
+              <a:rPr lang="en-US" altLang="zh-CN" sz="1600">
+                <a:solidFill>
+                  <a:schemeClr val="tx1"/>
+                </a:solidFill>
+              </a:rPr>
+              <a:t>wea</a:t>
+            </a:r>
+            <a:endParaRPr lang="en-US" altLang="zh-CN" sz="1600">
+              <a:solidFill>
+                <a:schemeClr val="tx1"/>
+              </a:solidFill>
+            </a:endParaRPr>
+          </a:p>
+        </p:txBody>
+      </p:sp>
+      <p:sp>
+        <p:nvSpPr>
+          <p:cNvPr id="40" name="文本框 39"/>
+          <p:cNvSpPr txBox="1"/>
+          <p:nvPr/>
+        </p:nvSpPr>
+        <p:spPr>
+          <a:xfrm>
+            <a:off x="9003665" y="180975"/>
+            <a:ext cx="1554480" cy="398780"/>
+          </a:xfrm>
+          <a:prstGeom prst="rect">
+            <a:avLst/>
+          </a:prstGeom>
+          <a:noFill/>
+        </p:spPr>
+        <p:txBody>
+          <a:bodyPr wrap="square" rtlCol="0">
+            <a:spAutoFit/>
+          </a:bodyPr>
+          <a:p>
+            <a:pPr algn="ctr"/>
+            <a:r>
+              <a:rPr lang="en-US" altLang="zh-CN" sz="2000">
+                <a:solidFill>
+                  <a:schemeClr val="tx1"/>
+                </a:solidFill>
+              </a:rPr>
+              <a:t>data_ram</a:t>
+            </a:r>
+            <a:endParaRPr lang="en-US" altLang="zh-CN" sz="2000">
+              <a:solidFill>
+                <a:schemeClr val="tx1"/>
+              </a:solidFill>
+            </a:endParaRPr>
+          </a:p>
+        </p:txBody>
+      </p:sp>
+      <p:sp>
+        <p:nvSpPr>
+          <p:cNvPr id="41" name="文本框 40"/>
+          <p:cNvSpPr txBox="1"/>
+          <p:nvPr/>
+        </p:nvSpPr>
+        <p:spPr>
+          <a:xfrm>
+            <a:off x="10118725" y="894080"/>
+            <a:ext cx="821055" cy="337185"/>
+          </a:xfrm>
+          <a:prstGeom prst="rect">
+            <a:avLst/>
+          </a:prstGeom>
+          <a:noFill/>
+        </p:spPr>
+        <p:txBody>
+          <a:bodyPr wrap="square" rtlCol="0">
+            <a:spAutoFit/>
+          </a:bodyPr>
+          <a:p>
+            <a:pPr algn="r"/>
+            <a:r>
+              <a:rPr lang="en-US" altLang="zh-CN" sz="1600">
+                <a:solidFill>
+                  <a:schemeClr val="tx1"/>
+                </a:solidFill>
+              </a:rPr>
+              <a:t>addra</a:t>
+            </a:r>
+            <a:endParaRPr lang="en-US" altLang="zh-CN" sz="1600">
+              <a:solidFill>
+                <a:schemeClr val="tx1"/>
+              </a:solidFill>
+            </a:endParaRPr>
+          </a:p>
+        </p:txBody>
+      </p:sp>
+      <p:sp>
+        <p:nvSpPr>
+          <p:cNvPr id="52" name="文本框 51"/>
+          <p:cNvSpPr txBox="1"/>
+          <p:nvPr/>
+        </p:nvSpPr>
+        <p:spPr>
+          <a:xfrm>
+            <a:off x="275590" y="264160"/>
+            <a:ext cx="2486025" cy="829945"/>
+          </a:xfrm>
+          <a:prstGeom prst="rect">
+            <a:avLst/>
+          </a:prstGeom>
+          <a:noFill/>
+        </p:spPr>
+        <p:txBody>
+          <a:bodyPr wrap="none" rtlCol="0">
+            <a:spAutoFit/>
+          </a:bodyPr>
+          <a:p>
+            <a:r>
+              <a:rPr lang="en-US" altLang="zh-CN" sz="2400"/>
+              <a:t>3. SOC</a:t>
+            </a:r>
+            <a:endParaRPr lang="en-US" altLang="zh-CN" sz="2400"/>
+          </a:p>
+          <a:p>
+            <a:r>
+              <a:rPr lang="zh-CN" altLang="en-US" sz="2400"/>
+              <a:t>（</a:t>
+            </a:r>
+            <a:r>
+              <a:rPr lang="en-US" altLang="zh-CN" sz="2400"/>
+              <a:t>1</a:t>
+            </a:r>
+            <a:r>
+              <a:rPr lang="zh-CN" altLang="en-US" sz="2400"/>
+              <a:t>）加外设控制</a:t>
+            </a:r>
+            <a:endParaRPr lang="zh-CN" altLang="en-US" sz="2400"/>
+          </a:p>
+        </p:txBody>
+      </p:sp>
+      <p:sp>
+        <p:nvSpPr>
+          <p:cNvPr id="2" name="矩形 1"/>
+          <p:cNvSpPr/>
+          <p:nvPr/>
+        </p:nvSpPr>
+        <p:spPr>
+          <a:xfrm>
+            <a:off x="2528570" y="4840605"/>
+            <a:ext cx="1040130" cy="1040130"/>
+          </a:xfrm>
+          <a:prstGeom prst="rect">
+            <a:avLst/>
+          </a:prstGeom>
+          <a:ln w="19050">
+            <a:solidFill>
+              <a:schemeClr val="accent1"/>
+            </a:solidFill>
+          </a:ln>
+        </p:spPr>
+        <p:style>
+          <a:lnRef idx="2">
+            <a:schemeClr val="accent1"/>
+          </a:lnRef>
+          <a:fillRef idx="1">
+            <a:schemeClr val="lt1"/>
+          </a:fillRef>
+          <a:effectRef idx="0">
+            <a:schemeClr val="accent1"/>
+          </a:effectRef>
+          <a:fontRef idx="minor">
+            <a:schemeClr val="dk1"/>
+          </a:fontRef>
+        </p:style>
+        <p:txBody>
+          <a:bodyPr rtlCol="0" anchor="ctr"/>
+          <a:p>
+            <a:pPr algn="ctr"/>
+            <a:endParaRPr lang="zh-CN" altLang="en-US"/>
+          </a:p>
+        </p:txBody>
+      </p:sp>
+      <p:cxnSp>
+        <p:nvCxnSpPr>
+          <p:cNvPr id="3" name="直接连接符 2"/>
+          <p:cNvCxnSpPr/>
+          <p:nvPr/>
+        </p:nvCxnSpPr>
+        <p:spPr>
+          <a:xfrm flipH="1" flipV="1">
+            <a:off x="3568700" y="5567045"/>
+            <a:ext cx="3359150" cy="1905"/>
+          </a:xfrm>
+          <a:prstGeom prst="line">
+            <a:avLst/>
+          </a:prstGeom>
+        </p:spPr>
+        <p:style>
+          <a:lnRef idx="1">
+            <a:schemeClr val="accent1"/>
+          </a:lnRef>
+          <a:fillRef idx="0">
+            <a:schemeClr val="accent1"/>
+          </a:fillRef>
+          <a:effectRef idx="0">
+            <a:schemeClr val="accent1"/>
+          </a:effectRef>
+          <a:fontRef idx="minor">
+            <a:schemeClr val="tx1"/>
+          </a:fontRef>
+        </p:style>
+      </p:cxnSp>
+      <p:sp>
+        <p:nvSpPr>
+          <p:cNvPr id="5" name="文本框 4"/>
+          <p:cNvSpPr txBox="1"/>
+          <p:nvPr/>
+        </p:nvSpPr>
+        <p:spPr>
+          <a:xfrm>
+            <a:off x="2271395" y="5921375"/>
+            <a:ext cx="1554480" cy="368300"/>
+          </a:xfrm>
+          <a:prstGeom prst="rect">
+            <a:avLst/>
+          </a:prstGeom>
+          <a:noFill/>
+        </p:spPr>
+        <p:txBody>
+          <a:bodyPr wrap="square" rtlCol="0">
+            <a:spAutoFit/>
+          </a:bodyPr>
+          <a:p>
+            <a:pPr algn="ctr"/>
+            <a:r>
+              <a:rPr lang="en-US" altLang="zh-CN">
+                <a:solidFill>
+                  <a:schemeClr val="tx1"/>
+                </a:solidFill>
+              </a:rPr>
+              <a:t>inst_mmu</a:t>
+            </a:r>
+            <a:endParaRPr lang="en-US" altLang="zh-CN">
+              <a:solidFill>
+                <a:schemeClr val="tx1"/>
+              </a:solidFill>
+            </a:endParaRPr>
+          </a:p>
+        </p:txBody>
+      </p:sp>
+      <p:sp>
+        <p:nvSpPr>
+          <p:cNvPr id="17" name="文本框 16"/>
+          <p:cNvSpPr txBox="1"/>
+          <p:nvPr/>
+        </p:nvSpPr>
+        <p:spPr>
+          <a:xfrm>
+            <a:off x="2488565" y="5396865"/>
+            <a:ext cx="1149350" cy="306705"/>
+          </a:xfrm>
+          <a:prstGeom prst="rect">
+            <a:avLst/>
+          </a:prstGeom>
+          <a:noFill/>
+        </p:spPr>
+        <p:txBody>
+          <a:bodyPr wrap="square" rtlCol="0">
+            <a:spAutoFit/>
+          </a:bodyPr>
+          <a:p>
+            <a:pPr algn="r"/>
+            <a:r>
+              <a:rPr lang="en-US" altLang="zh-CN" sz="1400">
+                <a:solidFill>
+                  <a:schemeClr val="tx1"/>
+                </a:solidFill>
+              </a:rPr>
+              <a:t>virtual_addr</a:t>
+            </a:r>
+            <a:endParaRPr lang="en-US" altLang="zh-CN" sz="1400">
+              <a:solidFill>
+                <a:schemeClr val="tx1"/>
+              </a:solidFill>
+            </a:endParaRPr>
+          </a:p>
+        </p:txBody>
+      </p:sp>
+      <p:sp>
+        <p:nvSpPr>
+          <p:cNvPr id="19" name="文本框 18"/>
+          <p:cNvSpPr txBox="1"/>
+          <p:nvPr/>
+        </p:nvSpPr>
+        <p:spPr>
+          <a:xfrm>
+            <a:off x="2520315" y="4959985"/>
+            <a:ext cx="982980" cy="306705"/>
+          </a:xfrm>
+          <a:prstGeom prst="rect">
+            <a:avLst/>
+          </a:prstGeom>
+          <a:noFill/>
+        </p:spPr>
+        <p:txBody>
+          <a:bodyPr wrap="square" rtlCol="0">
+            <a:spAutoFit/>
+          </a:bodyPr>
+          <a:p>
+            <a:pPr algn="l"/>
+            <a:r>
+              <a:rPr lang="en-US" altLang="zh-CN" sz="1400">
+                <a:solidFill>
+                  <a:schemeClr val="tx1"/>
+                </a:solidFill>
+              </a:rPr>
+              <a:t>real_addr</a:t>
+            </a:r>
+            <a:endParaRPr lang="en-US" altLang="zh-CN" sz="1400">
+              <a:solidFill>
+                <a:schemeClr val="tx1"/>
+              </a:solidFill>
+            </a:endParaRPr>
+          </a:p>
+        </p:txBody>
+      </p:sp>
+      <p:sp>
+        <p:nvSpPr>
+          <p:cNvPr id="20" name="矩形 19"/>
+          <p:cNvSpPr/>
+          <p:nvPr/>
+        </p:nvSpPr>
+        <p:spPr>
+          <a:xfrm>
+            <a:off x="7934960" y="3188335"/>
+            <a:ext cx="2657475" cy="3001645"/>
+          </a:xfrm>
+          <a:prstGeom prst="rect">
+            <a:avLst/>
+          </a:prstGeom>
+          <a:ln w="19050">
+            <a:solidFill>
+              <a:schemeClr val="accent1"/>
+            </a:solidFill>
+          </a:ln>
+        </p:spPr>
+        <p:style>
+          <a:lnRef idx="2">
+            <a:schemeClr val="accent1"/>
+          </a:lnRef>
+          <a:fillRef idx="1">
+            <a:schemeClr val="lt1"/>
+          </a:fillRef>
+          <a:effectRef idx="0">
+            <a:schemeClr val="accent1"/>
+          </a:effectRef>
+          <a:fontRef idx="minor">
+            <a:schemeClr val="dk1"/>
+          </a:fontRef>
+        </p:style>
+        <p:txBody>
+          <a:bodyPr rtlCol="0" anchor="ctr"/>
+          <a:p>
+            <a:pPr algn="ctr"/>
+            <a:endParaRPr lang="zh-CN" altLang="en-US"/>
+          </a:p>
+        </p:txBody>
+      </p:sp>
+      <p:sp>
+        <p:nvSpPr>
+          <p:cNvPr id="33" name="文本框 32"/>
+          <p:cNvSpPr txBox="1"/>
+          <p:nvPr/>
+        </p:nvSpPr>
+        <p:spPr>
+          <a:xfrm>
+            <a:off x="7918450" y="4492625"/>
+            <a:ext cx="1296670" cy="337185"/>
+          </a:xfrm>
+          <a:prstGeom prst="rect">
+            <a:avLst/>
+          </a:prstGeom>
+          <a:noFill/>
+        </p:spPr>
+        <p:txBody>
+          <a:bodyPr wrap="square" rtlCol="0">
+            <a:spAutoFit/>
+          </a:bodyPr>
+          <a:p>
+            <a:pPr algn="l"/>
+            <a:r>
+              <a:rPr lang="en-US" altLang="zh-CN" sz="1600">
+                <a:solidFill>
+                  <a:schemeClr val="tx1"/>
+                </a:solidFill>
+              </a:rPr>
+              <a:t>cpu_addr_i</a:t>
+            </a:r>
+            <a:endParaRPr lang="en-US" altLang="zh-CN" sz="1600">
+              <a:solidFill>
+                <a:schemeClr val="tx1"/>
+              </a:solidFill>
+            </a:endParaRPr>
+          </a:p>
+        </p:txBody>
+      </p:sp>
+      <p:sp>
+        <p:nvSpPr>
+          <p:cNvPr id="34" name="文本框 33"/>
+          <p:cNvSpPr txBox="1"/>
+          <p:nvPr/>
+        </p:nvSpPr>
+        <p:spPr>
+          <a:xfrm>
+            <a:off x="7918450" y="4991100"/>
+            <a:ext cx="1296670" cy="337185"/>
+          </a:xfrm>
+          <a:prstGeom prst="rect">
+            <a:avLst/>
+          </a:prstGeom>
+          <a:noFill/>
+        </p:spPr>
+        <p:txBody>
+          <a:bodyPr wrap="square" rtlCol="0">
+            <a:spAutoFit/>
+          </a:bodyPr>
+          <a:p>
+            <a:pPr algn="l"/>
+            <a:r>
+              <a:rPr lang="en-US" altLang="zh-CN" sz="1600">
+                <a:solidFill>
+                  <a:schemeClr val="tx1"/>
+                </a:solidFill>
+              </a:rPr>
+              <a:t>cpu_data_i</a:t>
+            </a:r>
+            <a:endParaRPr lang="en-US" altLang="zh-CN" sz="1600">
+              <a:solidFill>
+                <a:schemeClr val="tx1"/>
+              </a:solidFill>
+            </a:endParaRPr>
+          </a:p>
+        </p:txBody>
+      </p:sp>
+      <p:sp>
+        <p:nvSpPr>
+          <p:cNvPr id="35" name="文本框 34"/>
+          <p:cNvSpPr txBox="1"/>
+          <p:nvPr/>
+        </p:nvSpPr>
+        <p:spPr>
+          <a:xfrm>
+            <a:off x="8301990" y="6190615"/>
+            <a:ext cx="2055495" cy="398780"/>
+          </a:xfrm>
+          <a:prstGeom prst="rect">
+            <a:avLst/>
+          </a:prstGeom>
+          <a:noFill/>
+        </p:spPr>
+        <p:txBody>
+          <a:bodyPr wrap="square" rtlCol="0">
+            <a:spAutoFit/>
+          </a:bodyPr>
+          <a:p>
+            <a:pPr algn="ctr"/>
+            <a:r>
+              <a:rPr lang="en-US" altLang="zh-CN" sz="2000">
+                <a:solidFill>
+                  <a:schemeClr val="tx1"/>
+                </a:solidFill>
+              </a:rPr>
+              <a:t>mem_or_io_ctl</a:t>
+            </a:r>
+            <a:endParaRPr lang="en-US" altLang="zh-CN" sz="2000">
+              <a:solidFill>
+                <a:schemeClr val="tx1"/>
+              </a:solidFill>
+            </a:endParaRPr>
+          </a:p>
+        </p:txBody>
+      </p:sp>
+      <p:sp>
+        <p:nvSpPr>
+          <p:cNvPr id="36" name="文本框 35"/>
+          <p:cNvSpPr txBox="1"/>
+          <p:nvPr/>
+        </p:nvSpPr>
+        <p:spPr>
+          <a:xfrm>
+            <a:off x="9038590" y="3821430"/>
+            <a:ext cx="1553845" cy="337185"/>
+          </a:xfrm>
+          <a:prstGeom prst="rect">
+            <a:avLst/>
+          </a:prstGeom>
+          <a:noFill/>
+        </p:spPr>
+        <p:txBody>
+          <a:bodyPr wrap="square" rtlCol="0">
+            <a:spAutoFit/>
+          </a:bodyPr>
+          <a:p>
+            <a:pPr algn="r"/>
+            <a:r>
+              <a:rPr lang="en-US" altLang="zh-CN" sz="1600">
+                <a:solidFill>
+                  <a:schemeClr val="tx1"/>
+                </a:solidFill>
+              </a:rPr>
+              <a:t>mem_data_i</a:t>
+            </a:r>
+            <a:endParaRPr lang="en-US" altLang="zh-CN" sz="1600">
+              <a:solidFill>
+                <a:schemeClr val="tx1"/>
+              </a:solidFill>
+            </a:endParaRPr>
+          </a:p>
+        </p:txBody>
+      </p:sp>
+      <p:cxnSp>
+        <p:nvCxnSpPr>
+          <p:cNvPr id="50" name="肘形连接符 49"/>
+          <p:cNvCxnSpPr>
+            <a:endCxn id="33" idx="1"/>
+          </p:cNvCxnSpPr>
+          <p:nvPr/>
+        </p:nvCxnSpPr>
+        <p:spPr>
+          <a:xfrm>
+            <a:off x="6400165" y="3174365"/>
+            <a:ext cx="1518285" cy="1487170"/>
+          </a:xfrm>
+          <a:prstGeom prst="bentConnector3">
+            <a:avLst>
+              <a:gd name="adj1" fmla="val 60685"/>
+            </a:avLst>
+          </a:prstGeom>
+          <a:ln>
+            <a:tailEnd type="arrow"/>
+          </a:ln>
+        </p:spPr>
+        <p:style>
+          <a:lnRef idx="1">
+            <a:schemeClr val="accent1"/>
+          </a:lnRef>
+          <a:fillRef idx="0">
+            <a:schemeClr val="accent1"/>
+          </a:fillRef>
+          <a:effectRef idx="0">
+            <a:schemeClr val="accent1"/>
+          </a:effectRef>
+          <a:fontRef idx="minor">
+            <a:schemeClr val="tx1"/>
+          </a:fontRef>
+        </p:style>
+      </p:cxnSp>
+      <p:cxnSp>
+        <p:nvCxnSpPr>
+          <p:cNvPr id="51" name="肘形连接符 50"/>
+          <p:cNvCxnSpPr>
+            <a:stCxn id="12" idx="3"/>
+            <a:endCxn id="34" idx="1"/>
+          </p:cNvCxnSpPr>
+          <p:nvPr/>
+        </p:nvCxnSpPr>
+        <p:spPr>
+          <a:xfrm>
+            <a:off x="6400165" y="3650615"/>
+            <a:ext cx="1518285" cy="1509395"/>
+          </a:xfrm>
+          <a:prstGeom prst="bentConnector3">
+            <a:avLst>
+              <a:gd name="adj1" fmla="val 50021"/>
+            </a:avLst>
+          </a:prstGeom>
+          <a:ln>
+            <a:tailEnd type="arrow"/>
+          </a:ln>
+        </p:spPr>
+        <p:style>
+          <a:lnRef idx="1">
+            <a:schemeClr val="accent1"/>
+          </a:lnRef>
+          <a:fillRef idx="0">
+            <a:schemeClr val="accent1"/>
+          </a:fillRef>
+          <a:effectRef idx="0">
+            <a:schemeClr val="accent1"/>
+          </a:effectRef>
+          <a:fontRef idx="minor">
+            <a:schemeClr val="tx1"/>
+          </a:fontRef>
+        </p:style>
+      </p:cxnSp>
+      <p:sp>
+        <p:nvSpPr>
+          <p:cNvPr id="53" name="文本框 52"/>
+          <p:cNvSpPr txBox="1"/>
+          <p:nvPr/>
+        </p:nvSpPr>
+        <p:spPr>
+          <a:xfrm>
+            <a:off x="9038590" y="4853305"/>
+            <a:ext cx="1553845" cy="337185"/>
+          </a:xfrm>
+          <a:prstGeom prst="rect">
+            <a:avLst/>
+          </a:prstGeom>
+          <a:noFill/>
+        </p:spPr>
+        <p:txBody>
+          <a:bodyPr wrap="square" rtlCol="0">
+            <a:spAutoFit/>
+          </a:bodyPr>
+          <a:p>
+            <a:pPr algn="r"/>
+            <a:r>
+              <a:rPr lang="en-US" altLang="zh-CN" sz="1600">
+                <a:solidFill>
+                  <a:schemeClr val="tx1"/>
+                </a:solidFill>
+              </a:rPr>
+              <a:t>led_data_o</a:t>
+            </a:r>
+            <a:endParaRPr lang="en-US" altLang="zh-CN" sz="1600">
+              <a:solidFill>
+                <a:schemeClr val="tx1"/>
+              </a:solidFill>
+            </a:endParaRPr>
+          </a:p>
+        </p:txBody>
+      </p:sp>
+      <p:sp>
+        <p:nvSpPr>
+          <p:cNvPr id="54" name="文本框 53"/>
+          <p:cNvSpPr txBox="1"/>
+          <p:nvPr/>
+        </p:nvSpPr>
+        <p:spPr>
+          <a:xfrm>
+            <a:off x="9038590" y="3547110"/>
+            <a:ext cx="1553845" cy="337185"/>
+          </a:xfrm>
+          <a:prstGeom prst="rect">
+            <a:avLst/>
+          </a:prstGeom>
+          <a:noFill/>
+        </p:spPr>
+        <p:txBody>
+          <a:bodyPr wrap="square" rtlCol="0">
+            <a:spAutoFit/>
+          </a:bodyPr>
+          <a:p>
+            <a:pPr algn="r"/>
+            <a:r>
+              <a:rPr lang="en-US" altLang="zh-CN" sz="1600">
+                <a:sym typeface="+mn-ea"/>
+              </a:rPr>
+              <a:t>mem_data_o</a:t>
+            </a:r>
+            <a:endParaRPr lang="en-US" altLang="zh-CN" sz="1600">
+              <a:solidFill>
+                <a:schemeClr val="tx1"/>
+              </a:solidFill>
+            </a:endParaRPr>
+          </a:p>
+        </p:txBody>
+      </p:sp>
+      <p:sp>
+        <p:nvSpPr>
+          <p:cNvPr id="55" name="文本框 54"/>
+          <p:cNvSpPr txBox="1"/>
+          <p:nvPr/>
+        </p:nvSpPr>
+        <p:spPr>
+          <a:xfrm>
+            <a:off x="9038590" y="4568825"/>
+            <a:ext cx="1553845" cy="337185"/>
+          </a:xfrm>
+          <a:prstGeom prst="rect">
+            <a:avLst/>
+          </a:prstGeom>
+          <a:noFill/>
+        </p:spPr>
+        <p:txBody>
+          <a:bodyPr wrap="square" rtlCol="0">
+            <a:spAutoFit/>
+          </a:bodyPr>
+          <a:p>
+            <a:pPr algn="r"/>
+            <a:r>
+              <a:rPr lang="en-US" altLang="zh-CN" sz="1600">
+                <a:solidFill>
+                  <a:schemeClr val="tx1"/>
+                </a:solidFill>
+              </a:rPr>
+              <a:t>io_write</a:t>
+            </a:r>
+            <a:endParaRPr lang="en-US" altLang="zh-CN" sz="1600">
+              <a:solidFill>
+                <a:schemeClr val="tx1"/>
+              </a:solidFill>
+            </a:endParaRPr>
+          </a:p>
+        </p:txBody>
+      </p:sp>
+      <p:sp>
+        <p:nvSpPr>
+          <p:cNvPr id="56" name="文本框 55"/>
+          <p:cNvSpPr txBox="1"/>
+          <p:nvPr/>
+        </p:nvSpPr>
+        <p:spPr>
+          <a:xfrm>
+            <a:off x="9038590" y="5137785"/>
+            <a:ext cx="1553845" cy="337185"/>
+          </a:xfrm>
+          <a:prstGeom prst="rect">
+            <a:avLst/>
+          </a:prstGeom>
+          <a:noFill/>
+        </p:spPr>
+        <p:txBody>
+          <a:bodyPr wrap="square" rtlCol="0">
+            <a:spAutoFit/>
+          </a:bodyPr>
+          <a:p>
+            <a:pPr algn="r"/>
+            <a:r>
+              <a:rPr lang="en-US" altLang="zh-CN" sz="1600">
+                <a:solidFill>
+                  <a:schemeClr val="tx1"/>
+                </a:solidFill>
+              </a:rPr>
+              <a:t>switch_data_i</a:t>
+            </a:r>
+            <a:endParaRPr lang="en-US" altLang="zh-CN" sz="1600">
+              <a:solidFill>
+                <a:schemeClr val="tx1"/>
+              </a:solidFill>
+            </a:endParaRPr>
+          </a:p>
+        </p:txBody>
+      </p:sp>
+      <p:sp>
+        <p:nvSpPr>
+          <p:cNvPr id="57" name="文本框 56"/>
+          <p:cNvSpPr txBox="1"/>
+          <p:nvPr/>
+        </p:nvSpPr>
+        <p:spPr>
+          <a:xfrm>
+            <a:off x="9038590" y="5422265"/>
+            <a:ext cx="1553845" cy="337185"/>
+          </a:xfrm>
+          <a:prstGeom prst="rect">
+            <a:avLst/>
+          </a:prstGeom>
+          <a:noFill/>
+        </p:spPr>
+        <p:txBody>
+          <a:bodyPr wrap="square" rtlCol="0">
+            <a:spAutoFit/>
+          </a:bodyPr>
+          <a:p>
+            <a:pPr algn="r"/>
+            <a:r>
+              <a:rPr lang="en-US" altLang="zh-CN" sz="1600">
+                <a:solidFill>
+                  <a:schemeClr val="tx1"/>
+                </a:solidFill>
+              </a:rPr>
+              <a:t>chip_select</a:t>
+            </a:r>
+            <a:endParaRPr lang="en-US" altLang="zh-CN" sz="1600">
+              <a:solidFill>
+                <a:schemeClr val="tx1"/>
+              </a:solidFill>
+            </a:endParaRPr>
+          </a:p>
+        </p:txBody>
+      </p:sp>
+      <p:sp>
+        <p:nvSpPr>
+          <p:cNvPr id="58" name="文本框 57"/>
+          <p:cNvSpPr txBox="1"/>
+          <p:nvPr/>
+        </p:nvSpPr>
+        <p:spPr>
+          <a:xfrm>
+            <a:off x="9038590" y="4095750"/>
+            <a:ext cx="1553845" cy="337185"/>
+          </a:xfrm>
+          <a:prstGeom prst="rect">
+            <a:avLst/>
+          </a:prstGeom>
+          <a:noFill/>
+        </p:spPr>
+        <p:txBody>
+          <a:bodyPr wrap="square" rtlCol="0">
+            <a:spAutoFit/>
+          </a:bodyPr>
+          <a:p>
+            <a:pPr algn="r"/>
+            <a:r>
+              <a:rPr lang="en-US" altLang="zh-CN" sz="1600">
+                <a:solidFill>
+                  <a:schemeClr val="tx1"/>
+                </a:solidFill>
+              </a:rPr>
+              <a:t>mem_addr</a:t>
+            </a:r>
+            <a:endParaRPr lang="en-US" altLang="zh-CN" sz="1600">
+              <a:solidFill>
+                <a:schemeClr val="tx1"/>
+              </a:solidFill>
+            </a:endParaRPr>
+          </a:p>
+        </p:txBody>
+      </p:sp>
+      <p:sp>
+        <p:nvSpPr>
+          <p:cNvPr id="60" name="文本框 59"/>
+          <p:cNvSpPr txBox="1"/>
+          <p:nvPr/>
+        </p:nvSpPr>
+        <p:spPr>
+          <a:xfrm>
+            <a:off x="7918450" y="3994150"/>
+            <a:ext cx="1497965" cy="337185"/>
+          </a:xfrm>
+          <a:prstGeom prst="rect">
+            <a:avLst/>
+          </a:prstGeom>
+          <a:noFill/>
+        </p:spPr>
+        <p:txBody>
+          <a:bodyPr wrap="square" rtlCol="0">
+            <a:spAutoFit/>
+          </a:bodyPr>
+          <a:p>
+            <a:pPr algn="l"/>
+            <a:r>
+              <a:rPr lang="en-US" altLang="zh-CN" sz="1600">
+                <a:solidFill>
+                  <a:schemeClr val="tx1"/>
+                </a:solidFill>
+              </a:rPr>
+              <a:t>mem_io_write</a:t>
+            </a:r>
+            <a:endParaRPr lang="en-US" altLang="zh-CN" sz="1600">
+              <a:solidFill>
+                <a:schemeClr val="tx1"/>
+              </a:solidFill>
+            </a:endParaRPr>
+          </a:p>
+        </p:txBody>
+      </p:sp>
+      <p:cxnSp>
+        <p:nvCxnSpPr>
+          <p:cNvPr id="61" name="肘形连接符 60"/>
+          <p:cNvCxnSpPr>
+            <a:stCxn id="10" idx="3"/>
+            <a:endCxn id="60" idx="1"/>
+          </p:cNvCxnSpPr>
+          <p:nvPr/>
+        </p:nvCxnSpPr>
+        <p:spPr>
+          <a:xfrm>
+            <a:off x="6400165" y="2718435"/>
+            <a:ext cx="1518285" cy="1444625"/>
+          </a:xfrm>
+          <a:prstGeom prst="bentConnector3">
+            <a:avLst>
+              <a:gd name="adj1" fmla="val 77582"/>
+            </a:avLst>
+          </a:prstGeom>
+          <a:ln>
+            <a:tailEnd type="arrow"/>
+          </a:ln>
+        </p:spPr>
+        <p:style>
+          <a:lnRef idx="1">
+            <a:schemeClr val="accent1"/>
+          </a:lnRef>
+          <a:fillRef idx="0">
+            <a:schemeClr val="accent1"/>
+          </a:fillRef>
+          <a:effectRef idx="0">
+            <a:schemeClr val="accent1"/>
+          </a:effectRef>
+          <a:fontRef idx="minor">
+            <a:schemeClr val="tx1"/>
+          </a:fontRef>
+        </p:style>
+      </p:cxnSp>
+      <p:sp>
+        <p:nvSpPr>
+          <p:cNvPr id="68" name="文本框 67"/>
+          <p:cNvSpPr txBox="1"/>
+          <p:nvPr/>
+        </p:nvSpPr>
+        <p:spPr>
+          <a:xfrm>
+            <a:off x="9038590" y="3272790"/>
+            <a:ext cx="1553845" cy="337185"/>
+          </a:xfrm>
+          <a:prstGeom prst="rect">
+            <a:avLst/>
+          </a:prstGeom>
+          <a:noFill/>
+        </p:spPr>
+        <p:txBody>
+          <a:bodyPr wrap="square" rtlCol="0">
+            <a:spAutoFit/>
+          </a:bodyPr>
+          <a:p>
+            <a:pPr algn="r"/>
+            <a:r>
+              <a:rPr lang="en-US" altLang="zh-CN" sz="1600">
+                <a:solidFill>
+                  <a:schemeClr val="tx1"/>
+                </a:solidFill>
+              </a:rPr>
+              <a:t>mem_write</a:t>
+            </a:r>
+            <a:endParaRPr lang="en-US" altLang="zh-CN" sz="1600">
+              <a:solidFill>
+                <a:schemeClr val="tx1"/>
+              </a:solidFill>
+            </a:endParaRPr>
+          </a:p>
+        </p:txBody>
+      </p:sp>
+      <p:cxnSp>
+        <p:nvCxnSpPr>
+          <p:cNvPr id="69" name="肘形连接符 68"/>
+          <p:cNvCxnSpPr>
+            <a:stCxn id="68" idx="3"/>
+            <a:endCxn id="39" idx="3"/>
+          </p:cNvCxnSpPr>
+          <p:nvPr/>
+        </p:nvCxnSpPr>
+        <p:spPr>
+          <a:xfrm flipV="1">
+            <a:off x="10592435" y="2501265"/>
+            <a:ext cx="347345" cy="940435"/>
+          </a:xfrm>
+          <a:prstGeom prst="bentConnector3">
+            <a:avLst>
+              <a:gd name="adj1" fmla="val 168556"/>
+            </a:avLst>
+          </a:prstGeom>
+          <a:ln>
+            <a:tailEnd type="arrow"/>
+          </a:ln>
+        </p:spPr>
+        <p:style>
+          <a:lnRef idx="1">
+            <a:schemeClr val="accent1"/>
+          </a:lnRef>
+          <a:fillRef idx="0">
+            <a:schemeClr val="accent1"/>
+          </a:fillRef>
+          <a:effectRef idx="0">
+            <a:schemeClr val="accent1"/>
+          </a:effectRef>
+          <a:fontRef idx="minor">
+            <a:schemeClr val="tx1"/>
+          </a:fontRef>
+        </p:style>
+      </p:cxnSp>
+      <p:cxnSp>
+        <p:nvCxnSpPr>
+          <p:cNvPr id="70" name="肘形连接符 69"/>
+          <p:cNvCxnSpPr/>
+          <p:nvPr/>
+        </p:nvCxnSpPr>
+        <p:spPr>
+          <a:xfrm flipV="1">
+            <a:off x="10592435" y="2012950"/>
+            <a:ext cx="347345" cy="1694180"/>
+          </a:xfrm>
+          <a:prstGeom prst="bentConnector3">
+            <a:avLst>
+              <a:gd name="adj1" fmla="val 234917"/>
+            </a:avLst>
+          </a:prstGeom>
+          <a:ln>
+            <a:tailEnd type="arrow"/>
+          </a:ln>
+        </p:spPr>
+        <p:style>
+          <a:lnRef idx="1">
+            <a:schemeClr val="accent1"/>
+          </a:lnRef>
+          <a:fillRef idx="0">
+            <a:schemeClr val="accent1"/>
+          </a:fillRef>
+          <a:effectRef idx="0">
+            <a:schemeClr val="accent1"/>
+          </a:effectRef>
+          <a:fontRef idx="minor">
+            <a:schemeClr val="tx1"/>
+          </a:fontRef>
+        </p:style>
+      </p:cxnSp>
+      <p:cxnSp>
+        <p:nvCxnSpPr>
+          <p:cNvPr id="72" name="肘形连接符 71"/>
+          <p:cNvCxnSpPr>
+            <a:endCxn id="41" idx="3"/>
+          </p:cNvCxnSpPr>
+          <p:nvPr/>
+        </p:nvCxnSpPr>
+        <p:spPr>
+          <a:xfrm rot="16200000">
+            <a:off x="9152255" y="2498090"/>
+            <a:ext cx="3221990" cy="352425"/>
+          </a:xfrm>
+          <a:prstGeom prst="bentConnector4">
+            <a:avLst>
+              <a:gd name="adj1" fmla="val -581"/>
+              <a:gd name="adj2" fmla="val 390360"/>
+            </a:avLst>
+          </a:prstGeom>
+          <a:ln>
+            <a:tailEnd type="arrow"/>
+          </a:ln>
+        </p:spPr>
+        <p:style>
+          <a:lnRef idx="1">
+            <a:schemeClr val="accent1"/>
+          </a:lnRef>
+          <a:fillRef idx="0">
+            <a:schemeClr val="accent1"/>
+          </a:fillRef>
+          <a:effectRef idx="0">
+            <a:schemeClr val="accent1"/>
+          </a:effectRef>
+          <a:fontRef idx="minor">
+            <a:schemeClr val="tx1"/>
+          </a:fontRef>
+        </p:style>
+      </p:cxnSp>
+      <p:cxnSp>
+        <p:nvCxnSpPr>
+          <p:cNvPr id="76" name="肘形连接符 75"/>
+          <p:cNvCxnSpPr/>
+          <p:nvPr/>
+        </p:nvCxnSpPr>
+        <p:spPr>
+          <a:xfrm flipH="1">
+            <a:off x="10592435" y="1541145"/>
+            <a:ext cx="347345" cy="2447925"/>
+          </a:xfrm>
+          <a:prstGeom prst="bentConnector3">
+            <a:avLst>
+              <a:gd name="adj1" fmla="val -208592"/>
+            </a:avLst>
+          </a:prstGeom>
+          <a:ln>
+            <a:tailEnd type="arrow"/>
+          </a:ln>
+        </p:spPr>
+        <p:style>
+          <a:lnRef idx="1">
+            <a:schemeClr val="accent1"/>
+          </a:lnRef>
+          <a:fillRef idx="0">
+            <a:schemeClr val="accent1"/>
+          </a:fillRef>
+          <a:effectRef idx="0">
+            <a:schemeClr val="accent1"/>
+          </a:effectRef>
+          <a:fontRef idx="minor">
+            <a:schemeClr val="tx1"/>
+          </a:fontRef>
+        </p:style>
+      </p:cxnSp>
+      <p:sp>
+        <p:nvSpPr>
+          <p:cNvPr id="77" name="文本框 76"/>
+          <p:cNvSpPr txBox="1"/>
+          <p:nvPr/>
+        </p:nvSpPr>
+        <p:spPr>
+          <a:xfrm>
+            <a:off x="7934960" y="3481705"/>
+            <a:ext cx="1497965" cy="337185"/>
+          </a:xfrm>
+          <a:prstGeom prst="rect">
+            <a:avLst/>
+          </a:prstGeom>
+          <a:noFill/>
+        </p:spPr>
+        <p:txBody>
+          <a:bodyPr wrap="square" rtlCol="0">
+            <a:spAutoFit/>
+          </a:bodyPr>
+          <a:p>
+            <a:pPr algn="l"/>
+            <a:r>
+              <a:rPr lang="en-US" altLang="zh-CN" sz="1600">
+                <a:solidFill>
+                  <a:schemeClr val="tx1"/>
+                </a:solidFill>
+              </a:rPr>
+              <a:t>cpu_data_o</a:t>
+            </a:r>
+            <a:endParaRPr lang="en-US" altLang="zh-CN" sz="1600">
+              <a:solidFill>
+                <a:schemeClr val="tx1"/>
+              </a:solidFill>
+            </a:endParaRPr>
+          </a:p>
+        </p:txBody>
+      </p:sp>
+      <p:cxnSp>
+        <p:nvCxnSpPr>
+          <p:cNvPr id="80" name="肘形连接符 79"/>
+          <p:cNvCxnSpPr>
+            <a:stCxn id="77" idx="1"/>
+          </p:cNvCxnSpPr>
+          <p:nvPr/>
+        </p:nvCxnSpPr>
+        <p:spPr>
+          <a:xfrm rot="10800000">
+            <a:off x="7738110" y="1553845"/>
+            <a:ext cx="196850" cy="2096770"/>
+          </a:xfrm>
+          <a:prstGeom prst="bentConnector2">
+            <a:avLst/>
+          </a:prstGeom>
+        </p:spPr>
+        <p:style>
+          <a:lnRef idx="1">
+            <a:schemeClr val="accent1"/>
+          </a:lnRef>
+          <a:fillRef idx="0">
+            <a:schemeClr val="accent1"/>
+          </a:fillRef>
+          <a:effectRef idx="0">
+            <a:schemeClr val="accent1"/>
+          </a:effectRef>
+          <a:fontRef idx="minor">
+            <a:schemeClr val="tx1"/>
+          </a:fontRef>
+        </p:style>
+      </p:cxnSp>
+      <p:cxnSp>
+        <p:nvCxnSpPr>
+          <p:cNvPr id="81" name="肘形连接符 80"/>
+          <p:cNvCxnSpPr>
+            <a:endCxn id="9" idx="1"/>
+          </p:cNvCxnSpPr>
+          <p:nvPr/>
+        </p:nvCxnSpPr>
+        <p:spPr>
+          <a:xfrm rot="10800000" flipV="1">
+            <a:off x="4049395" y="1553210"/>
+            <a:ext cx="3670935" cy="1369695"/>
+          </a:xfrm>
+          <a:prstGeom prst="bentConnector3">
+            <a:avLst>
+              <a:gd name="adj1" fmla="val 106487"/>
+            </a:avLst>
+          </a:prstGeom>
+          <a:ln>
+            <a:tailEnd type="arrow"/>
+          </a:ln>
+        </p:spPr>
+        <p:style>
+          <a:lnRef idx="1">
+            <a:schemeClr val="accent1"/>
+          </a:lnRef>
+          <a:fillRef idx="0">
+            <a:schemeClr val="accent1"/>
+          </a:fillRef>
+          <a:effectRef idx="0">
+            <a:schemeClr val="accent1"/>
+          </a:effectRef>
+          <a:fontRef idx="minor">
+            <a:schemeClr val="tx1"/>
+          </a:fontRef>
+        </p:style>
+      </p:cxnSp>
+      <p:sp>
+        <p:nvSpPr>
+          <p:cNvPr id="82" name="矩形 81"/>
+          <p:cNvSpPr/>
+          <p:nvPr/>
+        </p:nvSpPr>
+        <p:spPr>
+          <a:xfrm>
+            <a:off x="11014710" y="4661535"/>
+            <a:ext cx="1040130" cy="1040130"/>
+          </a:xfrm>
+          <a:prstGeom prst="rect">
+            <a:avLst/>
+          </a:prstGeom>
+          <a:ln w="19050">
+            <a:solidFill>
+              <a:schemeClr val="accent1"/>
+            </a:solidFill>
+          </a:ln>
+        </p:spPr>
+        <p:style>
+          <a:lnRef idx="2">
+            <a:schemeClr val="accent1"/>
+          </a:lnRef>
+          <a:fillRef idx="1">
+            <a:schemeClr val="lt1"/>
+          </a:fillRef>
+          <a:effectRef idx="0">
+            <a:schemeClr val="accent1"/>
+          </a:effectRef>
+          <a:fontRef idx="minor">
+            <a:schemeClr val="dk1"/>
+          </a:fontRef>
+        </p:style>
+        <p:txBody>
+          <a:bodyPr rtlCol="0" anchor="ctr"/>
+          <a:p>
+            <a:pPr algn="ctr"/>
+            <a:endParaRPr lang="zh-CN" altLang="en-US"/>
+          </a:p>
+        </p:txBody>
+      </p:sp>
+      <p:sp>
+        <p:nvSpPr>
+          <p:cNvPr id="83" name="文本框 82"/>
+          <p:cNvSpPr txBox="1"/>
+          <p:nvPr/>
+        </p:nvSpPr>
+        <p:spPr>
+          <a:xfrm>
+            <a:off x="11167428" y="4859020"/>
+            <a:ext cx="734695" cy="645160"/>
+          </a:xfrm>
+          <a:prstGeom prst="rect">
+            <a:avLst/>
+          </a:prstGeom>
+          <a:noFill/>
+        </p:spPr>
+        <p:txBody>
+          <a:bodyPr wrap="square" rtlCol="0">
+            <a:spAutoFit/>
+          </a:bodyPr>
+          <a:p>
+            <a:r>
+              <a:rPr lang="zh-CN" altLang="en-US"/>
+              <a:t>接口芯片</a:t>
+            </a:r>
+            <a:endParaRPr lang="zh-CN" altLang="en-US"/>
+          </a:p>
+        </p:txBody>
+      </p:sp>
+      <p:cxnSp>
+        <p:nvCxnSpPr>
+          <p:cNvPr id="85" name="直接箭头连接符 84"/>
+          <p:cNvCxnSpPr>
+            <a:endCxn id="82" idx="1"/>
+          </p:cNvCxnSpPr>
+          <p:nvPr/>
+        </p:nvCxnSpPr>
+        <p:spPr>
+          <a:xfrm flipV="1">
+            <a:off x="10669905" y="5181600"/>
+            <a:ext cx="344805" cy="1905"/>
+          </a:xfrm>
+          <a:prstGeom prst="straightConnector1">
+            <a:avLst/>
+          </a:prstGeom>
+          <a:ln>
+            <a:headEnd type="arrow"/>
+            <a:tailEnd type="arrow"/>
+          </a:ln>
+        </p:spPr>
+        <p:style>
+          <a:lnRef idx="1">
+            <a:schemeClr val="accent1"/>
+          </a:lnRef>
+          <a:fillRef idx="0">
+            <a:schemeClr val="accent1"/>
+          </a:fillRef>
+          <a:effectRef idx="0">
+            <a:schemeClr val="accent1"/>
+          </a:effectRef>
+          <a:fontRef idx="minor">
+            <a:schemeClr val="tx1"/>
+          </a:fontRef>
+        </p:style>
+      </p:cxnSp>
+      <p:sp>
+        <p:nvSpPr>
+          <p:cNvPr id="86" name="文本框 85"/>
+          <p:cNvSpPr txBox="1"/>
+          <p:nvPr/>
+        </p:nvSpPr>
+        <p:spPr>
+          <a:xfrm>
+            <a:off x="9003665" y="5706745"/>
+            <a:ext cx="1553845" cy="337185"/>
+          </a:xfrm>
+          <a:prstGeom prst="rect">
+            <a:avLst/>
+          </a:prstGeom>
+          <a:noFill/>
+        </p:spPr>
+        <p:txBody>
+          <a:bodyPr wrap="square" rtlCol="0">
+            <a:spAutoFit/>
+          </a:bodyPr>
+          <a:p>
+            <a:pPr algn="r"/>
+            <a:r>
+              <a:rPr lang="en-US" altLang="zh-CN" sz="1600">
+                <a:solidFill>
+                  <a:schemeClr val="tx1"/>
+                </a:solidFill>
+              </a:rPr>
+              <a:t>io_port_addr</a:t>
+            </a:r>
+            <a:endParaRPr lang="en-US" altLang="zh-CN" sz="1600">
+              <a:solidFill>
+                <a:schemeClr val="tx1"/>
+              </a:solidFill>
+            </a:endParaRPr>
+          </a:p>
+        </p:txBody>
+      </p:sp>
+    </p:spTree>
+    <p:custDataLst>
+      <p:tags r:id="rId1"/>
     </p:custDataLst>
   </p:cSld>
   <p:clrMapOvr>
@@ -12779,6 +15512,35 @@
 </p:tagLst>
 </file>
 
+<file path=ppt/tags/tag70.xml><?xml version="1.0" encoding="utf-8"?>
+<p:tagLst xmlns:p="http://schemas.openxmlformats.org/presentationml/2006/main">
+  <p:tag name="KSO_WM_BEAUTIFY_FLAG" val="#wm#"/>
+  <p:tag name="KSO_WM_TEMPLATE_CATEGORY" val="custom"/>
+  <p:tag name="KSO_WM_TEMPLATE_INDEX" val="20205081"/>
+</p:tagLst>
+</file>
+
+<file path=ppt/tags/tag71.xml><?xml version="1.0" encoding="utf-8"?>
+<p:tagLst xmlns:p="http://schemas.openxmlformats.org/presentationml/2006/main">
+  <p:tag name="KSO_WM_SLIDE_ID" val="custom20205081_1"/>
+  <p:tag name="KSO_WM_TEMPLATE_SUBCATEGORY" val="19"/>
+  <p:tag name="KSO_WM_TEMPLATE_MASTER_TYPE" val="0"/>
+  <p:tag name="KSO_WM_TEMPLATE_COLOR_TYPE" val="1"/>
+  <p:tag name="KSO_WM_SLIDE_TYPE" val="title"/>
+  <p:tag name="KSO_WM_SLIDE_SUBTYPE" val="defaultBlank"/>
+  <p:tag name="KSO_WM_SLIDE_ITEM_CNT" val="0"/>
+  <p:tag name="KSO_WM_SLIDE_INDEX" val="1"/>
+  <p:tag name="KSO_WM_TAG_VERSION" val="1.0"/>
+  <p:tag name="KSO_WM_BEAUTIFY_FLAG" val="#wm#"/>
+  <p:tag name="KSO_WM_TEMPLATE_CATEGORY" val="custom"/>
+  <p:tag name="KSO_WM_TEMPLATE_INDEX" val="20205081"/>
+  <p:tag name="KSO_WM_SLIDE_LAYOUT" val="a_b"/>
+  <p:tag name="KSO_WM_SLIDE_LAYOUT_CNT" val="1_1"/>
+  <p:tag name="KSO_WM_UNIT_SHOW_EDIT_AREA_INDICATION" val="1"/>
+  <p:tag name="KSO_WM_TEMPLATE_THUMBS_INDEX" val="1、4、7、12、13、14、15、16、17、18、20、24、25、28、33、36、40、43、44"/>
+</p:tagLst>
+</file>
+
 <file path=ppt/tags/tag8.xml><?xml version="1.0" encoding="utf-8"?>
 <p:tagLst xmlns:p="http://schemas.openxmlformats.org/presentationml/2006/main">
   <p:tag name="KSO_WM_UNIT_HIGHLIGHT" val="0"/>

--- a/PersonalProgress/HaitianJiang/SingleMiniSys/mycpu_design/顶层数据通路设计.pptx
+++ b/PersonalProgress/HaitianJiang/SingleMiniSys/mycpu_design/顶层数据通路设计.pptx
@@ -4,6 +4,9 @@
   <p:sldMasterIdLst>
     <p:sldMasterId id="2147483648" r:id="rId1"/>
   </p:sldMasterIdLst>
+  <p:notesMasterIdLst>
+    <p:notesMasterId r:id="rId11"/>
+  </p:notesMasterIdLst>
   <p:sldIdLst>
     <p:sldId id="409" r:id="rId3"/>
     <p:sldId id="410" r:id="rId4"/>
@@ -12,6 +15,7 @@
     <p:sldId id="413" r:id="rId7"/>
     <p:sldId id="418" r:id="rId8"/>
     <p:sldId id="414" r:id="rId9"/>
+    <p:sldId id="420" r:id="rId10"/>
   </p:sldIdLst>
   <p:sldSz cx="12192000" cy="6858000"/>
   <p:notesSz cx="6858000" cy="9144000"/>
@@ -111,6 +115,397 @@
     </a:lvl9pPr>
   </p:defaultTextStyle>
 </p:presentation>
+</file>
+
+<file path=ppt/notesMasters/notesMaster1.xml><?xml version="1.0" encoding="utf-8"?>
+<p:notesMaster xmlns:a="http://schemas.openxmlformats.org/drawingml/2006/main" xmlns:r="http://schemas.openxmlformats.org/officeDocument/2006/relationships" xmlns:p="http://schemas.openxmlformats.org/presentationml/2006/main">
+  <p:cSld>
+    <p:bg>
+      <p:bgRef idx="1001">
+        <a:schemeClr val="bg1"/>
+      </p:bgRef>
+    </p:bg>
+    <p:spTree>
+      <p:nvGrpSpPr>
+        <p:cNvPr id="1" name=""/>
+        <p:cNvGrpSpPr/>
+        <p:nvPr/>
+      </p:nvGrpSpPr>
+      <p:grpSpPr>
+        <a:xfrm>
+          <a:off x="0" y="0"/>
+          <a:ext cx="0" cy="0"/>
+          <a:chOff x="0" y="0"/>
+          <a:chExt cx="0" cy="0"/>
+        </a:xfrm>
+      </p:grpSpPr>
+      <p:sp>
+        <p:nvSpPr>
+          <p:cNvPr id="2" name="页眉占位符 1"/>
+          <p:cNvSpPr>
+            <a:spLocks noGrp="1"/>
+          </p:cNvSpPr>
+          <p:nvPr>
+            <p:ph type="hdr" sz="quarter"/>
+          </p:nvPr>
+        </p:nvSpPr>
+        <p:spPr>
+          <a:xfrm>
+            <a:off x="0" y="0"/>
+            <a:ext cx="2971800" cy="458788"/>
+          </a:xfrm>
+          <a:prstGeom prst="rect">
+            <a:avLst/>
+          </a:prstGeom>
+        </p:spPr>
+        <p:txBody>
+          <a:bodyPr vert="horz" lIns="91440" tIns="45720" rIns="91440" bIns="45720" rtlCol="0"/>
+          <a:lstStyle>
+            <a:lvl1pPr algn="l">
+              <a:defRPr sz="1200"/>
+            </a:lvl1pPr>
+          </a:lstStyle>
+          <a:p>
+            <a:endParaRPr lang="zh-CN" altLang="en-US"/>
+          </a:p>
+        </p:txBody>
+      </p:sp>
+      <p:sp>
+        <p:nvSpPr>
+          <p:cNvPr id="3" name="日期占位符 2"/>
+          <p:cNvSpPr>
+            <a:spLocks noGrp="1"/>
+          </p:cNvSpPr>
+          <p:nvPr>
+            <p:ph type="dt" idx="1"/>
+          </p:nvPr>
+        </p:nvSpPr>
+        <p:spPr>
+          <a:xfrm>
+            <a:off x="3884613" y="0"/>
+            <a:ext cx="2971800" cy="458788"/>
+          </a:xfrm>
+          <a:prstGeom prst="rect">
+            <a:avLst/>
+          </a:prstGeom>
+        </p:spPr>
+        <p:txBody>
+          <a:bodyPr vert="horz" lIns="91440" tIns="45720" rIns="91440" bIns="45720" rtlCol="0"/>
+          <a:lstStyle>
+            <a:lvl1pPr algn="r">
+              <a:defRPr sz="1200"/>
+            </a:lvl1pPr>
+          </a:lstStyle>
+          <a:p>
+            <a:fld id="{D2A48B96-639E-45A3-A0BA-2464DFDB1FAA}" type="datetimeFigureOut">
+              <a:rPr lang="zh-CN" altLang="en-US" smtClean="0"/>
+            </a:fld>
+            <a:endParaRPr lang="zh-CN" altLang="en-US"/>
+          </a:p>
+        </p:txBody>
+      </p:sp>
+      <p:sp>
+        <p:nvSpPr>
+          <p:cNvPr id="4" name="幻灯片图像占位符 3"/>
+          <p:cNvSpPr>
+            <a:spLocks noGrp="1" noRot="1" noChangeAspect="1"/>
+          </p:cNvSpPr>
+          <p:nvPr>
+            <p:ph type="sldImg" idx="2"/>
+          </p:nvPr>
+        </p:nvSpPr>
+        <p:spPr>
+          <a:xfrm>
+            <a:off x="685800" y="1143000"/>
+            <a:ext cx="5486400" cy="3086100"/>
+          </a:xfrm>
+          <a:prstGeom prst="rect">
+            <a:avLst/>
+          </a:prstGeom>
+          <a:noFill/>
+          <a:ln w="12700">
+            <a:solidFill>
+              <a:prstClr val="black"/>
+            </a:solidFill>
+          </a:ln>
+        </p:spPr>
+        <p:txBody>
+          <a:bodyPr vert="horz" lIns="91440" tIns="45720" rIns="91440" bIns="45720" rtlCol="0" anchor="ctr"/>
+          <a:lstStyle/>
+          <a:p>
+            <a:endParaRPr lang="zh-CN" altLang="en-US"/>
+          </a:p>
+        </p:txBody>
+      </p:sp>
+      <p:sp>
+        <p:nvSpPr>
+          <p:cNvPr id="5" name="备注占位符 4"/>
+          <p:cNvSpPr>
+            <a:spLocks noGrp="1"/>
+          </p:cNvSpPr>
+          <p:nvPr>
+            <p:ph type="body" sz="quarter" idx="3"/>
+          </p:nvPr>
+        </p:nvSpPr>
+        <p:spPr>
+          <a:xfrm>
+            <a:off x="685800" y="4400550"/>
+            <a:ext cx="5486400" cy="3600450"/>
+          </a:xfrm>
+          <a:prstGeom prst="rect">
+            <a:avLst/>
+          </a:prstGeom>
+        </p:spPr>
+        <p:txBody>
+          <a:bodyPr vert="horz" lIns="91440" tIns="45720" rIns="91440" bIns="45720" rtlCol="0"/>
+          <a:lstStyle/>
+          <a:p>
+            <a:pPr lvl="0"/>
+            <a:r>
+              <a:rPr lang="zh-CN" altLang="en-US" smtClean="0"/>
+              <a:t>单击此处编辑母版文本样式</a:t>
+            </a:r>
+            <a:endParaRPr lang="zh-CN" altLang="en-US" smtClean="0"/>
+          </a:p>
+          <a:p>
+            <a:pPr lvl="1"/>
+            <a:r>
+              <a:rPr lang="zh-CN" altLang="en-US" smtClean="0"/>
+              <a:t>第二级</a:t>
+            </a:r>
+            <a:endParaRPr lang="zh-CN" altLang="en-US" smtClean="0"/>
+          </a:p>
+          <a:p>
+            <a:pPr lvl="2"/>
+            <a:r>
+              <a:rPr lang="zh-CN" altLang="en-US" smtClean="0"/>
+              <a:t>第三级</a:t>
+            </a:r>
+            <a:endParaRPr lang="zh-CN" altLang="en-US" smtClean="0"/>
+          </a:p>
+          <a:p>
+            <a:pPr lvl="3"/>
+            <a:r>
+              <a:rPr lang="zh-CN" altLang="en-US" smtClean="0"/>
+              <a:t>第四级</a:t>
+            </a:r>
+            <a:endParaRPr lang="zh-CN" altLang="en-US" smtClean="0"/>
+          </a:p>
+          <a:p>
+            <a:pPr lvl="4"/>
+            <a:r>
+              <a:rPr lang="zh-CN" altLang="en-US" smtClean="0"/>
+              <a:t>第五级</a:t>
+            </a:r>
+            <a:endParaRPr lang="zh-CN" altLang="en-US"/>
+          </a:p>
+        </p:txBody>
+      </p:sp>
+      <p:sp>
+        <p:nvSpPr>
+          <p:cNvPr id="6" name="页脚占位符 5"/>
+          <p:cNvSpPr>
+            <a:spLocks noGrp="1"/>
+          </p:cNvSpPr>
+          <p:nvPr>
+            <p:ph type="ftr" sz="quarter" idx="4"/>
+          </p:nvPr>
+        </p:nvSpPr>
+        <p:spPr>
+          <a:xfrm>
+            <a:off x="0" y="8685213"/>
+            <a:ext cx="2971800" cy="458787"/>
+          </a:xfrm>
+          <a:prstGeom prst="rect">
+            <a:avLst/>
+          </a:prstGeom>
+        </p:spPr>
+        <p:txBody>
+          <a:bodyPr vert="horz" lIns="91440" tIns="45720" rIns="91440" bIns="45720" rtlCol="0" anchor="b"/>
+          <a:lstStyle>
+            <a:lvl1pPr algn="l">
+              <a:defRPr sz="1200"/>
+            </a:lvl1pPr>
+          </a:lstStyle>
+          <a:p>
+            <a:endParaRPr lang="zh-CN" altLang="en-US"/>
+          </a:p>
+        </p:txBody>
+      </p:sp>
+      <p:sp>
+        <p:nvSpPr>
+          <p:cNvPr id="7" name="灯片编号占位符 6"/>
+          <p:cNvSpPr>
+            <a:spLocks noGrp="1"/>
+          </p:cNvSpPr>
+          <p:nvPr>
+            <p:ph type="sldNum" sz="quarter" idx="5"/>
+          </p:nvPr>
+        </p:nvSpPr>
+        <p:spPr>
+          <a:xfrm>
+            <a:off x="3884613" y="8685213"/>
+            <a:ext cx="2971800" cy="458787"/>
+          </a:xfrm>
+          <a:prstGeom prst="rect">
+            <a:avLst/>
+          </a:prstGeom>
+        </p:spPr>
+        <p:txBody>
+          <a:bodyPr vert="horz" lIns="91440" tIns="45720" rIns="91440" bIns="45720" rtlCol="0" anchor="b"/>
+          <a:lstStyle>
+            <a:lvl1pPr algn="r">
+              <a:defRPr sz="1200"/>
+            </a:lvl1pPr>
+          </a:lstStyle>
+          <a:p>
+            <a:fld id="{A6837353-30EB-4A48-80EB-173D804AEFBD}" type="slidenum">
+              <a:rPr lang="zh-CN" altLang="en-US" smtClean="0"/>
+            </a:fld>
+            <a:endParaRPr lang="zh-CN" altLang="en-US"/>
+          </a:p>
+        </p:txBody>
+      </p:sp>
+    </p:spTree>
+  </p:cSld>
+  <p:clrMap bg1="lt1" tx1="dk1" bg2="lt2" tx2="dk2" accent1="accent1" accent2="accent2" accent3="accent3" accent4="accent4" accent5="accent5" accent6="accent6" hlink="hlink" folHlink="folHlink"/>
+  <p:notesStyle>
+    <a:lvl1pPr marL="0" algn="l" defTabSz="914400" rtl="0" eaLnBrk="1" latinLnBrk="0" hangingPunct="1">
+      <a:defRPr sz="1200" kern="1200">
+        <a:solidFill>
+          <a:schemeClr val="tx1"/>
+        </a:solidFill>
+        <a:latin typeface="+mn-lt"/>
+        <a:ea typeface="+mn-ea"/>
+        <a:cs typeface="+mn-cs"/>
+      </a:defRPr>
+    </a:lvl1pPr>
+    <a:lvl2pPr marL="457200" algn="l" defTabSz="914400" rtl="0" eaLnBrk="1" latinLnBrk="0" hangingPunct="1">
+      <a:defRPr sz="1200" kern="1200">
+        <a:solidFill>
+          <a:schemeClr val="tx1"/>
+        </a:solidFill>
+        <a:latin typeface="+mn-lt"/>
+        <a:ea typeface="+mn-ea"/>
+        <a:cs typeface="+mn-cs"/>
+      </a:defRPr>
+    </a:lvl2pPr>
+    <a:lvl3pPr marL="914400" algn="l" defTabSz="914400" rtl="0" eaLnBrk="1" latinLnBrk="0" hangingPunct="1">
+      <a:defRPr sz="1200" kern="1200">
+        <a:solidFill>
+          <a:schemeClr val="tx1"/>
+        </a:solidFill>
+        <a:latin typeface="+mn-lt"/>
+        <a:ea typeface="+mn-ea"/>
+        <a:cs typeface="+mn-cs"/>
+      </a:defRPr>
+    </a:lvl3pPr>
+    <a:lvl4pPr marL="1371600" algn="l" defTabSz="914400" rtl="0" eaLnBrk="1" latinLnBrk="0" hangingPunct="1">
+      <a:defRPr sz="1200" kern="1200">
+        <a:solidFill>
+          <a:schemeClr val="tx1"/>
+        </a:solidFill>
+        <a:latin typeface="+mn-lt"/>
+        <a:ea typeface="+mn-ea"/>
+        <a:cs typeface="+mn-cs"/>
+      </a:defRPr>
+    </a:lvl4pPr>
+    <a:lvl5pPr marL="1828800" algn="l" defTabSz="914400" rtl="0" eaLnBrk="1" latinLnBrk="0" hangingPunct="1">
+      <a:defRPr sz="1200" kern="1200">
+        <a:solidFill>
+          <a:schemeClr val="tx1"/>
+        </a:solidFill>
+        <a:latin typeface="+mn-lt"/>
+        <a:ea typeface="+mn-ea"/>
+        <a:cs typeface="+mn-cs"/>
+      </a:defRPr>
+    </a:lvl5pPr>
+    <a:lvl6pPr marL="2286000" algn="l" defTabSz="914400" rtl="0" eaLnBrk="1" latinLnBrk="0" hangingPunct="1">
+      <a:defRPr sz="1200" kern="1200">
+        <a:solidFill>
+          <a:schemeClr val="tx1"/>
+        </a:solidFill>
+        <a:latin typeface="+mn-lt"/>
+        <a:ea typeface="+mn-ea"/>
+        <a:cs typeface="+mn-cs"/>
+      </a:defRPr>
+    </a:lvl6pPr>
+    <a:lvl7pPr marL="2743200" algn="l" defTabSz="914400" rtl="0" eaLnBrk="1" latinLnBrk="0" hangingPunct="1">
+      <a:defRPr sz="1200" kern="1200">
+        <a:solidFill>
+          <a:schemeClr val="tx1"/>
+        </a:solidFill>
+        <a:latin typeface="+mn-lt"/>
+        <a:ea typeface="+mn-ea"/>
+        <a:cs typeface="+mn-cs"/>
+      </a:defRPr>
+    </a:lvl7pPr>
+    <a:lvl8pPr marL="3200400" algn="l" defTabSz="914400" rtl="0" eaLnBrk="1" latinLnBrk="0" hangingPunct="1">
+      <a:defRPr sz="1200" kern="1200">
+        <a:solidFill>
+          <a:schemeClr val="tx1"/>
+        </a:solidFill>
+        <a:latin typeface="+mn-lt"/>
+        <a:ea typeface="+mn-ea"/>
+        <a:cs typeface="+mn-cs"/>
+      </a:defRPr>
+    </a:lvl8pPr>
+    <a:lvl9pPr marL="3657600" algn="l" defTabSz="914400" rtl="0" eaLnBrk="1" latinLnBrk="0" hangingPunct="1">
+      <a:defRPr sz="1200" kern="1200">
+        <a:solidFill>
+          <a:schemeClr val="tx1"/>
+        </a:solidFill>
+        <a:latin typeface="+mn-lt"/>
+        <a:ea typeface="+mn-ea"/>
+        <a:cs typeface="+mn-cs"/>
+      </a:defRPr>
+    </a:lvl9pPr>
+  </p:notesStyle>
+</p:notesMaster>
+</file>
+
+<file path=ppt/notesSlides/notesSlide1.xml><?xml version="1.0" encoding="utf-8"?>
+<p:notes xmlns:a="http://schemas.openxmlformats.org/drawingml/2006/main" xmlns:r="http://schemas.openxmlformats.org/officeDocument/2006/relationships" xmlns:p="http://schemas.openxmlformats.org/presentationml/2006/main">
+  <p:cSld>
+    <p:spTree>
+      <p:nvGrpSpPr>
+        <p:cNvPr id="1" name=""/>
+        <p:cNvGrpSpPr/>
+        <p:nvPr/>
+      </p:nvGrpSpPr>
+      <p:grpSpPr/>
+      <p:sp>
+        <p:nvSpPr>
+          <p:cNvPr id="2" name="幻灯片图像占位符 1"/>
+          <p:cNvSpPr/>
+          <p:nvPr>
+            <p:ph type="sldImg" idx="2"/>
+          </p:nvPr>
+        </p:nvSpPr>
+        <p:spPr/>
+      </p:sp>
+      <p:sp>
+        <p:nvSpPr>
+          <p:cNvPr id="3" name="文本占位符 2"/>
+          <p:cNvSpPr/>
+          <p:nvPr>
+            <p:ph type="body" idx="3"/>
+          </p:nvPr>
+        </p:nvSpPr>
+        <p:spPr/>
+        <p:txBody>
+          <a:bodyPr/>
+          <a:p>
+            <a:endParaRPr lang="zh-CN" altLang="en-US"/>
+          </a:p>
+        </p:txBody>
+      </p:sp>
+    </p:spTree>
+  </p:cSld>
+  <p:clrMapOvr>
+    <a:masterClrMapping/>
+  </p:clrMapOvr>
+</p:notes>
 </file>
 
 <file path=ppt/slideLayouts/slideLayout1.xml><?xml version="1.0" encoding="utf-8"?>
@@ -12229,6 +12624,7 @@
               <a:rPr b="1"/>
               <a:t>配合</a:t>
             </a:r>
+            <a:endParaRPr b="1"/>
           </a:p>
           <a:p>
             <a:pPr lvl="1"/>
@@ -12286,6 +12682,7 @@
               <a:rPr lang="en-US" altLang="zh-CN"/>
               <a:t>CPU</a:t>
             </a:r>
+            <a:endParaRPr lang="en-US" altLang="zh-CN"/>
           </a:p>
           <a:p>
             <a:pPr lvl="2"/>
@@ -14634,6 +15031,4296 @@
           </a:p>
         </p:txBody>
       </p:sp>
+    </p:spTree>
+    <p:custDataLst>
+      <p:tags r:id="rId1"/>
+    </p:custDataLst>
+  </p:cSld>
+  <p:clrMapOvr>
+    <a:masterClrMapping/>
+  </p:clrMapOvr>
+</p:sld>
+</file>
+
+<file path=ppt/slides/slide8.xml><?xml version="1.0" encoding="utf-8"?>
+<p:sld xmlns:a="http://schemas.openxmlformats.org/drawingml/2006/main" xmlns:r="http://schemas.openxmlformats.org/officeDocument/2006/relationships" xmlns:p="http://schemas.openxmlformats.org/presentationml/2006/main">
+  <p:cSld>
+    <p:spTree>
+      <p:nvGrpSpPr>
+        <p:cNvPr id="1" name=""/>
+        <p:cNvGrpSpPr/>
+        <p:nvPr/>
+      </p:nvGrpSpPr>
+      <p:grpSpPr>
+        <a:xfrm>
+          <a:off x="0" y="0"/>
+          <a:ext cx="0" cy="0"/>
+          <a:chOff x="0" y="0"/>
+          <a:chExt cx="0" cy="0"/>
+        </a:xfrm>
+      </p:grpSpPr>
+      <p:sp>
+        <p:nvSpPr>
+          <p:cNvPr id="52" name="文本框 51"/>
+          <p:cNvSpPr txBox="1"/>
+          <p:nvPr/>
+        </p:nvSpPr>
+        <p:spPr>
+          <a:xfrm>
+            <a:off x="275590" y="264160"/>
+            <a:ext cx="2531110" cy="829945"/>
+          </a:xfrm>
+          <a:prstGeom prst="rect">
+            <a:avLst/>
+          </a:prstGeom>
+          <a:noFill/>
+        </p:spPr>
+        <p:txBody>
+          <a:bodyPr wrap="none" rtlCol="0">
+            <a:spAutoFit/>
+          </a:bodyPr>
+          <a:p>
+            <a:r>
+              <a:rPr lang="en-US" altLang="zh-CN" sz="2400"/>
+              <a:t>4. SOC_PC</a:t>
+            </a:r>
+            <a:endParaRPr lang="en-US" altLang="zh-CN" sz="2400"/>
+          </a:p>
+          <a:p>
+            <a:r>
+              <a:rPr lang="zh-CN" altLang="en-US" sz="2400"/>
+              <a:t>加</a:t>
+            </a:r>
+            <a:r>
+              <a:rPr lang="en-US" altLang="zh-CN" sz="2400"/>
+              <a:t>UART</a:t>
+            </a:r>
+            <a:r>
+              <a:rPr lang="zh-CN" altLang="en-US" sz="2400"/>
+              <a:t>串口</a:t>
+            </a:r>
+            <a:r>
+              <a:rPr lang="zh-CN" altLang="en-US" sz="2400"/>
+              <a:t>控制</a:t>
+            </a:r>
+            <a:endParaRPr lang="zh-CN" altLang="en-US" sz="2400"/>
+          </a:p>
+        </p:txBody>
+      </p:sp>
+      <p:sp>
+        <p:nvSpPr>
+          <p:cNvPr id="31" name="矩形 30"/>
+          <p:cNvSpPr/>
+          <p:nvPr/>
+        </p:nvSpPr>
+        <p:spPr>
+          <a:xfrm>
+            <a:off x="9459595" y="835660"/>
+            <a:ext cx="1361440" cy="2231390"/>
+          </a:xfrm>
+          <a:prstGeom prst="rect">
+            <a:avLst/>
+          </a:prstGeom>
+          <a:ln w="19050">
+            <a:solidFill>
+              <a:schemeClr val="accent1"/>
+            </a:solidFill>
+          </a:ln>
+        </p:spPr>
+        <p:style>
+          <a:lnRef idx="2">
+            <a:schemeClr val="accent1"/>
+          </a:lnRef>
+          <a:fillRef idx="1">
+            <a:schemeClr val="lt1"/>
+          </a:fillRef>
+          <a:effectRef idx="0">
+            <a:schemeClr val="accent1"/>
+          </a:effectRef>
+          <a:fontRef idx="minor">
+            <a:schemeClr val="dk1"/>
+          </a:fontRef>
+        </p:style>
+        <p:txBody>
+          <a:bodyPr rtlCol="0" anchor="ctr"/>
+          <a:p>
+            <a:pPr algn="ctr"/>
+            <a:endParaRPr lang="zh-CN" altLang="en-US" sz="900"/>
+          </a:p>
+        </p:txBody>
+      </p:sp>
+      <p:sp>
+        <p:nvSpPr>
+          <p:cNvPr id="32" name="直角三角形 31"/>
+          <p:cNvSpPr/>
+          <p:nvPr/>
+        </p:nvSpPr>
+        <p:spPr>
+          <a:xfrm rot="13500000">
+            <a:off x="9399270" y="2829560"/>
+            <a:ext cx="130810" cy="130810"/>
+          </a:xfrm>
+          <a:prstGeom prst="rtTriangle">
+            <a:avLst/>
+          </a:prstGeom>
+          <a:ln w="28575">
+            <a:solidFill>
+              <a:schemeClr val="accent1"/>
+            </a:solidFill>
+          </a:ln>
+        </p:spPr>
+        <p:style>
+          <a:lnRef idx="2">
+            <a:schemeClr val="accent1"/>
+          </a:lnRef>
+          <a:fillRef idx="1">
+            <a:schemeClr val="lt1"/>
+          </a:fillRef>
+          <a:effectRef idx="0">
+            <a:schemeClr val="accent1"/>
+          </a:effectRef>
+          <a:fontRef idx="minor">
+            <a:schemeClr val="dk1"/>
+          </a:fontRef>
+        </p:style>
+        <p:txBody>
+          <a:bodyPr rtlCol="0" anchor="ctr"/>
+          <a:p>
+            <a:pPr algn="ctr"/>
+            <a:endParaRPr lang="zh-CN" altLang="en-US" sz="900"/>
+          </a:p>
+        </p:txBody>
+      </p:sp>
+      <p:sp>
+        <p:nvSpPr>
+          <p:cNvPr id="37" name="文本框 36"/>
+          <p:cNvSpPr txBox="1"/>
+          <p:nvPr/>
+        </p:nvSpPr>
+        <p:spPr>
+          <a:xfrm>
+            <a:off x="10142220" y="2173605"/>
+            <a:ext cx="681990" cy="213995"/>
+          </a:xfrm>
+          <a:prstGeom prst="rect">
+            <a:avLst/>
+          </a:prstGeom>
+          <a:noFill/>
+        </p:spPr>
+        <p:txBody>
+          <a:bodyPr wrap="square" rtlCol="0">
+            <a:spAutoFit/>
+          </a:bodyPr>
+          <a:p>
+            <a:pPr algn="r"/>
+            <a:r>
+              <a:rPr lang="en-US" altLang="zh-CN" sz="800">
+                <a:solidFill>
+                  <a:schemeClr val="tx1"/>
+                </a:solidFill>
+              </a:rPr>
+              <a:t>ram_dat_o</a:t>
+            </a:r>
+            <a:endParaRPr lang="en-US" altLang="zh-CN" sz="800">
+              <a:solidFill>
+                <a:schemeClr val="tx1"/>
+              </a:solidFill>
+            </a:endParaRPr>
+          </a:p>
+        </p:txBody>
+      </p:sp>
+      <p:sp>
+        <p:nvSpPr>
+          <p:cNvPr id="38" name="文本框 37"/>
+          <p:cNvSpPr txBox="1"/>
+          <p:nvPr/>
+        </p:nvSpPr>
+        <p:spPr>
+          <a:xfrm>
+            <a:off x="10142855" y="2456815"/>
+            <a:ext cx="681355" cy="213995"/>
+          </a:xfrm>
+          <a:prstGeom prst="rect">
+            <a:avLst/>
+          </a:prstGeom>
+          <a:noFill/>
+        </p:spPr>
+        <p:txBody>
+          <a:bodyPr wrap="square" rtlCol="0">
+            <a:spAutoFit/>
+          </a:bodyPr>
+          <a:p>
+            <a:pPr algn="r"/>
+            <a:r>
+              <a:rPr lang="en-US" altLang="zh-CN" sz="800">
+                <a:solidFill>
+                  <a:schemeClr val="tx1"/>
+                </a:solidFill>
+              </a:rPr>
+              <a:t>ram_dat_i</a:t>
+            </a:r>
+            <a:endParaRPr lang="en-US" altLang="zh-CN" sz="800">
+              <a:solidFill>
+                <a:schemeClr val="tx1"/>
+              </a:solidFill>
+            </a:endParaRPr>
+          </a:p>
+        </p:txBody>
+      </p:sp>
+      <p:sp>
+        <p:nvSpPr>
+          <p:cNvPr id="39" name="文本框 38"/>
+          <p:cNvSpPr txBox="1"/>
+          <p:nvPr/>
+        </p:nvSpPr>
+        <p:spPr>
+          <a:xfrm>
+            <a:off x="9993630" y="2740025"/>
+            <a:ext cx="830580" cy="213995"/>
+          </a:xfrm>
+          <a:prstGeom prst="rect">
+            <a:avLst/>
+          </a:prstGeom>
+          <a:noFill/>
+        </p:spPr>
+        <p:txBody>
+          <a:bodyPr wrap="square" rtlCol="0">
+            <a:spAutoFit/>
+          </a:bodyPr>
+          <a:p>
+            <a:pPr algn="r"/>
+            <a:r>
+              <a:rPr lang="en-US" altLang="zh-CN" sz="800">
+                <a:solidFill>
+                  <a:schemeClr val="tx1"/>
+                </a:solidFill>
+              </a:rPr>
+              <a:t>ram_wen_i</a:t>
+            </a:r>
+            <a:endParaRPr lang="en-US" altLang="zh-CN" sz="800">
+              <a:solidFill>
+                <a:schemeClr val="tx1"/>
+              </a:solidFill>
+            </a:endParaRPr>
+          </a:p>
+        </p:txBody>
+      </p:sp>
+      <p:sp>
+        <p:nvSpPr>
+          <p:cNvPr id="40" name="文本框 39"/>
+          <p:cNvSpPr txBox="1"/>
+          <p:nvPr/>
+        </p:nvSpPr>
+        <p:spPr>
+          <a:xfrm>
+            <a:off x="9681845" y="3169920"/>
+            <a:ext cx="917575" cy="245110"/>
+          </a:xfrm>
+          <a:prstGeom prst="rect">
+            <a:avLst/>
+          </a:prstGeom>
+          <a:noFill/>
+        </p:spPr>
+        <p:txBody>
+          <a:bodyPr wrap="square" rtlCol="0">
+            <a:spAutoFit/>
+          </a:bodyPr>
+          <a:p>
+            <a:pPr algn="ctr"/>
+            <a:r>
+              <a:rPr lang="en-US" altLang="zh-CN" sz="1000">
+                <a:solidFill>
+                  <a:schemeClr val="tx1"/>
+                </a:solidFill>
+              </a:rPr>
+              <a:t>data_ram</a:t>
+            </a:r>
+            <a:endParaRPr lang="en-US" altLang="zh-CN" sz="1000">
+              <a:solidFill>
+                <a:schemeClr val="tx1"/>
+              </a:solidFill>
+            </a:endParaRPr>
+          </a:p>
+        </p:txBody>
+      </p:sp>
+      <p:sp>
+        <p:nvSpPr>
+          <p:cNvPr id="41" name="文本框 40"/>
+          <p:cNvSpPr txBox="1"/>
+          <p:nvPr/>
+        </p:nvSpPr>
+        <p:spPr>
+          <a:xfrm>
+            <a:off x="10058400" y="1891030"/>
+            <a:ext cx="765810" cy="213995"/>
+          </a:xfrm>
+          <a:prstGeom prst="rect">
+            <a:avLst/>
+          </a:prstGeom>
+          <a:noFill/>
+        </p:spPr>
+        <p:txBody>
+          <a:bodyPr wrap="square" rtlCol="0">
+            <a:spAutoFit/>
+          </a:bodyPr>
+          <a:p>
+            <a:pPr algn="r"/>
+            <a:r>
+              <a:rPr lang="en-US" altLang="zh-CN" sz="800">
+                <a:solidFill>
+                  <a:schemeClr val="tx1"/>
+                </a:solidFill>
+              </a:rPr>
+              <a:t>ram_adr_i</a:t>
+            </a:r>
+            <a:endParaRPr lang="en-US" altLang="zh-CN" sz="800">
+              <a:solidFill>
+                <a:schemeClr val="tx1"/>
+              </a:solidFill>
+            </a:endParaRPr>
+          </a:p>
+        </p:txBody>
+      </p:sp>
+      <p:grpSp>
+        <p:nvGrpSpPr>
+          <p:cNvPr id="143" name="组合 142"/>
+          <p:cNvGrpSpPr/>
+          <p:nvPr/>
+        </p:nvGrpSpPr>
+        <p:grpSpPr>
+          <a:xfrm>
+            <a:off x="8098155" y="3911600"/>
+            <a:ext cx="896620" cy="1440180"/>
+            <a:chOff x="12753" y="6160"/>
+            <a:chExt cx="1412" cy="2268"/>
+          </a:xfrm>
+        </p:grpSpPr>
+        <p:cxnSp>
+          <p:nvCxnSpPr>
+            <p:cNvPr id="50" name="肘形连接符 49"/>
+            <p:cNvCxnSpPr>
+              <a:endCxn id="33" idx="1"/>
+            </p:cNvCxnSpPr>
+            <p:nvPr/>
+          </p:nvCxnSpPr>
+          <p:spPr>
+            <a:xfrm>
+              <a:off x="12754" y="6584"/>
+              <a:ext cx="1411" cy="1382"/>
+            </a:xfrm>
+            <a:prstGeom prst="bentConnector3">
+              <a:avLst>
+                <a:gd name="adj1" fmla="val 60685"/>
+              </a:avLst>
+            </a:prstGeom>
+            <a:ln>
+              <a:tailEnd type="arrow"/>
+            </a:ln>
+          </p:spPr>
+          <p:style>
+            <a:lnRef idx="1">
+              <a:schemeClr val="accent1"/>
+            </a:lnRef>
+            <a:fillRef idx="0">
+              <a:schemeClr val="accent1"/>
+            </a:fillRef>
+            <a:effectRef idx="0">
+              <a:schemeClr val="accent1"/>
+            </a:effectRef>
+            <a:fontRef idx="minor">
+              <a:schemeClr val="tx1"/>
+            </a:fontRef>
+          </p:style>
+        </p:cxnSp>
+        <p:cxnSp>
+          <p:nvCxnSpPr>
+            <p:cNvPr id="51" name="肘形连接符 50"/>
+            <p:cNvCxnSpPr>
+              <a:stCxn id="12" idx="3"/>
+              <a:endCxn id="34" idx="1"/>
+            </p:cNvCxnSpPr>
+            <p:nvPr/>
+          </p:nvCxnSpPr>
+          <p:spPr>
+            <a:xfrm>
+              <a:off x="12753" y="7026"/>
+              <a:ext cx="1412" cy="1403"/>
+            </a:xfrm>
+            <a:prstGeom prst="bentConnector3">
+              <a:avLst>
+                <a:gd name="adj1" fmla="val 50000"/>
+              </a:avLst>
+            </a:prstGeom>
+            <a:ln>
+              <a:tailEnd type="arrow"/>
+            </a:ln>
+          </p:spPr>
+          <p:style>
+            <a:lnRef idx="1">
+              <a:schemeClr val="accent1"/>
+            </a:lnRef>
+            <a:fillRef idx="0">
+              <a:schemeClr val="accent1"/>
+            </a:fillRef>
+            <a:effectRef idx="0">
+              <a:schemeClr val="accent1"/>
+            </a:effectRef>
+            <a:fontRef idx="minor">
+              <a:schemeClr val="tx1"/>
+            </a:fontRef>
+          </p:style>
+        </p:cxnSp>
+        <p:cxnSp>
+          <p:nvCxnSpPr>
+            <p:cNvPr id="61" name="肘形连接符 60"/>
+            <p:cNvCxnSpPr>
+              <a:stCxn id="10" idx="3"/>
+              <a:endCxn id="60" idx="1"/>
+            </p:cNvCxnSpPr>
+            <p:nvPr/>
+          </p:nvCxnSpPr>
+          <p:spPr>
+            <a:xfrm>
+              <a:off x="12754" y="6160"/>
+              <a:ext cx="1411" cy="1342"/>
+            </a:xfrm>
+            <a:prstGeom prst="bentConnector3">
+              <a:avLst>
+                <a:gd name="adj1" fmla="val 71934"/>
+              </a:avLst>
+            </a:prstGeom>
+            <a:ln>
+              <a:tailEnd type="arrow"/>
+            </a:ln>
+          </p:spPr>
+          <p:style>
+            <a:lnRef idx="1">
+              <a:schemeClr val="accent1"/>
+            </a:lnRef>
+            <a:fillRef idx="0">
+              <a:schemeClr val="accent1"/>
+            </a:fillRef>
+            <a:effectRef idx="0">
+              <a:schemeClr val="accent1"/>
+            </a:effectRef>
+            <a:fontRef idx="minor">
+              <a:schemeClr val="tx1"/>
+            </a:fontRef>
+          </p:style>
+        </p:cxnSp>
+      </p:grpSp>
+      <p:cxnSp>
+        <p:nvCxnSpPr>
+          <p:cNvPr id="69" name="肘形连接符 68"/>
+          <p:cNvCxnSpPr>
+            <a:stCxn id="68" idx="3"/>
+            <a:endCxn id="39" idx="3"/>
+          </p:cNvCxnSpPr>
+          <p:nvPr/>
+        </p:nvCxnSpPr>
+        <p:spPr>
+          <a:xfrm flipV="1">
+            <a:off x="10572750" y="2847340"/>
+            <a:ext cx="251460" cy="1490980"/>
+          </a:xfrm>
+          <a:prstGeom prst="bentConnector3">
+            <a:avLst>
+              <a:gd name="adj1" fmla="val 194697"/>
+            </a:avLst>
+          </a:prstGeom>
+          <a:ln>
+            <a:tailEnd type="arrow"/>
+          </a:ln>
+        </p:spPr>
+        <p:style>
+          <a:lnRef idx="1">
+            <a:schemeClr val="accent1"/>
+          </a:lnRef>
+          <a:fillRef idx="0">
+            <a:schemeClr val="accent1"/>
+          </a:fillRef>
+          <a:effectRef idx="0">
+            <a:schemeClr val="accent1"/>
+          </a:effectRef>
+          <a:fontRef idx="minor">
+            <a:schemeClr val="tx1"/>
+          </a:fontRef>
+        </p:style>
+      </p:cxnSp>
+      <p:sp>
+        <p:nvSpPr>
+          <p:cNvPr id="82" name="矩形 81"/>
+          <p:cNvSpPr/>
+          <p:nvPr/>
+        </p:nvSpPr>
+        <p:spPr>
+          <a:xfrm>
+            <a:off x="10821035" y="5397500"/>
+            <a:ext cx="614045" cy="614045"/>
+          </a:xfrm>
+          <a:prstGeom prst="rect">
+            <a:avLst/>
+          </a:prstGeom>
+          <a:ln w="19050">
+            <a:solidFill>
+              <a:schemeClr val="accent1"/>
+            </a:solidFill>
+          </a:ln>
+        </p:spPr>
+        <p:style>
+          <a:lnRef idx="2">
+            <a:schemeClr val="accent1"/>
+          </a:lnRef>
+          <a:fillRef idx="1">
+            <a:schemeClr val="lt1"/>
+          </a:fillRef>
+          <a:effectRef idx="0">
+            <a:schemeClr val="accent1"/>
+          </a:effectRef>
+          <a:fontRef idx="minor">
+            <a:schemeClr val="dk1"/>
+          </a:fontRef>
+        </p:style>
+        <p:txBody>
+          <a:bodyPr rtlCol="0" anchor="ctr"/>
+          <a:p>
+            <a:pPr algn="ctr"/>
+            <a:endParaRPr lang="zh-CN" altLang="en-US" sz="900"/>
+          </a:p>
+        </p:txBody>
+      </p:sp>
+      <p:sp>
+        <p:nvSpPr>
+          <p:cNvPr id="83" name="文本框 82"/>
+          <p:cNvSpPr txBox="1"/>
+          <p:nvPr/>
+        </p:nvSpPr>
+        <p:spPr>
+          <a:xfrm>
+            <a:off x="10911840" y="5513705"/>
+            <a:ext cx="433705" cy="368300"/>
+          </a:xfrm>
+          <a:prstGeom prst="rect">
+            <a:avLst/>
+          </a:prstGeom>
+          <a:noFill/>
+        </p:spPr>
+        <p:txBody>
+          <a:bodyPr wrap="square" rtlCol="0">
+            <a:spAutoFit/>
+          </a:bodyPr>
+          <a:p>
+            <a:r>
+              <a:rPr lang="zh-CN" altLang="en-US" sz="900"/>
+              <a:t>接口芯片</a:t>
+            </a:r>
+            <a:endParaRPr lang="zh-CN" altLang="en-US" sz="900"/>
+          </a:p>
+        </p:txBody>
+      </p:sp>
+      <p:cxnSp>
+        <p:nvCxnSpPr>
+          <p:cNvPr id="85" name="直接箭头连接符 84"/>
+          <p:cNvCxnSpPr>
+            <a:endCxn id="82" idx="1"/>
+          </p:cNvCxnSpPr>
+          <p:nvPr/>
+        </p:nvCxnSpPr>
+        <p:spPr>
+          <a:xfrm flipV="1">
+            <a:off x="10617835" y="5713095"/>
+            <a:ext cx="203200" cy="1270"/>
+          </a:xfrm>
+          <a:prstGeom prst="straightConnector1">
+            <a:avLst/>
+          </a:prstGeom>
+          <a:ln>
+            <a:headEnd type="arrow"/>
+            <a:tailEnd type="arrow"/>
+          </a:ln>
+        </p:spPr>
+        <p:style>
+          <a:lnRef idx="1">
+            <a:schemeClr val="accent1"/>
+          </a:lnRef>
+          <a:fillRef idx="0">
+            <a:schemeClr val="accent1"/>
+          </a:fillRef>
+          <a:effectRef idx="0">
+            <a:schemeClr val="accent1"/>
+          </a:effectRef>
+          <a:fontRef idx="minor">
+            <a:schemeClr val="tx1"/>
+          </a:fontRef>
+        </p:style>
+      </p:cxnSp>
+      <p:sp>
+        <p:nvSpPr>
+          <p:cNvPr id="5" name="文本框 4"/>
+          <p:cNvSpPr txBox="1"/>
+          <p:nvPr/>
+        </p:nvSpPr>
+        <p:spPr>
+          <a:xfrm>
+            <a:off x="5661025" y="6141085"/>
+            <a:ext cx="917575" cy="229870"/>
+          </a:xfrm>
+          <a:prstGeom prst="rect">
+            <a:avLst/>
+          </a:prstGeom>
+          <a:noFill/>
+        </p:spPr>
+        <p:txBody>
+          <a:bodyPr wrap="square" rtlCol="0">
+            <a:spAutoFit/>
+          </a:bodyPr>
+          <a:p>
+            <a:pPr algn="ctr"/>
+            <a:r>
+              <a:rPr lang="en-US" altLang="zh-CN" sz="900">
+                <a:solidFill>
+                  <a:schemeClr val="tx1"/>
+                </a:solidFill>
+              </a:rPr>
+              <a:t>inst_mmu</a:t>
+            </a:r>
+            <a:endParaRPr lang="en-US" altLang="zh-CN" sz="900">
+              <a:solidFill>
+                <a:schemeClr val="tx1"/>
+              </a:solidFill>
+            </a:endParaRPr>
+          </a:p>
+        </p:txBody>
+      </p:sp>
+      <p:sp>
+        <p:nvSpPr>
+          <p:cNvPr id="2" name="矩形 1"/>
+          <p:cNvSpPr/>
+          <p:nvPr/>
+        </p:nvSpPr>
+        <p:spPr>
+          <a:xfrm>
+            <a:off x="5812790" y="5502910"/>
+            <a:ext cx="614045" cy="614045"/>
+          </a:xfrm>
+          <a:prstGeom prst="rect">
+            <a:avLst/>
+          </a:prstGeom>
+          <a:ln w="19050">
+            <a:solidFill>
+              <a:schemeClr val="accent1"/>
+            </a:solidFill>
+          </a:ln>
+        </p:spPr>
+        <p:style>
+          <a:lnRef idx="2">
+            <a:schemeClr val="accent1"/>
+          </a:lnRef>
+          <a:fillRef idx="1">
+            <a:schemeClr val="lt1"/>
+          </a:fillRef>
+          <a:effectRef idx="0">
+            <a:schemeClr val="accent1"/>
+          </a:effectRef>
+          <a:fontRef idx="minor">
+            <a:schemeClr val="dk1"/>
+          </a:fontRef>
+        </p:style>
+        <p:txBody>
+          <a:bodyPr rtlCol="0" anchor="ctr"/>
+          <a:p>
+            <a:pPr algn="ctr"/>
+            <a:endParaRPr lang="zh-CN" altLang="en-US" sz="900"/>
+          </a:p>
+        </p:txBody>
+      </p:sp>
+      <p:sp>
+        <p:nvSpPr>
+          <p:cNvPr id="17" name="文本框 16"/>
+          <p:cNvSpPr txBox="1"/>
+          <p:nvPr/>
+        </p:nvSpPr>
+        <p:spPr>
+          <a:xfrm>
+            <a:off x="5789295" y="5831205"/>
+            <a:ext cx="678180" cy="198755"/>
+          </a:xfrm>
+          <a:prstGeom prst="rect">
+            <a:avLst/>
+          </a:prstGeom>
+          <a:noFill/>
+        </p:spPr>
+        <p:txBody>
+          <a:bodyPr wrap="square" rtlCol="0">
+            <a:spAutoFit/>
+          </a:bodyPr>
+          <a:p>
+            <a:pPr algn="r"/>
+            <a:r>
+              <a:rPr lang="en-US" altLang="zh-CN" sz="700">
+                <a:solidFill>
+                  <a:schemeClr val="tx1"/>
+                </a:solidFill>
+              </a:rPr>
+              <a:t>virtual_addr</a:t>
+            </a:r>
+            <a:endParaRPr lang="en-US" altLang="zh-CN" sz="700">
+              <a:solidFill>
+                <a:schemeClr val="tx1"/>
+              </a:solidFill>
+            </a:endParaRPr>
+          </a:p>
+        </p:txBody>
+      </p:sp>
+      <p:sp>
+        <p:nvSpPr>
+          <p:cNvPr id="19" name="文本框 18"/>
+          <p:cNvSpPr txBox="1"/>
+          <p:nvPr/>
+        </p:nvSpPr>
+        <p:spPr>
+          <a:xfrm>
+            <a:off x="5808345" y="5573395"/>
+            <a:ext cx="580390" cy="198755"/>
+          </a:xfrm>
+          <a:prstGeom prst="rect">
+            <a:avLst/>
+          </a:prstGeom>
+          <a:noFill/>
+        </p:spPr>
+        <p:txBody>
+          <a:bodyPr wrap="square" rtlCol="0">
+            <a:spAutoFit/>
+          </a:bodyPr>
+          <a:p>
+            <a:pPr algn="l"/>
+            <a:r>
+              <a:rPr lang="en-US" altLang="zh-CN" sz="700">
+                <a:solidFill>
+                  <a:schemeClr val="tx1"/>
+                </a:solidFill>
+              </a:rPr>
+              <a:t>real_addr</a:t>
+            </a:r>
+            <a:endParaRPr lang="en-US" altLang="zh-CN" sz="700">
+              <a:solidFill>
+                <a:schemeClr val="tx1"/>
+              </a:solidFill>
+            </a:endParaRPr>
+          </a:p>
+        </p:txBody>
+      </p:sp>
+      <p:sp>
+        <p:nvSpPr>
+          <p:cNvPr id="4" name="矩形 3"/>
+          <p:cNvSpPr/>
+          <p:nvPr/>
+        </p:nvSpPr>
+        <p:spPr>
+          <a:xfrm>
+            <a:off x="6716395" y="3605530"/>
+            <a:ext cx="1361440" cy="1361440"/>
+          </a:xfrm>
+          <a:prstGeom prst="rect">
+            <a:avLst/>
+          </a:prstGeom>
+          <a:ln w="19050">
+            <a:solidFill>
+              <a:schemeClr val="accent1"/>
+            </a:solidFill>
+          </a:ln>
+        </p:spPr>
+        <p:style>
+          <a:lnRef idx="2">
+            <a:schemeClr val="accent1"/>
+          </a:lnRef>
+          <a:fillRef idx="1">
+            <a:schemeClr val="lt1"/>
+          </a:fillRef>
+          <a:effectRef idx="0">
+            <a:schemeClr val="accent1"/>
+          </a:effectRef>
+          <a:fontRef idx="minor">
+            <a:schemeClr val="dk1"/>
+          </a:fontRef>
+        </p:style>
+        <p:txBody>
+          <a:bodyPr rtlCol="0" anchor="ctr"/>
+          <a:p>
+            <a:pPr algn="ctr"/>
+            <a:endParaRPr lang="zh-CN" altLang="en-US" sz="900"/>
+          </a:p>
+        </p:txBody>
+      </p:sp>
+      <p:sp>
+        <p:nvSpPr>
+          <p:cNvPr id="6" name="直角三角形 5"/>
+          <p:cNvSpPr/>
+          <p:nvPr/>
+        </p:nvSpPr>
+        <p:spPr>
+          <a:xfrm rot="13500000">
+            <a:off x="6656070" y="4730115"/>
+            <a:ext cx="130810" cy="130810"/>
+          </a:xfrm>
+          <a:prstGeom prst="rtTriangle">
+            <a:avLst/>
+          </a:prstGeom>
+          <a:ln w="28575">
+            <a:solidFill>
+              <a:schemeClr val="accent1"/>
+            </a:solidFill>
+          </a:ln>
+        </p:spPr>
+        <p:style>
+          <a:lnRef idx="2">
+            <a:schemeClr val="accent1"/>
+          </a:lnRef>
+          <a:fillRef idx="1">
+            <a:schemeClr val="lt1"/>
+          </a:fillRef>
+          <a:effectRef idx="0">
+            <a:schemeClr val="accent1"/>
+          </a:effectRef>
+          <a:fontRef idx="minor">
+            <a:schemeClr val="dk1"/>
+          </a:fontRef>
+        </p:style>
+        <p:txBody>
+          <a:bodyPr rtlCol="0" anchor="ctr"/>
+          <a:p>
+            <a:pPr algn="ctr"/>
+            <a:endParaRPr lang="zh-CN" altLang="en-US" sz="900"/>
+          </a:p>
+        </p:txBody>
+      </p:sp>
+      <p:sp>
+        <p:nvSpPr>
+          <p:cNvPr id="7" name="文本框 6"/>
+          <p:cNvSpPr txBox="1"/>
+          <p:nvPr/>
+        </p:nvSpPr>
+        <p:spPr>
+          <a:xfrm>
+            <a:off x="6716395" y="4436110"/>
+            <a:ext cx="565150" cy="229870"/>
+          </a:xfrm>
+          <a:prstGeom prst="rect">
+            <a:avLst/>
+          </a:prstGeom>
+          <a:noFill/>
+        </p:spPr>
+        <p:txBody>
+          <a:bodyPr wrap="square" rtlCol="0">
+            <a:spAutoFit/>
+          </a:bodyPr>
+          <a:p>
+            <a:r>
+              <a:rPr lang="en-US" altLang="zh-CN" sz="900">
+                <a:solidFill>
+                  <a:schemeClr val="bg1">
+                    <a:lumMod val="50000"/>
+                  </a:schemeClr>
+                </a:solidFill>
+              </a:rPr>
+              <a:t>rst_n</a:t>
+            </a:r>
+            <a:endParaRPr lang="en-US" altLang="zh-CN" sz="900">
+              <a:solidFill>
+                <a:schemeClr val="bg1">
+                  <a:lumMod val="50000"/>
+                </a:schemeClr>
+              </a:solidFill>
+            </a:endParaRPr>
+          </a:p>
+        </p:txBody>
+      </p:sp>
+      <p:sp>
+        <p:nvSpPr>
+          <p:cNvPr id="8" name="文本框 7"/>
+          <p:cNvSpPr txBox="1"/>
+          <p:nvPr/>
+        </p:nvSpPr>
+        <p:spPr>
+          <a:xfrm>
+            <a:off x="6711315" y="4172585"/>
+            <a:ext cx="680085" cy="213995"/>
+          </a:xfrm>
+          <a:prstGeom prst="rect">
+            <a:avLst/>
+          </a:prstGeom>
+          <a:noFill/>
+        </p:spPr>
+        <p:txBody>
+          <a:bodyPr wrap="square" rtlCol="0">
+            <a:spAutoFit/>
+          </a:bodyPr>
+          <a:p>
+            <a:r>
+              <a:rPr lang="en-US" altLang="zh-CN" sz="800">
+                <a:solidFill>
+                  <a:schemeClr val="tx1"/>
+                </a:solidFill>
+              </a:rPr>
+              <a:t>instruction</a:t>
+            </a:r>
+            <a:endParaRPr lang="en-US" altLang="zh-CN" sz="800">
+              <a:solidFill>
+                <a:schemeClr val="tx1"/>
+              </a:solidFill>
+            </a:endParaRPr>
+          </a:p>
+        </p:txBody>
+      </p:sp>
+      <p:sp>
+        <p:nvSpPr>
+          <p:cNvPr id="9" name="文本框 8"/>
+          <p:cNvSpPr txBox="1"/>
+          <p:nvPr/>
+        </p:nvSpPr>
+        <p:spPr>
+          <a:xfrm>
+            <a:off x="6711315" y="3924935"/>
+            <a:ext cx="988060" cy="213995"/>
+          </a:xfrm>
+          <a:prstGeom prst="rect">
+            <a:avLst/>
+          </a:prstGeom>
+          <a:noFill/>
+        </p:spPr>
+        <p:txBody>
+          <a:bodyPr wrap="square" rtlCol="0">
+            <a:spAutoFit/>
+          </a:bodyPr>
+          <a:p>
+            <a:r>
+              <a:rPr lang="en-US" altLang="zh-CN" sz="800">
+                <a:solidFill>
+                  <a:srgbClr val="FF0000"/>
+                </a:solidFill>
+              </a:rPr>
+              <a:t>outside_data_i</a:t>
+            </a:r>
+            <a:endParaRPr lang="en-US" altLang="zh-CN" sz="800">
+              <a:solidFill>
+                <a:srgbClr val="FF0000"/>
+              </a:solidFill>
+            </a:endParaRPr>
+          </a:p>
+        </p:txBody>
+      </p:sp>
+      <p:sp>
+        <p:nvSpPr>
+          <p:cNvPr id="10" name="文本框 9"/>
+          <p:cNvSpPr txBox="1"/>
+          <p:nvPr/>
+        </p:nvSpPr>
+        <p:spPr>
+          <a:xfrm>
+            <a:off x="7181215" y="3804285"/>
+            <a:ext cx="917575" cy="213995"/>
+          </a:xfrm>
+          <a:prstGeom prst="rect">
+            <a:avLst/>
+          </a:prstGeom>
+          <a:noFill/>
+        </p:spPr>
+        <p:txBody>
+          <a:bodyPr wrap="square" rtlCol="0">
+            <a:spAutoFit/>
+          </a:bodyPr>
+          <a:p>
+            <a:pPr algn="r"/>
+            <a:r>
+              <a:rPr lang="en-US" altLang="zh-CN" sz="800">
+                <a:solidFill>
+                  <a:srgbClr val="FF0000"/>
+                </a:solidFill>
+              </a:rPr>
+              <a:t>mem_io_write</a:t>
+            </a:r>
+            <a:endParaRPr lang="en-US" altLang="zh-CN" sz="800">
+              <a:solidFill>
+                <a:srgbClr val="FF0000"/>
+              </a:solidFill>
+            </a:endParaRPr>
+          </a:p>
+        </p:txBody>
+      </p:sp>
+      <p:sp>
+        <p:nvSpPr>
+          <p:cNvPr id="11" name="文本框 10"/>
+          <p:cNvSpPr txBox="1"/>
+          <p:nvPr/>
+        </p:nvSpPr>
+        <p:spPr>
+          <a:xfrm>
+            <a:off x="7418070" y="4079240"/>
+            <a:ext cx="680085" cy="213995"/>
+          </a:xfrm>
+          <a:prstGeom prst="rect">
+            <a:avLst/>
+          </a:prstGeom>
+          <a:noFill/>
+        </p:spPr>
+        <p:txBody>
+          <a:bodyPr wrap="square" rtlCol="0">
+            <a:spAutoFit/>
+          </a:bodyPr>
+          <a:p>
+            <a:pPr algn="r"/>
+            <a:r>
+              <a:rPr lang="en-US" altLang="zh-CN" sz="800">
+                <a:solidFill>
+                  <a:schemeClr val="tx1"/>
+                </a:solidFill>
+              </a:rPr>
+              <a:t>data_addr</a:t>
+            </a:r>
+            <a:endParaRPr lang="en-US" altLang="zh-CN" sz="800">
+              <a:solidFill>
+                <a:schemeClr val="tx1"/>
+              </a:solidFill>
+            </a:endParaRPr>
+          </a:p>
+        </p:txBody>
+      </p:sp>
+      <p:sp>
+        <p:nvSpPr>
+          <p:cNvPr id="12" name="文本框 11"/>
+          <p:cNvSpPr txBox="1"/>
+          <p:nvPr/>
+        </p:nvSpPr>
+        <p:spPr>
+          <a:xfrm>
+            <a:off x="7418070" y="4354195"/>
+            <a:ext cx="680085" cy="213995"/>
+          </a:xfrm>
+          <a:prstGeom prst="rect">
+            <a:avLst/>
+          </a:prstGeom>
+          <a:noFill/>
+        </p:spPr>
+        <p:txBody>
+          <a:bodyPr wrap="square" rtlCol="0">
+            <a:spAutoFit/>
+          </a:bodyPr>
+          <a:p>
+            <a:pPr algn="r"/>
+            <a:r>
+              <a:rPr lang="en-US" altLang="zh-CN" sz="800">
+                <a:solidFill>
+                  <a:schemeClr val="tx1"/>
+                </a:solidFill>
+              </a:rPr>
+              <a:t>data_out</a:t>
+            </a:r>
+            <a:endParaRPr lang="en-US" altLang="zh-CN" sz="800">
+              <a:solidFill>
+                <a:schemeClr val="tx1"/>
+              </a:solidFill>
+            </a:endParaRPr>
+          </a:p>
+        </p:txBody>
+      </p:sp>
+      <p:sp>
+        <p:nvSpPr>
+          <p:cNvPr id="13" name="文本框 12"/>
+          <p:cNvSpPr txBox="1"/>
+          <p:nvPr/>
+        </p:nvSpPr>
+        <p:spPr>
+          <a:xfrm>
+            <a:off x="7786370" y="4629150"/>
+            <a:ext cx="312420" cy="213995"/>
+          </a:xfrm>
+          <a:prstGeom prst="rect">
+            <a:avLst/>
+          </a:prstGeom>
+          <a:noFill/>
+        </p:spPr>
+        <p:txBody>
+          <a:bodyPr wrap="square" rtlCol="0">
+            <a:spAutoFit/>
+          </a:bodyPr>
+          <a:p>
+            <a:pPr algn="r"/>
+            <a:r>
+              <a:rPr lang="en-US" altLang="zh-CN" sz="800">
+                <a:solidFill>
+                  <a:schemeClr val="tx1"/>
+                </a:solidFill>
+              </a:rPr>
+              <a:t>pc</a:t>
+            </a:r>
+            <a:endParaRPr lang="en-US" altLang="zh-CN" sz="800">
+              <a:solidFill>
+                <a:schemeClr val="tx1"/>
+              </a:solidFill>
+            </a:endParaRPr>
+          </a:p>
+        </p:txBody>
+      </p:sp>
+      <p:sp>
+        <p:nvSpPr>
+          <p:cNvPr id="14" name="文本框 13"/>
+          <p:cNvSpPr txBox="1"/>
+          <p:nvPr/>
+        </p:nvSpPr>
+        <p:spPr>
+          <a:xfrm>
+            <a:off x="6938010" y="5035550"/>
+            <a:ext cx="917575" cy="245110"/>
+          </a:xfrm>
+          <a:prstGeom prst="rect">
+            <a:avLst/>
+          </a:prstGeom>
+          <a:noFill/>
+        </p:spPr>
+        <p:txBody>
+          <a:bodyPr wrap="square" rtlCol="0">
+            <a:spAutoFit/>
+          </a:bodyPr>
+          <a:p>
+            <a:pPr algn="ctr"/>
+            <a:r>
+              <a:rPr lang="en-US" altLang="zh-CN" sz="1000">
+                <a:solidFill>
+                  <a:schemeClr val="tx1"/>
+                </a:solidFill>
+              </a:rPr>
+              <a:t>CPU_only</a:t>
+            </a:r>
+            <a:endParaRPr lang="en-US" altLang="zh-CN" sz="1000">
+              <a:solidFill>
+                <a:schemeClr val="tx1"/>
+              </a:solidFill>
+            </a:endParaRPr>
+          </a:p>
+        </p:txBody>
+      </p:sp>
+      <p:cxnSp>
+        <p:nvCxnSpPr>
+          <p:cNvPr id="25" name="直接连接符 24"/>
+          <p:cNvCxnSpPr>
+            <a:stCxn id="13" idx="3"/>
+          </p:cNvCxnSpPr>
+          <p:nvPr/>
+        </p:nvCxnSpPr>
+        <p:spPr>
+          <a:xfrm>
+            <a:off x="8098790" y="4744720"/>
+            <a:ext cx="316230" cy="0"/>
+          </a:xfrm>
+          <a:prstGeom prst="line">
+            <a:avLst/>
+          </a:prstGeom>
+        </p:spPr>
+        <p:style>
+          <a:lnRef idx="1">
+            <a:schemeClr val="accent1"/>
+          </a:lnRef>
+          <a:fillRef idx="0">
+            <a:schemeClr val="accent1"/>
+          </a:fillRef>
+          <a:effectRef idx="0">
+            <a:schemeClr val="accent1"/>
+          </a:effectRef>
+          <a:fontRef idx="minor">
+            <a:schemeClr val="tx1"/>
+          </a:fontRef>
+        </p:style>
+      </p:cxnSp>
+      <p:cxnSp>
+        <p:nvCxnSpPr>
+          <p:cNvPr id="26" name="直接连接符 25"/>
+          <p:cNvCxnSpPr/>
+          <p:nvPr/>
+        </p:nvCxnSpPr>
+        <p:spPr>
+          <a:xfrm>
+            <a:off x="8409940" y="4723130"/>
+            <a:ext cx="0" cy="1203325"/>
+          </a:xfrm>
+          <a:prstGeom prst="line">
+            <a:avLst/>
+          </a:prstGeom>
+        </p:spPr>
+        <p:style>
+          <a:lnRef idx="1">
+            <a:schemeClr val="accent1"/>
+          </a:lnRef>
+          <a:fillRef idx="0">
+            <a:schemeClr val="accent1"/>
+          </a:fillRef>
+          <a:effectRef idx="0">
+            <a:schemeClr val="accent1"/>
+          </a:effectRef>
+          <a:fontRef idx="minor">
+            <a:schemeClr val="tx1"/>
+          </a:fontRef>
+        </p:style>
+      </p:cxnSp>
+      <p:cxnSp>
+        <p:nvCxnSpPr>
+          <p:cNvPr id="3" name="直接连接符 2"/>
+          <p:cNvCxnSpPr/>
+          <p:nvPr/>
+        </p:nvCxnSpPr>
+        <p:spPr>
+          <a:xfrm flipH="1" flipV="1">
+            <a:off x="6427470" y="5930265"/>
+            <a:ext cx="1982470" cy="1270"/>
+          </a:xfrm>
+          <a:prstGeom prst="line">
+            <a:avLst/>
+          </a:prstGeom>
+        </p:spPr>
+        <p:style>
+          <a:lnRef idx="1">
+            <a:schemeClr val="accent1"/>
+          </a:lnRef>
+          <a:fillRef idx="0">
+            <a:schemeClr val="accent1"/>
+          </a:fillRef>
+          <a:effectRef idx="0">
+            <a:schemeClr val="accent1"/>
+          </a:effectRef>
+          <a:fontRef idx="minor">
+            <a:schemeClr val="tx1"/>
+          </a:fontRef>
+        </p:style>
+      </p:cxnSp>
+      <p:sp>
+        <p:nvSpPr>
+          <p:cNvPr id="20" name="矩形 19"/>
+          <p:cNvSpPr/>
+          <p:nvPr/>
+        </p:nvSpPr>
+        <p:spPr>
+          <a:xfrm>
+            <a:off x="9004300" y="4180840"/>
+            <a:ext cx="1568450" cy="1771650"/>
+          </a:xfrm>
+          <a:prstGeom prst="rect">
+            <a:avLst/>
+          </a:prstGeom>
+          <a:ln w="19050">
+            <a:solidFill>
+              <a:schemeClr val="accent1"/>
+            </a:solidFill>
+          </a:ln>
+        </p:spPr>
+        <p:style>
+          <a:lnRef idx="2">
+            <a:schemeClr val="accent1"/>
+          </a:lnRef>
+          <a:fillRef idx="1">
+            <a:schemeClr val="lt1"/>
+          </a:fillRef>
+          <a:effectRef idx="0">
+            <a:schemeClr val="accent1"/>
+          </a:effectRef>
+          <a:fontRef idx="minor">
+            <a:schemeClr val="dk1"/>
+          </a:fontRef>
+        </p:style>
+        <p:txBody>
+          <a:bodyPr rtlCol="0" anchor="ctr"/>
+          <a:p>
+            <a:pPr algn="ctr"/>
+            <a:endParaRPr lang="zh-CN" altLang="en-US" sz="900"/>
+          </a:p>
+        </p:txBody>
+      </p:sp>
+      <p:sp>
+        <p:nvSpPr>
+          <p:cNvPr id="33" name="文本框 32"/>
+          <p:cNvSpPr txBox="1"/>
+          <p:nvPr/>
+        </p:nvSpPr>
+        <p:spPr>
+          <a:xfrm>
+            <a:off x="8994775" y="4951095"/>
+            <a:ext cx="765175" cy="213995"/>
+          </a:xfrm>
+          <a:prstGeom prst="rect">
+            <a:avLst/>
+          </a:prstGeom>
+          <a:noFill/>
+        </p:spPr>
+        <p:txBody>
+          <a:bodyPr wrap="square" rtlCol="0">
+            <a:spAutoFit/>
+          </a:bodyPr>
+          <a:p>
+            <a:pPr algn="l"/>
+            <a:r>
+              <a:rPr lang="en-US" altLang="zh-CN" sz="800">
+                <a:solidFill>
+                  <a:schemeClr val="tx1"/>
+                </a:solidFill>
+              </a:rPr>
+              <a:t>cpu_addr_i</a:t>
+            </a:r>
+            <a:endParaRPr lang="en-US" altLang="zh-CN" sz="800">
+              <a:solidFill>
+                <a:schemeClr val="tx1"/>
+              </a:solidFill>
+            </a:endParaRPr>
+          </a:p>
+        </p:txBody>
+      </p:sp>
+      <p:sp>
+        <p:nvSpPr>
+          <p:cNvPr id="34" name="文本框 33"/>
+          <p:cNvSpPr txBox="1"/>
+          <p:nvPr/>
+        </p:nvSpPr>
+        <p:spPr>
+          <a:xfrm>
+            <a:off x="8994775" y="5245100"/>
+            <a:ext cx="765175" cy="213995"/>
+          </a:xfrm>
+          <a:prstGeom prst="rect">
+            <a:avLst/>
+          </a:prstGeom>
+          <a:noFill/>
+        </p:spPr>
+        <p:txBody>
+          <a:bodyPr wrap="square" rtlCol="0">
+            <a:spAutoFit/>
+          </a:bodyPr>
+          <a:p>
+            <a:pPr algn="l"/>
+            <a:r>
+              <a:rPr lang="en-US" altLang="zh-CN" sz="800">
+                <a:solidFill>
+                  <a:schemeClr val="tx1"/>
+                </a:solidFill>
+              </a:rPr>
+              <a:t>cpu_data_i</a:t>
+            </a:r>
+            <a:endParaRPr lang="en-US" altLang="zh-CN" sz="800">
+              <a:solidFill>
+                <a:schemeClr val="tx1"/>
+              </a:solidFill>
+            </a:endParaRPr>
+          </a:p>
+        </p:txBody>
+      </p:sp>
+      <p:sp>
+        <p:nvSpPr>
+          <p:cNvPr id="35" name="文本框 34"/>
+          <p:cNvSpPr txBox="1"/>
+          <p:nvPr/>
+        </p:nvSpPr>
+        <p:spPr>
+          <a:xfrm>
+            <a:off x="9220835" y="5953125"/>
+            <a:ext cx="1212850" cy="245110"/>
+          </a:xfrm>
+          <a:prstGeom prst="rect">
+            <a:avLst/>
+          </a:prstGeom>
+          <a:noFill/>
+        </p:spPr>
+        <p:txBody>
+          <a:bodyPr wrap="square" rtlCol="0">
+            <a:spAutoFit/>
+          </a:bodyPr>
+          <a:p>
+            <a:pPr algn="ctr"/>
+            <a:r>
+              <a:rPr lang="en-US" altLang="zh-CN" sz="1000">
+                <a:solidFill>
+                  <a:schemeClr val="tx1"/>
+                </a:solidFill>
+              </a:rPr>
+              <a:t>mem_or_io_ctl</a:t>
+            </a:r>
+            <a:endParaRPr lang="en-US" altLang="zh-CN" sz="1000">
+              <a:solidFill>
+                <a:schemeClr val="tx1"/>
+              </a:solidFill>
+            </a:endParaRPr>
+          </a:p>
+        </p:txBody>
+      </p:sp>
+      <p:sp>
+        <p:nvSpPr>
+          <p:cNvPr id="36" name="文本框 35"/>
+          <p:cNvSpPr txBox="1"/>
+          <p:nvPr/>
+        </p:nvSpPr>
+        <p:spPr>
+          <a:xfrm>
+            <a:off x="9655810" y="4554855"/>
+            <a:ext cx="916940" cy="213995"/>
+          </a:xfrm>
+          <a:prstGeom prst="rect">
+            <a:avLst/>
+          </a:prstGeom>
+          <a:noFill/>
+        </p:spPr>
+        <p:txBody>
+          <a:bodyPr wrap="square" rtlCol="0">
+            <a:spAutoFit/>
+          </a:bodyPr>
+          <a:p>
+            <a:pPr algn="r"/>
+            <a:r>
+              <a:rPr lang="en-US" altLang="zh-CN" sz="800">
+                <a:solidFill>
+                  <a:schemeClr val="tx1"/>
+                </a:solidFill>
+              </a:rPr>
+              <a:t>mem_data_i</a:t>
+            </a:r>
+            <a:endParaRPr lang="en-US" altLang="zh-CN" sz="800">
+              <a:solidFill>
+                <a:schemeClr val="tx1"/>
+              </a:solidFill>
+            </a:endParaRPr>
+          </a:p>
+        </p:txBody>
+      </p:sp>
+      <p:sp>
+        <p:nvSpPr>
+          <p:cNvPr id="53" name="文本框 52"/>
+          <p:cNvSpPr txBox="1"/>
+          <p:nvPr/>
+        </p:nvSpPr>
+        <p:spPr>
+          <a:xfrm>
+            <a:off x="9655810" y="5163820"/>
+            <a:ext cx="916940" cy="213995"/>
+          </a:xfrm>
+          <a:prstGeom prst="rect">
+            <a:avLst/>
+          </a:prstGeom>
+          <a:noFill/>
+        </p:spPr>
+        <p:txBody>
+          <a:bodyPr wrap="square" rtlCol="0">
+            <a:spAutoFit/>
+          </a:bodyPr>
+          <a:p>
+            <a:pPr algn="r"/>
+            <a:r>
+              <a:rPr lang="en-US" altLang="zh-CN" sz="800">
+                <a:solidFill>
+                  <a:schemeClr val="tx1"/>
+                </a:solidFill>
+              </a:rPr>
+              <a:t>led_data_o</a:t>
+            </a:r>
+            <a:endParaRPr lang="en-US" altLang="zh-CN" sz="800">
+              <a:solidFill>
+                <a:schemeClr val="tx1"/>
+              </a:solidFill>
+            </a:endParaRPr>
+          </a:p>
+        </p:txBody>
+      </p:sp>
+      <p:sp>
+        <p:nvSpPr>
+          <p:cNvPr id="54" name="文本框 53"/>
+          <p:cNvSpPr txBox="1"/>
+          <p:nvPr/>
+        </p:nvSpPr>
+        <p:spPr>
+          <a:xfrm>
+            <a:off x="9655810" y="4392930"/>
+            <a:ext cx="916940" cy="213995"/>
+          </a:xfrm>
+          <a:prstGeom prst="rect">
+            <a:avLst/>
+          </a:prstGeom>
+          <a:noFill/>
+        </p:spPr>
+        <p:txBody>
+          <a:bodyPr wrap="square" rtlCol="0">
+            <a:spAutoFit/>
+          </a:bodyPr>
+          <a:p>
+            <a:pPr algn="r"/>
+            <a:r>
+              <a:rPr lang="en-US" altLang="zh-CN" sz="800">
+                <a:sym typeface="+mn-ea"/>
+              </a:rPr>
+              <a:t>mem_data_o</a:t>
+            </a:r>
+            <a:endParaRPr lang="en-US" altLang="zh-CN" sz="800">
+              <a:solidFill>
+                <a:schemeClr val="tx1"/>
+              </a:solidFill>
+              <a:sym typeface="+mn-ea"/>
+            </a:endParaRPr>
+          </a:p>
+        </p:txBody>
+      </p:sp>
+      <p:sp>
+        <p:nvSpPr>
+          <p:cNvPr id="55" name="文本框 54"/>
+          <p:cNvSpPr txBox="1"/>
+          <p:nvPr/>
+        </p:nvSpPr>
+        <p:spPr>
+          <a:xfrm>
+            <a:off x="9655810" y="4996180"/>
+            <a:ext cx="916940" cy="213995"/>
+          </a:xfrm>
+          <a:prstGeom prst="rect">
+            <a:avLst/>
+          </a:prstGeom>
+          <a:noFill/>
+        </p:spPr>
+        <p:txBody>
+          <a:bodyPr wrap="square" rtlCol="0">
+            <a:spAutoFit/>
+          </a:bodyPr>
+          <a:p>
+            <a:pPr algn="r"/>
+            <a:r>
+              <a:rPr lang="en-US" altLang="zh-CN" sz="800">
+                <a:solidFill>
+                  <a:schemeClr val="tx1"/>
+                </a:solidFill>
+              </a:rPr>
+              <a:t>io_write</a:t>
+            </a:r>
+            <a:endParaRPr lang="en-US" altLang="zh-CN" sz="800">
+              <a:solidFill>
+                <a:schemeClr val="tx1"/>
+              </a:solidFill>
+            </a:endParaRPr>
+          </a:p>
+        </p:txBody>
+      </p:sp>
+      <p:sp>
+        <p:nvSpPr>
+          <p:cNvPr id="56" name="文本框 55"/>
+          <p:cNvSpPr txBox="1"/>
+          <p:nvPr/>
+        </p:nvSpPr>
+        <p:spPr>
+          <a:xfrm>
+            <a:off x="9655810" y="5331460"/>
+            <a:ext cx="916940" cy="213995"/>
+          </a:xfrm>
+          <a:prstGeom prst="rect">
+            <a:avLst/>
+          </a:prstGeom>
+          <a:noFill/>
+        </p:spPr>
+        <p:txBody>
+          <a:bodyPr wrap="square" rtlCol="0">
+            <a:spAutoFit/>
+          </a:bodyPr>
+          <a:p>
+            <a:pPr algn="r"/>
+            <a:r>
+              <a:rPr lang="en-US" altLang="zh-CN" sz="800">
+                <a:solidFill>
+                  <a:schemeClr val="tx1"/>
+                </a:solidFill>
+              </a:rPr>
+              <a:t>switch_data_i</a:t>
+            </a:r>
+            <a:endParaRPr lang="en-US" altLang="zh-CN" sz="800">
+              <a:solidFill>
+                <a:schemeClr val="tx1"/>
+              </a:solidFill>
+            </a:endParaRPr>
+          </a:p>
+        </p:txBody>
+      </p:sp>
+      <p:sp>
+        <p:nvSpPr>
+          <p:cNvPr id="57" name="文本框 56"/>
+          <p:cNvSpPr txBox="1"/>
+          <p:nvPr/>
+        </p:nvSpPr>
+        <p:spPr>
+          <a:xfrm>
+            <a:off x="9655810" y="5499735"/>
+            <a:ext cx="916940" cy="213995"/>
+          </a:xfrm>
+          <a:prstGeom prst="rect">
+            <a:avLst/>
+          </a:prstGeom>
+          <a:noFill/>
+        </p:spPr>
+        <p:txBody>
+          <a:bodyPr wrap="square" rtlCol="0">
+            <a:spAutoFit/>
+          </a:bodyPr>
+          <a:p>
+            <a:pPr algn="r"/>
+            <a:r>
+              <a:rPr lang="en-US" altLang="zh-CN" sz="800">
+                <a:solidFill>
+                  <a:schemeClr val="tx1"/>
+                </a:solidFill>
+              </a:rPr>
+              <a:t>chip_select</a:t>
+            </a:r>
+            <a:endParaRPr lang="en-US" altLang="zh-CN" sz="800">
+              <a:solidFill>
+                <a:schemeClr val="tx1"/>
+              </a:solidFill>
+            </a:endParaRPr>
+          </a:p>
+        </p:txBody>
+      </p:sp>
+      <p:sp>
+        <p:nvSpPr>
+          <p:cNvPr id="58" name="文本框 57"/>
+          <p:cNvSpPr txBox="1"/>
+          <p:nvPr/>
+        </p:nvSpPr>
+        <p:spPr>
+          <a:xfrm>
+            <a:off x="9655810" y="4716780"/>
+            <a:ext cx="916940" cy="213995"/>
+          </a:xfrm>
+          <a:prstGeom prst="rect">
+            <a:avLst/>
+          </a:prstGeom>
+          <a:noFill/>
+        </p:spPr>
+        <p:txBody>
+          <a:bodyPr wrap="square" rtlCol="0">
+            <a:spAutoFit/>
+          </a:bodyPr>
+          <a:p>
+            <a:pPr algn="r"/>
+            <a:r>
+              <a:rPr lang="en-US" altLang="zh-CN" sz="800">
+                <a:solidFill>
+                  <a:schemeClr val="tx1"/>
+                </a:solidFill>
+              </a:rPr>
+              <a:t>mem_addr</a:t>
+            </a:r>
+            <a:endParaRPr lang="en-US" altLang="zh-CN" sz="800">
+              <a:solidFill>
+                <a:schemeClr val="tx1"/>
+              </a:solidFill>
+            </a:endParaRPr>
+          </a:p>
+        </p:txBody>
+      </p:sp>
+      <p:sp>
+        <p:nvSpPr>
+          <p:cNvPr id="60" name="文本框 59"/>
+          <p:cNvSpPr txBox="1"/>
+          <p:nvPr/>
+        </p:nvSpPr>
+        <p:spPr>
+          <a:xfrm>
+            <a:off x="8994775" y="4656455"/>
+            <a:ext cx="883920" cy="213995"/>
+          </a:xfrm>
+          <a:prstGeom prst="rect">
+            <a:avLst/>
+          </a:prstGeom>
+          <a:noFill/>
+        </p:spPr>
+        <p:txBody>
+          <a:bodyPr wrap="square" rtlCol="0">
+            <a:spAutoFit/>
+          </a:bodyPr>
+          <a:p>
+            <a:pPr algn="l"/>
+            <a:r>
+              <a:rPr lang="en-US" altLang="zh-CN" sz="800">
+                <a:solidFill>
+                  <a:schemeClr val="tx1"/>
+                </a:solidFill>
+              </a:rPr>
+              <a:t>mem_io_write</a:t>
+            </a:r>
+            <a:endParaRPr lang="en-US" altLang="zh-CN" sz="800">
+              <a:solidFill>
+                <a:schemeClr val="tx1"/>
+              </a:solidFill>
+            </a:endParaRPr>
+          </a:p>
+        </p:txBody>
+      </p:sp>
+      <p:sp>
+        <p:nvSpPr>
+          <p:cNvPr id="68" name="文本框 67"/>
+          <p:cNvSpPr txBox="1"/>
+          <p:nvPr/>
+        </p:nvSpPr>
+        <p:spPr>
+          <a:xfrm>
+            <a:off x="9655810" y="4231005"/>
+            <a:ext cx="916940" cy="213995"/>
+          </a:xfrm>
+          <a:prstGeom prst="rect">
+            <a:avLst/>
+          </a:prstGeom>
+          <a:noFill/>
+        </p:spPr>
+        <p:txBody>
+          <a:bodyPr wrap="square" rtlCol="0">
+            <a:spAutoFit/>
+          </a:bodyPr>
+          <a:p>
+            <a:pPr algn="r"/>
+            <a:r>
+              <a:rPr lang="en-US" altLang="zh-CN" sz="800">
+                <a:solidFill>
+                  <a:schemeClr val="tx1"/>
+                </a:solidFill>
+              </a:rPr>
+              <a:t>mem_write</a:t>
+            </a:r>
+            <a:endParaRPr lang="en-US" altLang="zh-CN" sz="800">
+              <a:solidFill>
+                <a:schemeClr val="tx1"/>
+              </a:solidFill>
+            </a:endParaRPr>
+          </a:p>
+        </p:txBody>
+      </p:sp>
+      <p:sp>
+        <p:nvSpPr>
+          <p:cNvPr id="77" name="文本框 76"/>
+          <p:cNvSpPr txBox="1"/>
+          <p:nvPr/>
+        </p:nvSpPr>
+        <p:spPr>
+          <a:xfrm>
+            <a:off x="9004300" y="4354195"/>
+            <a:ext cx="883920" cy="213995"/>
+          </a:xfrm>
+          <a:prstGeom prst="rect">
+            <a:avLst/>
+          </a:prstGeom>
+          <a:noFill/>
+        </p:spPr>
+        <p:txBody>
+          <a:bodyPr wrap="square" rtlCol="0">
+            <a:spAutoFit/>
+          </a:bodyPr>
+          <a:p>
+            <a:pPr algn="l"/>
+            <a:r>
+              <a:rPr lang="en-US" altLang="zh-CN" sz="800">
+                <a:solidFill>
+                  <a:schemeClr val="tx1"/>
+                </a:solidFill>
+              </a:rPr>
+              <a:t>cpu_data_o</a:t>
+            </a:r>
+            <a:endParaRPr lang="en-US" altLang="zh-CN" sz="800">
+              <a:solidFill>
+                <a:schemeClr val="tx1"/>
+              </a:solidFill>
+            </a:endParaRPr>
+          </a:p>
+        </p:txBody>
+      </p:sp>
+      <p:cxnSp>
+        <p:nvCxnSpPr>
+          <p:cNvPr id="80" name="肘形连接符 79"/>
+          <p:cNvCxnSpPr>
+            <a:stCxn id="77" idx="1"/>
+          </p:cNvCxnSpPr>
+          <p:nvPr/>
+        </p:nvCxnSpPr>
+        <p:spPr>
+          <a:xfrm rot="10800000">
+            <a:off x="8888095" y="3232150"/>
+            <a:ext cx="116205" cy="1237615"/>
+          </a:xfrm>
+          <a:prstGeom prst="bentConnector2">
+            <a:avLst/>
+          </a:prstGeom>
+        </p:spPr>
+        <p:style>
+          <a:lnRef idx="1">
+            <a:schemeClr val="accent1"/>
+          </a:lnRef>
+          <a:fillRef idx="0">
+            <a:schemeClr val="accent1"/>
+          </a:fillRef>
+          <a:effectRef idx="0">
+            <a:schemeClr val="accent1"/>
+          </a:effectRef>
+          <a:fontRef idx="minor">
+            <a:schemeClr val="tx1"/>
+          </a:fontRef>
+        </p:style>
+      </p:cxnSp>
+      <p:cxnSp>
+        <p:nvCxnSpPr>
+          <p:cNvPr id="81" name="肘形连接符 80"/>
+          <p:cNvCxnSpPr>
+            <a:endCxn id="9" idx="1"/>
+          </p:cNvCxnSpPr>
+          <p:nvPr/>
+        </p:nvCxnSpPr>
+        <p:spPr>
+          <a:xfrm rot="10800000" flipV="1">
+            <a:off x="6711315" y="3232150"/>
+            <a:ext cx="2166620" cy="808355"/>
+          </a:xfrm>
+          <a:prstGeom prst="bentConnector3">
+            <a:avLst>
+              <a:gd name="adj1" fmla="val 106487"/>
+            </a:avLst>
+          </a:prstGeom>
+          <a:ln>
+            <a:tailEnd type="arrow"/>
+          </a:ln>
+        </p:spPr>
+        <p:style>
+          <a:lnRef idx="1">
+            <a:schemeClr val="accent1"/>
+          </a:lnRef>
+          <a:fillRef idx="0">
+            <a:schemeClr val="accent1"/>
+          </a:fillRef>
+          <a:effectRef idx="0">
+            <a:schemeClr val="accent1"/>
+          </a:effectRef>
+          <a:fontRef idx="minor">
+            <a:schemeClr val="tx1"/>
+          </a:fontRef>
+        </p:style>
+      </p:cxnSp>
+      <p:sp>
+        <p:nvSpPr>
+          <p:cNvPr id="86" name="文本框 85"/>
+          <p:cNvSpPr txBox="1"/>
+          <p:nvPr/>
+        </p:nvSpPr>
+        <p:spPr>
+          <a:xfrm>
+            <a:off x="9634855" y="5667375"/>
+            <a:ext cx="916940" cy="213995"/>
+          </a:xfrm>
+          <a:prstGeom prst="rect">
+            <a:avLst/>
+          </a:prstGeom>
+          <a:noFill/>
+        </p:spPr>
+        <p:txBody>
+          <a:bodyPr wrap="square" rtlCol="0">
+            <a:spAutoFit/>
+          </a:bodyPr>
+          <a:p>
+            <a:pPr algn="r"/>
+            <a:r>
+              <a:rPr lang="en-US" altLang="zh-CN" sz="800">
+                <a:solidFill>
+                  <a:schemeClr val="tx1"/>
+                </a:solidFill>
+              </a:rPr>
+              <a:t>io_port_addr</a:t>
+            </a:r>
+            <a:endParaRPr lang="en-US" altLang="zh-CN" sz="800">
+              <a:solidFill>
+                <a:schemeClr val="tx1"/>
+              </a:solidFill>
+            </a:endParaRPr>
+          </a:p>
+        </p:txBody>
+      </p:sp>
+      <p:sp>
+        <p:nvSpPr>
+          <p:cNvPr id="66" name="文本框 65"/>
+          <p:cNvSpPr txBox="1"/>
+          <p:nvPr/>
+        </p:nvSpPr>
+        <p:spPr>
+          <a:xfrm>
+            <a:off x="5888990" y="4665345"/>
+            <a:ext cx="660400" cy="245110"/>
+          </a:xfrm>
+          <a:prstGeom prst="rect">
+            <a:avLst/>
+          </a:prstGeom>
+          <a:noFill/>
+        </p:spPr>
+        <p:txBody>
+          <a:bodyPr wrap="square" rtlCol="0">
+            <a:spAutoFit/>
+          </a:bodyPr>
+          <a:p>
+            <a:pPr algn="r"/>
+            <a:r>
+              <a:rPr lang="en-US" sz="1000">
+                <a:solidFill>
+                  <a:srgbClr val="FF0000"/>
+                </a:solidFill>
+              </a:rPr>
+              <a:t>20MHz</a:t>
+            </a:r>
+            <a:endParaRPr lang="en-US" sz="1000">
+              <a:solidFill>
+                <a:srgbClr val="FF0000"/>
+              </a:solidFill>
+            </a:endParaRPr>
+          </a:p>
+        </p:txBody>
+      </p:sp>
+      <p:cxnSp>
+        <p:nvCxnSpPr>
+          <p:cNvPr id="67" name="直接箭头连接符 66"/>
+          <p:cNvCxnSpPr/>
+          <p:nvPr/>
+        </p:nvCxnSpPr>
+        <p:spPr>
+          <a:xfrm flipV="1">
+            <a:off x="6497955" y="4766945"/>
+            <a:ext cx="241300" cy="7620"/>
+          </a:xfrm>
+          <a:prstGeom prst="straightConnector1">
+            <a:avLst/>
+          </a:prstGeom>
+          <a:ln>
+            <a:tailEnd type="arrow" w="med" len="med"/>
+          </a:ln>
+        </p:spPr>
+        <p:style>
+          <a:lnRef idx="2">
+            <a:schemeClr val="accent6"/>
+          </a:lnRef>
+          <a:fillRef idx="0">
+            <a:schemeClr val="accent6"/>
+          </a:fillRef>
+          <a:effectRef idx="1">
+            <a:schemeClr val="accent6"/>
+          </a:effectRef>
+          <a:fontRef idx="minor">
+            <a:schemeClr val="tx1"/>
+          </a:fontRef>
+        </p:style>
+      </p:cxnSp>
+      <p:cxnSp>
+        <p:nvCxnSpPr>
+          <p:cNvPr id="27" name="直接连接符 26"/>
+          <p:cNvCxnSpPr/>
+          <p:nvPr/>
+        </p:nvCxnSpPr>
+        <p:spPr>
+          <a:xfrm flipH="1">
+            <a:off x="4654550" y="5653405"/>
+            <a:ext cx="1158240" cy="1905"/>
+          </a:xfrm>
+          <a:prstGeom prst="line">
+            <a:avLst/>
+          </a:prstGeom>
+        </p:spPr>
+        <p:style>
+          <a:lnRef idx="1">
+            <a:schemeClr val="accent1"/>
+          </a:lnRef>
+          <a:fillRef idx="0">
+            <a:schemeClr val="accent1"/>
+          </a:fillRef>
+          <a:effectRef idx="0">
+            <a:schemeClr val="accent1"/>
+          </a:effectRef>
+          <a:fontRef idx="minor">
+            <a:schemeClr val="tx1"/>
+          </a:fontRef>
+        </p:style>
+      </p:cxnSp>
+      <p:cxnSp>
+        <p:nvCxnSpPr>
+          <p:cNvPr id="28" name="直接连接符 27"/>
+          <p:cNvCxnSpPr/>
+          <p:nvPr/>
+        </p:nvCxnSpPr>
+        <p:spPr>
+          <a:xfrm flipV="1">
+            <a:off x="4648835" y="4616450"/>
+            <a:ext cx="0" cy="1033145"/>
+          </a:xfrm>
+          <a:prstGeom prst="line">
+            <a:avLst/>
+          </a:prstGeom>
+        </p:spPr>
+        <p:style>
+          <a:lnRef idx="1">
+            <a:schemeClr val="accent1"/>
+          </a:lnRef>
+          <a:fillRef idx="0">
+            <a:schemeClr val="accent1"/>
+          </a:fillRef>
+          <a:effectRef idx="0">
+            <a:schemeClr val="accent1"/>
+          </a:effectRef>
+          <a:fontRef idx="minor">
+            <a:schemeClr val="tx1"/>
+          </a:fontRef>
+        </p:style>
+      </p:cxnSp>
+      <p:sp>
+        <p:nvSpPr>
+          <p:cNvPr id="15" name="矩形 14"/>
+          <p:cNvSpPr/>
+          <p:nvPr/>
+        </p:nvSpPr>
+        <p:spPr>
+          <a:xfrm>
+            <a:off x="4909185" y="2630170"/>
+            <a:ext cx="1121410" cy="2418715"/>
+          </a:xfrm>
+          <a:prstGeom prst="rect">
+            <a:avLst/>
+          </a:prstGeom>
+          <a:ln w="19050">
+            <a:solidFill>
+              <a:schemeClr val="accent1"/>
+            </a:solidFill>
+          </a:ln>
+        </p:spPr>
+        <p:style>
+          <a:lnRef idx="2">
+            <a:schemeClr val="accent1"/>
+          </a:lnRef>
+          <a:fillRef idx="1">
+            <a:schemeClr val="lt1"/>
+          </a:fillRef>
+          <a:effectRef idx="0">
+            <a:schemeClr val="accent1"/>
+          </a:effectRef>
+          <a:fontRef idx="minor">
+            <a:schemeClr val="dk1"/>
+          </a:fontRef>
+        </p:style>
+        <p:txBody>
+          <a:bodyPr rtlCol="0" anchor="ctr"/>
+          <a:p>
+            <a:pPr algn="ctr"/>
+            <a:endParaRPr lang="zh-CN" altLang="en-US" sz="900"/>
+          </a:p>
+        </p:txBody>
+      </p:sp>
+      <p:sp>
+        <p:nvSpPr>
+          <p:cNvPr id="16" name="直角三角形 15"/>
+          <p:cNvSpPr/>
+          <p:nvPr/>
+        </p:nvSpPr>
+        <p:spPr>
+          <a:xfrm rot="13500000">
+            <a:off x="4848860" y="4811395"/>
+            <a:ext cx="130810" cy="130810"/>
+          </a:xfrm>
+          <a:prstGeom prst="rtTriangle">
+            <a:avLst/>
+          </a:prstGeom>
+          <a:ln w="28575">
+            <a:solidFill>
+              <a:schemeClr val="accent1"/>
+            </a:solidFill>
+          </a:ln>
+        </p:spPr>
+        <p:style>
+          <a:lnRef idx="2">
+            <a:schemeClr val="accent1"/>
+          </a:lnRef>
+          <a:fillRef idx="1">
+            <a:schemeClr val="lt1"/>
+          </a:fillRef>
+          <a:effectRef idx="0">
+            <a:schemeClr val="accent1"/>
+          </a:effectRef>
+          <a:fontRef idx="minor">
+            <a:schemeClr val="dk1"/>
+          </a:fontRef>
+        </p:style>
+        <p:txBody>
+          <a:bodyPr rtlCol="0" anchor="ctr"/>
+          <a:p>
+            <a:pPr algn="ctr"/>
+            <a:endParaRPr lang="zh-CN" altLang="en-US" sz="900"/>
+          </a:p>
+        </p:txBody>
+      </p:sp>
+      <p:sp>
+        <p:nvSpPr>
+          <p:cNvPr id="18" name="文本框 17"/>
+          <p:cNvSpPr txBox="1"/>
+          <p:nvPr/>
+        </p:nvSpPr>
+        <p:spPr>
+          <a:xfrm>
+            <a:off x="4909185" y="4528185"/>
+            <a:ext cx="478790" cy="213995"/>
+          </a:xfrm>
+          <a:prstGeom prst="rect">
+            <a:avLst/>
+          </a:prstGeom>
+          <a:noFill/>
+        </p:spPr>
+        <p:txBody>
+          <a:bodyPr wrap="square" rtlCol="0">
+            <a:spAutoFit/>
+          </a:bodyPr>
+          <a:p>
+            <a:r>
+              <a:rPr lang="en-US" altLang="zh-CN" sz="800">
+                <a:solidFill>
+                  <a:schemeClr val="tx1"/>
+                </a:solidFill>
+              </a:rPr>
+              <a:t>addra</a:t>
+            </a:r>
+            <a:endParaRPr lang="en-US" altLang="zh-CN" sz="800">
+              <a:solidFill>
+                <a:schemeClr val="tx1"/>
+              </a:solidFill>
+            </a:endParaRPr>
+          </a:p>
+        </p:txBody>
+      </p:sp>
+      <p:sp>
+        <p:nvSpPr>
+          <p:cNvPr id="21" name="文本框 20"/>
+          <p:cNvSpPr txBox="1"/>
+          <p:nvPr/>
+        </p:nvSpPr>
+        <p:spPr>
+          <a:xfrm>
+            <a:off x="5483225" y="4528185"/>
+            <a:ext cx="542925" cy="213995"/>
+          </a:xfrm>
+          <a:prstGeom prst="rect">
+            <a:avLst/>
+          </a:prstGeom>
+          <a:noFill/>
+        </p:spPr>
+        <p:txBody>
+          <a:bodyPr wrap="square" rtlCol="0">
+            <a:spAutoFit/>
+          </a:bodyPr>
+          <a:p>
+            <a:pPr algn="r"/>
+            <a:r>
+              <a:rPr lang="en-US" altLang="zh-CN" sz="800">
+                <a:solidFill>
+                  <a:schemeClr val="tx1"/>
+                </a:solidFill>
+              </a:rPr>
+              <a:t>douta</a:t>
+            </a:r>
+            <a:endParaRPr lang="en-US" altLang="zh-CN" sz="800">
+              <a:solidFill>
+                <a:schemeClr val="tx1"/>
+              </a:solidFill>
+            </a:endParaRPr>
+          </a:p>
+        </p:txBody>
+      </p:sp>
+      <p:sp>
+        <p:nvSpPr>
+          <p:cNvPr id="24" name="文本框 23"/>
+          <p:cNvSpPr txBox="1"/>
+          <p:nvPr/>
+        </p:nvSpPr>
+        <p:spPr>
+          <a:xfrm>
+            <a:off x="4995545" y="5115560"/>
+            <a:ext cx="917575" cy="245110"/>
+          </a:xfrm>
+          <a:prstGeom prst="rect">
+            <a:avLst/>
+          </a:prstGeom>
+          <a:noFill/>
+        </p:spPr>
+        <p:txBody>
+          <a:bodyPr wrap="square" rtlCol="0">
+            <a:spAutoFit/>
+          </a:bodyPr>
+          <a:p>
+            <a:pPr algn="ctr"/>
+            <a:r>
+              <a:rPr lang="en-US" altLang="zh-CN" sz="1000">
+                <a:solidFill>
+                  <a:schemeClr val="tx1"/>
+                </a:solidFill>
+              </a:rPr>
+              <a:t>programrom</a:t>
+            </a:r>
+            <a:endParaRPr lang="en-US" altLang="zh-CN" sz="1000">
+              <a:solidFill>
+                <a:schemeClr val="tx1"/>
+              </a:solidFill>
+            </a:endParaRPr>
+          </a:p>
+        </p:txBody>
+      </p:sp>
+      <p:cxnSp>
+        <p:nvCxnSpPr>
+          <p:cNvPr id="29" name="直接箭头连接符 28"/>
+          <p:cNvCxnSpPr>
+            <a:endCxn id="18" idx="1"/>
+          </p:cNvCxnSpPr>
+          <p:nvPr/>
+        </p:nvCxnSpPr>
+        <p:spPr>
+          <a:xfrm flipV="1">
+            <a:off x="4639310" y="4643755"/>
+            <a:ext cx="269875" cy="2540"/>
+          </a:xfrm>
+          <a:prstGeom prst="straightConnector1">
+            <a:avLst/>
+          </a:prstGeom>
+          <a:ln>
+            <a:tailEnd type="arrow"/>
+          </a:ln>
+        </p:spPr>
+        <p:style>
+          <a:lnRef idx="1">
+            <a:schemeClr val="accent1"/>
+          </a:lnRef>
+          <a:fillRef idx="0">
+            <a:schemeClr val="accent1"/>
+          </a:fillRef>
+          <a:effectRef idx="0">
+            <a:schemeClr val="accent1"/>
+          </a:effectRef>
+          <a:fontRef idx="minor">
+            <a:schemeClr val="tx1"/>
+          </a:fontRef>
+        </p:style>
+      </p:cxnSp>
+      <p:sp>
+        <p:nvSpPr>
+          <p:cNvPr id="23" name="矩形 22"/>
+          <p:cNvSpPr/>
+          <p:nvPr/>
+        </p:nvSpPr>
+        <p:spPr>
+          <a:xfrm>
+            <a:off x="1395095" y="3008630"/>
+            <a:ext cx="1499235" cy="2371090"/>
+          </a:xfrm>
+          <a:prstGeom prst="rect">
+            <a:avLst/>
+          </a:prstGeom>
+          <a:ln w="19050">
+            <a:solidFill>
+              <a:schemeClr val="accent1"/>
+            </a:solidFill>
+          </a:ln>
+        </p:spPr>
+        <p:style>
+          <a:lnRef idx="2">
+            <a:schemeClr val="accent1"/>
+          </a:lnRef>
+          <a:fillRef idx="1">
+            <a:schemeClr val="lt1"/>
+          </a:fillRef>
+          <a:effectRef idx="0">
+            <a:schemeClr val="accent1"/>
+          </a:effectRef>
+          <a:fontRef idx="minor">
+            <a:schemeClr val="dk1"/>
+          </a:fontRef>
+        </p:style>
+        <p:txBody>
+          <a:bodyPr rtlCol="0" anchor="ctr"/>
+          <a:p>
+            <a:pPr algn="ctr"/>
+            <a:endParaRPr lang="zh-CN" altLang="en-US" sz="900"/>
+          </a:p>
+        </p:txBody>
+      </p:sp>
+      <p:sp>
+        <p:nvSpPr>
+          <p:cNvPr id="42" name="文本框 41"/>
+          <p:cNvSpPr txBox="1"/>
+          <p:nvPr/>
+        </p:nvSpPr>
+        <p:spPr>
+          <a:xfrm>
+            <a:off x="1385570" y="4300855"/>
+            <a:ext cx="765175" cy="213995"/>
+          </a:xfrm>
+          <a:prstGeom prst="rect">
+            <a:avLst/>
+          </a:prstGeom>
+          <a:noFill/>
+        </p:spPr>
+        <p:txBody>
+          <a:bodyPr wrap="square" rtlCol="0">
+            <a:spAutoFit/>
+          </a:bodyPr>
+          <a:p>
+            <a:pPr algn="l"/>
+            <a:r>
+              <a:rPr lang="en-US" altLang="zh-CN" sz="800">
+                <a:solidFill>
+                  <a:schemeClr val="tx1"/>
+                </a:solidFill>
+              </a:rPr>
+              <a:t>upg_rx_i</a:t>
+            </a:r>
+            <a:endParaRPr lang="en-US" altLang="zh-CN" sz="800">
+              <a:solidFill>
+                <a:schemeClr val="tx1"/>
+              </a:solidFill>
+            </a:endParaRPr>
+          </a:p>
+        </p:txBody>
+      </p:sp>
+      <p:sp>
+        <p:nvSpPr>
+          <p:cNvPr id="43" name="文本框 42"/>
+          <p:cNvSpPr txBox="1"/>
+          <p:nvPr/>
+        </p:nvSpPr>
+        <p:spPr>
+          <a:xfrm>
+            <a:off x="1385570" y="4006215"/>
+            <a:ext cx="883920" cy="213995"/>
+          </a:xfrm>
+          <a:prstGeom prst="rect">
+            <a:avLst/>
+          </a:prstGeom>
+          <a:noFill/>
+        </p:spPr>
+        <p:txBody>
+          <a:bodyPr wrap="square" rtlCol="0">
+            <a:spAutoFit/>
+          </a:bodyPr>
+          <a:p>
+            <a:pPr algn="l"/>
+            <a:r>
+              <a:rPr lang="en-US" altLang="zh-CN" sz="800">
+                <a:solidFill>
+                  <a:schemeClr val="tx1"/>
+                </a:solidFill>
+              </a:rPr>
+              <a:t>upg_rst_i</a:t>
+            </a:r>
+            <a:endParaRPr lang="en-US" altLang="zh-CN" sz="800">
+              <a:solidFill>
+                <a:schemeClr val="tx1"/>
+              </a:solidFill>
+            </a:endParaRPr>
+          </a:p>
+        </p:txBody>
+      </p:sp>
+      <p:sp>
+        <p:nvSpPr>
+          <p:cNvPr id="44" name="文本框 43"/>
+          <p:cNvSpPr txBox="1"/>
+          <p:nvPr/>
+        </p:nvSpPr>
+        <p:spPr>
+          <a:xfrm>
+            <a:off x="1395095" y="3703955"/>
+            <a:ext cx="883920" cy="213995"/>
+          </a:xfrm>
+          <a:prstGeom prst="rect">
+            <a:avLst/>
+          </a:prstGeom>
+          <a:noFill/>
+        </p:spPr>
+        <p:txBody>
+          <a:bodyPr wrap="square" rtlCol="0">
+            <a:spAutoFit/>
+          </a:bodyPr>
+          <a:p>
+            <a:pPr algn="l"/>
+            <a:r>
+              <a:rPr lang="en-US" altLang="zh-CN" sz="800">
+                <a:solidFill>
+                  <a:schemeClr val="tx1"/>
+                </a:solidFill>
+              </a:rPr>
+              <a:t>upg_clk_i</a:t>
+            </a:r>
+            <a:endParaRPr lang="en-US" altLang="zh-CN" sz="800">
+              <a:solidFill>
+                <a:schemeClr val="tx1"/>
+              </a:solidFill>
+            </a:endParaRPr>
+          </a:p>
+        </p:txBody>
+      </p:sp>
+      <p:sp>
+        <p:nvSpPr>
+          <p:cNvPr id="45" name="文本框 44"/>
+          <p:cNvSpPr txBox="1"/>
+          <p:nvPr/>
+        </p:nvSpPr>
+        <p:spPr>
+          <a:xfrm>
+            <a:off x="207010" y="4254500"/>
+            <a:ext cx="765175" cy="306705"/>
+          </a:xfrm>
+          <a:prstGeom prst="rect">
+            <a:avLst/>
+          </a:prstGeom>
+          <a:noFill/>
+        </p:spPr>
+        <p:txBody>
+          <a:bodyPr wrap="square" rtlCol="0">
+            <a:spAutoFit/>
+          </a:bodyPr>
+          <a:p>
+            <a:pPr algn="r"/>
+            <a:r>
+              <a:rPr lang="en-US" altLang="zh-CN" sz="1400">
+                <a:solidFill>
+                  <a:srgbClr val="FF0000"/>
+                </a:solidFill>
+              </a:rPr>
+              <a:t>PC</a:t>
+            </a:r>
+            <a:r>
+              <a:rPr lang="zh-CN" altLang="en-US" sz="1400">
+                <a:solidFill>
+                  <a:srgbClr val="FF0000"/>
+                </a:solidFill>
+              </a:rPr>
+              <a:t>机</a:t>
+            </a:r>
+            <a:endParaRPr lang="zh-CN" altLang="en-US" sz="1400">
+              <a:solidFill>
+                <a:srgbClr val="FF0000"/>
+              </a:solidFill>
+            </a:endParaRPr>
+          </a:p>
+        </p:txBody>
+      </p:sp>
+      <p:cxnSp>
+        <p:nvCxnSpPr>
+          <p:cNvPr id="46" name="直接箭头连接符 45"/>
+          <p:cNvCxnSpPr>
+            <a:stCxn id="45" idx="3"/>
+            <a:endCxn id="42" idx="1"/>
+          </p:cNvCxnSpPr>
+          <p:nvPr/>
+        </p:nvCxnSpPr>
+        <p:spPr>
+          <a:xfrm>
+            <a:off x="972185" y="4416425"/>
+            <a:ext cx="413385" cy="0"/>
+          </a:xfrm>
+          <a:prstGeom prst="straightConnector1">
+            <a:avLst/>
+          </a:prstGeom>
+          <a:ln>
+            <a:tailEnd type="arrow" w="med" len="med"/>
+          </a:ln>
+        </p:spPr>
+        <p:style>
+          <a:lnRef idx="2">
+            <a:schemeClr val="accent6"/>
+          </a:lnRef>
+          <a:fillRef idx="0">
+            <a:schemeClr val="accent6"/>
+          </a:fillRef>
+          <a:effectRef idx="1">
+            <a:schemeClr val="accent6"/>
+          </a:effectRef>
+          <a:fontRef idx="minor">
+            <a:schemeClr val="tx1"/>
+          </a:fontRef>
+        </p:style>
+      </p:cxnSp>
+      <p:sp>
+        <p:nvSpPr>
+          <p:cNvPr id="47" name="文本框 46"/>
+          <p:cNvSpPr txBox="1"/>
+          <p:nvPr/>
+        </p:nvSpPr>
+        <p:spPr>
+          <a:xfrm>
+            <a:off x="1824990" y="3925570"/>
+            <a:ext cx="1069340" cy="213995"/>
+          </a:xfrm>
+          <a:prstGeom prst="rect">
+            <a:avLst/>
+          </a:prstGeom>
+          <a:noFill/>
+        </p:spPr>
+        <p:txBody>
+          <a:bodyPr wrap="square" rtlCol="0">
+            <a:spAutoFit/>
+          </a:bodyPr>
+          <a:p>
+            <a:pPr algn="r"/>
+            <a:r>
+              <a:rPr lang="en-US" altLang="zh-CN" sz="800">
+                <a:solidFill>
+                  <a:schemeClr val="tx1"/>
+                </a:solidFill>
+              </a:rPr>
+              <a:t>upg_addr_o[14:0]</a:t>
+            </a:r>
+            <a:endParaRPr lang="en-US" altLang="zh-CN" sz="800">
+              <a:solidFill>
+                <a:schemeClr val="tx1"/>
+              </a:solidFill>
+            </a:endParaRPr>
+          </a:p>
+        </p:txBody>
+      </p:sp>
+      <p:sp>
+        <p:nvSpPr>
+          <p:cNvPr id="48" name="文本框 47"/>
+          <p:cNvSpPr txBox="1"/>
+          <p:nvPr/>
+        </p:nvSpPr>
+        <p:spPr>
+          <a:xfrm>
+            <a:off x="1977390" y="4864735"/>
+            <a:ext cx="916940" cy="213995"/>
+          </a:xfrm>
+          <a:prstGeom prst="rect">
+            <a:avLst/>
+          </a:prstGeom>
+          <a:noFill/>
+        </p:spPr>
+        <p:txBody>
+          <a:bodyPr wrap="square" rtlCol="0">
+            <a:spAutoFit/>
+          </a:bodyPr>
+          <a:p>
+            <a:pPr algn="r"/>
+            <a:r>
+              <a:rPr lang="en-US" altLang="zh-CN" sz="800">
+                <a:solidFill>
+                  <a:schemeClr val="tx1"/>
+                </a:solidFill>
+              </a:rPr>
+              <a:t>upg_tx_o</a:t>
+            </a:r>
+            <a:endParaRPr lang="en-US" altLang="zh-CN" sz="800">
+              <a:solidFill>
+                <a:schemeClr val="tx1"/>
+              </a:solidFill>
+            </a:endParaRPr>
+          </a:p>
+        </p:txBody>
+      </p:sp>
+      <p:sp>
+        <p:nvSpPr>
+          <p:cNvPr id="49" name="文本框 48"/>
+          <p:cNvSpPr txBox="1"/>
+          <p:nvPr/>
+        </p:nvSpPr>
+        <p:spPr>
+          <a:xfrm>
+            <a:off x="1977390" y="3612515"/>
+            <a:ext cx="916940" cy="213995"/>
+          </a:xfrm>
+          <a:prstGeom prst="rect">
+            <a:avLst/>
+          </a:prstGeom>
+          <a:noFill/>
+        </p:spPr>
+        <p:txBody>
+          <a:bodyPr wrap="square" rtlCol="0">
+            <a:spAutoFit/>
+          </a:bodyPr>
+          <a:p>
+            <a:pPr algn="r"/>
+            <a:r>
+              <a:rPr lang="en-US" altLang="zh-CN" sz="800">
+                <a:solidFill>
+                  <a:schemeClr val="tx1"/>
+                </a:solidFill>
+                <a:sym typeface="+mn-ea"/>
+              </a:rPr>
+              <a:t>upg_wen_o</a:t>
+            </a:r>
+            <a:endParaRPr lang="en-US" altLang="zh-CN" sz="800">
+              <a:solidFill>
+                <a:schemeClr val="tx1"/>
+              </a:solidFill>
+              <a:sym typeface="+mn-ea"/>
+            </a:endParaRPr>
+          </a:p>
+        </p:txBody>
+      </p:sp>
+      <p:sp>
+        <p:nvSpPr>
+          <p:cNvPr id="59" name="文本框 58"/>
+          <p:cNvSpPr txBox="1"/>
+          <p:nvPr/>
+        </p:nvSpPr>
+        <p:spPr>
+          <a:xfrm>
+            <a:off x="1977390" y="4551680"/>
+            <a:ext cx="916940" cy="213995"/>
+          </a:xfrm>
+          <a:prstGeom prst="rect">
+            <a:avLst/>
+          </a:prstGeom>
+          <a:noFill/>
+        </p:spPr>
+        <p:txBody>
+          <a:bodyPr wrap="square" rtlCol="0">
+            <a:spAutoFit/>
+          </a:bodyPr>
+          <a:p>
+            <a:pPr algn="r"/>
+            <a:r>
+              <a:rPr lang="en-US" altLang="zh-CN" sz="800">
+                <a:solidFill>
+                  <a:schemeClr val="tx1"/>
+                </a:solidFill>
+              </a:rPr>
+              <a:t>upg_done_o</a:t>
+            </a:r>
+            <a:endParaRPr lang="en-US" altLang="zh-CN" sz="800">
+              <a:solidFill>
+                <a:schemeClr val="tx1"/>
+              </a:solidFill>
+            </a:endParaRPr>
+          </a:p>
+        </p:txBody>
+      </p:sp>
+      <p:sp>
+        <p:nvSpPr>
+          <p:cNvPr id="62" name="文本框 61"/>
+          <p:cNvSpPr txBox="1"/>
+          <p:nvPr/>
+        </p:nvSpPr>
+        <p:spPr>
+          <a:xfrm>
+            <a:off x="1977390" y="4238625"/>
+            <a:ext cx="916940" cy="213995"/>
+          </a:xfrm>
+          <a:prstGeom prst="rect">
+            <a:avLst/>
+          </a:prstGeom>
+          <a:noFill/>
+        </p:spPr>
+        <p:txBody>
+          <a:bodyPr wrap="square" rtlCol="0">
+            <a:spAutoFit/>
+          </a:bodyPr>
+          <a:p>
+            <a:pPr algn="r"/>
+            <a:r>
+              <a:rPr lang="en-US" altLang="zh-CN" sz="800">
+                <a:solidFill>
+                  <a:schemeClr val="tx1"/>
+                </a:solidFill>
+              </a:rPr>
+              <a:t>upg_dat_o[31:0]</a:t>
+            </a:r>
+            <a:endParaRPr lang="en-US" altLang="zh-CN" sz="800">
+              <a:solidFill>
+                <a:schemeClr val="tx1"/>
+              </a:solidFill>
+            </a:endParaRPr>
+          </a:p>
+        </p:txBody>
+      </p:sp>
+      <p:sp>
+        <p:nvSpPr>
+          <p:cNvPr id="63" name="文本框 62"/>
+          <p:cNvSpPr txBox="1"/>
+          <p:nvPr/>
+        </p:nvSpPr>
+        <p:spPr>
+          <a:xfrm>
+            <a:off x="1977390" y="3299460"/>
+            <a:ext cx="916940" cy="213995"/>
+          </a:xfrm>
+          <a:prstGeom prst="rect">
+            <a:avLst/>
+          </a:prstGeom>
+          <a:noFill/>
+        </p:spPr>
+        <p:txBody>
+          <a:bodyPr wrap="square" rtlCol="0">
+            <a:spAutoFit/>
+          </a:bodyPr>
+          <a:p>
+            <a:pPr algn="r"/>
+            <a:r>
+              <a:rPr lang="en-US" altLang="zh-CN" sz="800">
+                <a:solidFill>
+                  <a:schemeClr val="tx1"/>
+                </a:solidFill>
+              </a:rPr>
+              <a:t>upg_clk_o</a:t>
+            </a:r>
+            <a:endParaRPr lang="en-US" altLang="zh-CN" sz="800">
+              <a:solidFill>
+                <a:schemeClr val="tx1"/>
+              </a:solidFill>
+            </a:endParaRPr>
+          </a:p>
+        </p:txBody>
+      </p:sp>
+      <p:sp>
+        <p:nvSpPr>
+          <p:cNvPr id="64" name="文本框 63"/>
+          <p:cNvSpPr txBox="1"/>
+          <p:nvPr/>
+        </p:nvSpPr>
+        <p:spPr>
+          <a:xfrm>
+            <a:off x="238760" y="3657600"/>
+            <a:ext cx="765175" cy="306705"/>
+          </a:xfrm>
+          <a:prstGeom prst="rect">
+            <a:avLst/>
+          </a:prstGeom>
+          <a:noFill/>
+        </p:spPr>
+        <p:txBody>
+          <a:bodyPr wrap="square" rtlCol="0">
+            <a:spAutoFit/>
+          </a:bodyPr>
+          <a:p>
+            <a:pPr algn="r"/>
+            <a:r>
+              <a:rPr lang="en-US" sz="1400">
+                <a:solidFill>
+                  <a:srgbClr val="FF0000"/>
+                </a:solidFill>
+              </a:rPr>
+              <a:t>10MHz</a:t>
+            </a:r>
+            <a:endParaRPr lang="en-US" sz="1400">
+              <a:solidFill>
+                <a:srgbClr val="FF0000"/>
+              </a:solidFill>
+            </a:endParaRPr>
+          </a:p>
+        </p:txBody>
+      </p:sp>
+      <p:cxnSp>
+        <p:nvCxnSpPr>
+          <p:cNvPr id="65" name="直接箭头连接符 64"/>
+          <p:cNvCxnSpPr>
+            <a:stCxn id="64" idx="3"/>
+          </p:cNvCxnSpPr>
+          <p:nvPr/>
+        </p:nvCxnSpPr>
+        <p:spPr>
+          <a:xfrm>
+            <a:off x="1003935" y="3819525"/>
+            <a:ext cx="413385" cy="0"/>
+          </a:xfrm>
+          <a:prstGeom prst="straightConnector1">
+            <a:avLst/>
+          </a:prstGeom>
+          <a:ln>
+            <a:tailEnd type="arrow" w="med" len="med"/>
+          </a:ln>
+        </p:spPr>
+        <p:style>
+          <a:lnRef idx="2">
+            <a:schemeClr val="accent6"/>
+          </a:lnRef>
+          <a:fillRef idx="0">
+            <a:schemeClr val="accent6"/>
+          </a:fillRef>
+          <a:effectRef idx="1">
+            <a:schemeClr val="accent6"/>
+          </a:effectRef>
+          <a:fontRef idx="minor">
+            <a:schemeClr val="tx1"/>
+          </a:fontRef>
+        </p:style>
+      </p:cxnSp>
+      <p:sp>
+        <p:nvSpPr>
+          <p:cNvPr id="71" name="文本框 70"/>
+          <p:cNvSpPr txBox="1"/>
+          <p:nvPr/>
+        </p:nvSpPr>
+        <p:spPr>
+          <a:xfrm>
+            <a:off x="4945380" y="4758055"/>
+            <a:ext cx="660400" cy="245110"/>
+          </a:xfrm>
+          <a:prstGeom prst="rect">
+            <a:avLst/>
+          </a:prstGeom>
+          <a:noFill/>
+        </p:spPr>
+        <p:txBody>
+          <a:bodyPr wrap="square" rtlCol="0">
+            <a:spAutoFit/>
+          </a:bodyPr>
+          <a:p>
+            <a:pPr algn="r"/>
+            <a:r>
+              <a:rPr lang="en-US" sz="1000">
+                <a:solidFill>
+                  <a:srgbClr val="FF0000"/>
+                </a:solidFill>
+              </a:rPr>
+              <a:t>100MHz</a:t>
+            </a:r>
+            <a:endParaRPr lang="en-US" sz="1000">
+              <a:solidFill>
+                <a:srgbClr val="FF0000"/>
+              </a:solidFill>
+            </a:endParaRPr>
+          </a:p>
+        </p:txBody>
+      </p:sp>
+      <p:sp>
+        <p:nvSpPr>
+          <p:cNvPr id="73" name="文本框 72"/>
+          <p:cNvSpPr txBox="1"/>
+          <p:nvPr/>
+        </p:nvSpPr>
+        <p:spPr>
+          <a:xfrm>
+            <a:off x="1536065" y="5434965"/>
+            <a:ext cx="1217930" cy="245110"/>
+          </a:xfrm>
+          <a:prstGeom prst="rect">
+            <a:avLst/>
+          </a:prstGeom>
+          <a:noFill/>
+        </p:spPr>
+        <p:txBody>
+          <a:bodyPr wrap="square" rtlCol="0">
+            <a:spAutoFit/>
+          </a:bodyPr>
+          <a:p>
+            <a:pPr algn="ctr"/>
+            <a:r>
+              <a:rPr lang="en-US" altLang="zh-CN" sz="1000">
+                <a:solidFill>
+                  <a:schemeClr val="tx1"/>
+                </a:solidFill>
+              </a:rPr>
+              <a:t>uart_connect_pc</a:t>
+            </a:r>
+            <a:endParaRPr lang="en-US" altLang="zh-CN" sz="1000">
+              <a:solidFill>
+                <a:schemeClr val="tx1"/>
+              </a:solidFill>
+            </a:endParaRPr>
+          </a:p>
+        </p:txBody>
+      </p:sp>
+      <p:sp>
+        <p:nvSpPr>
+          <p:cNvPr id="78" name="文本框 77"/>
+          <p:cNvSpPr txBox="1"/>
+          <p:nvPr/>
+        </p:nvSpPr>
+        <p:spPr>
+          <a:xfrm>
+            <a:off x="339090" y="4014470"/>
+            <a:ext cx="565150" cy="275590"/>
+          </a:xfrm>
+          <a:prstGeom prst="rect">
+            <a:avLst/>
+          </a:prstGeom>
+          <a:noFill/>
+        </p:spPr>
+        <p:txBody>
+          <a:bodyPr wrap="square" rtlCol="0">
+            <a:spAutoFit/>
+          </a:bodyPr>
+          <a:p>
+            <a:pPr algn="r"/>
+            <a:r>
+              <a:rPr lang="en-US" altLang="zh-CN" sz="1200">
+                <a:solidFill>
+                  <a:schemeClr val="bg1">
+                    <a:lumMod val="50000"/>
+                  </a:schemeClr>
+                </a:solidFill>
+              </a:rPr>
+              <a:t>rst_n</a:t>
+            </a:r>
+            <a:endParaRPr lang="en-US" altLang="zh-CN" sz="1200">
+              <a:solidFill>
+                <a:schemeClr val="bg1">
+                  <a:lumMod val="50000"/>
+                </a:schemeClr>
+              </a:solidFill>
+            </a:endParaRPr>
+          </a:p>
+        </p:txBody>
+      </p:sp>
+      <p:cxnSp>
+        <p:nvCxnSpPr>
+          <p:cNvPr id="79" name="直接箭头连接符 78"/>
+          <p:cNvCxnSpPr/>
+          <p:nvPr/>
+        </p:nvCxnSpPr>
+        <p:spPr>
+          <a:xfrm>
+            <a:off x="972185" y="4150995"/>
+            <a:ext cx="413385" cy="0"/>
+          </a:xfrm>
+          <a:prstGeom prst="straightConnector1">
+            <a:avLst/>
+          </a:prstGeom>
+          <a:ln>
+            <a:tailEnd type="arrow" w="med" len="med"/>
+          </a:ln>
+        </p:spPr>
+        <p:style>
+          <a:lnRef idx="2">
+            <a:schemeClr val="accent6"/>
+          </a:lnRef>
+          <a:fillRef idx="0">
+            <a:schemeClr val="accent6"/>
+          </a:fillRef>
+          <a:effectRef idx="1">
+            <a:schemeClr val="accent6"/>
+          </a:effectRef>
+          <a:fontRef idx="minor">
+            <a:schemeClr val="tx1"/>
+          </a:fontRef>
+        </p:style>
+      </p:cxnSp>
+      <p:sp>
+        <p:nvSpPr>
+          <p:cNvPr id="84" name="文本框 83"/>
+          <p:cNvSpPr txBox="1"/>
+          <p:nvPr/>
+        </p:nvSpPr>
+        <p:spPr>
+          <a:xfrm>
+            <a:off x="4859020" y="3632200"/>
+            <a:ext cx="1054100" cy="213995"/>
+          </a:xfrm>
+          <a:prstGeom prst="rect">
+            <a:avLst/>
+          </a:prstGeom>
+          <a:noFill/>
+        </p:spPr>
+        <p:txBody>
+          <a:bodyPr wrap="square" rtlCol="0">
+            <a:spAutoFit/>
+          </a:bodyPr>
+          <a:p>
+            <a:pPr algn="l"/>
+            <a:r>
+              <a:rPr lang="en-US" altLang="zh-CN" sz="800">
+                <a:solidFill>
+                  <a:schemeClr val="tx1"/>
+                </a:solidFill>
+              </a:rPr>
+              <a:t>upg_addr_i[14:0]</a:t>
+            </a:r>
+            <a:endParaRPr lang="en-US" altLang="zh-CN" sz="800">
+              <a:solidFill>
+                <a:schemeClr val="tx1"/>
+              </a:solidFill>
+            </a:endParaRPr>
+          </a:p>
+        </p:txBody>
+      </p:sp>
+      <p:sp>
+        <p:nvSpPr>
+          <p:cNvPr id="87" name="文本框 86"/>
+          <p:cNvSpPr txBox="1"/>
+          <p:nvPr/>
+        </p:nvSpPr>
+        <p:spPr>
+          <a:xfrm>
+            <a:off x="4859020" y="3349625"/>
+            <a:ext cx="903605" cy="213995"/>
+          </a:xfrm>
+          <a:prstGeom prst="rect">
+            <a:avLst/>
+          </a:prstGeom>
+          <a:noFill/>
+        </p:spPr>
+        <p:txBody>
+          <a:bodyPr wrap="square" rtlCol="0">
+            <a:spAutoFit/>
+          </a:bodyPr>
+          <a:p>
+            <a:pPr algn="l"/>
+            <a:r>
+              <a:rPr lang="en-US" altLang="zh-CN" sz="800">
+                <a:solidFill>
+                  <a:schemeClr val="tx1"/>
+                </a:solidFill>
+                <a:sym typeface="+mn-ea"/>
+              </a:rPr>
+              <a:t>upg_wen_i</a:t>
+            </a:r>
+            <a:endParaRPr lang="en-US" altLang="zh-CN" sz="800">
+              <a:solidFill>
+                <a:schemeClr val="tx1"/>
+              </a:solidFill>
+              <a:sym typeface="+mn-ea"/>
+            </a:endParaRPr>
+          </a:p>
+        </p:txBody>
+      </p:sp>
+      <p:sp>
+        <p:nvSpPr>
+          <p:cNvPr id="88" name="文本框 87"/>
+          <p:cNvSpPr txBox="1"/>
+          <p:nvPr/>
+        </p:nvSpPr>
+        <p:spPr>
+          <a:xfrm>
+            <a:off x="4859020" y="4197350"/>
+            <a:ext cx="903605" cy="213995"/>
+          </a:xfrm>
+          <a:prstGeom prst="rect">
+            <a:avLst/>
+          </a:prstGeom>
+          <a:noFill/>
+        </p:spPr>
+        <p:txBody>
+          <a:bodyPr wrap="square" rtlCol="0">
+            <a:spAutoFit/>
+          </a:bodyPr>
+          <a:p>
+            <a:pPr algn="l"/>
+            <a:r>
+              <a:rPr lang="en-US" altLang="zh-CN" sz="800">
+                <a:solidFill>
+                  <a:schemeClr val="tx1"/>
+                </a:solidFill>
+              </a:rPr>
+              <a:t>upg_done_i</a:t>
+            </a:r>
+            <a:endParaRPr lang="en-US" altLang="zh-CN" sz="800">
+              <a:solidFill>
+                <a:schemeClr val="tx1"/>
+              </a:solidFill>
+            </a:endParaRPr>
+          </a:p>
+        </p:txBody>
+      </p:sp>
+      <p:sp>
+        <p:nvSpPr>
+          <p:cNvPr id="89" name="文本框 88"/>
+          <p:cNvSpPr txBox="1"/>
+          <p:nvPr/>
+        </p:nvSpPr>
+        <p:spPr>
+          <a:xfrm>
+            <a:off x="4859020" y="3914775"/>
+            <a:ext cx="903605" cy="213995"/>
+          </a:xfrm>
+          <a:prstGeom prst="rect">
+            <a:avLst/>
+          </a:prstGeom>
+          <a:noFill/>
+        </p:spPr>
+        <p:txBody>
+          <a:bodyPr wrap="square" rtlCol="0">
+            <a:spAutoFit/>
+          </a:bodyPr>
+          <a:p>
+            <a:pPr algn="l"/>
+            <a:r>
+              <a:rPr lang="en-US" altLang="zh-CN" sz="800">
+                <a:solidFill>
+                  <a:schemeClr val="tx1"/>
+                </a:solidFill>
+              </a:rPr>
+              <a:t>upg_dat_i[31:0]</a:t>
+            </a:r>
+            <a:endParaRPr lang="en-US" altLang="zh-CN" sz="800">
+              <a:solidFill>
+                <a:schemeClr val="tx1"/>
+              </a:solidFill>
+            </a:endParaRPr>
+          </a:p>
+        </p:txBody>
+      </p:sp>
+      <p:sp>
+        <p:nvSpPr>
+          <p:cNvPr id="90" name="文本框 89"/>
+          <p:cNvSpPr txBox="1"/>
+          <p:nvPr/>
+        </p:nvSpPr>
+        <p:spPr>
+          <a:xfrm>
+            <a:off x="4859020" y="3067050"/>
+            <a:ext cx="903605" cy="213995"/>
+          </a:xfrm>
+          <a:prstGeom prst="rect">
+            <a:avLst/>
+          </a:prstGeom>
+          <a:noFill/>
+        </p:spPr>
+        <p:txBody>
+          <a:bodyPr wrap="square" rtlCol="0">
+            <a:spAutoFit/>
+          </a:bodyPr>
+          <a:p>
+            <a:pPr algn="l"/>
+            <a:r>
+              <a:rPr lang="en-US" altLang="zh-CN" sz="800">
+                <a:solidFill>
+                  <a:schemeClr val="tx1"/>
+                </a:solidFill>
+              </a:rPr>
+              <a:t>upg_clk_i</a:t>
+            </a:r>
+            <a:endParaRPr lang="en-US" altLang="zh-CN" sz="800">
+              <a:solidFill>
+                <a:schemeClr val="tx1"/>
+              </a:solidFill>
+            </a:endParaRPr>
+          </a:p>
+        </p:txBody>
+      </p:sp>
+      <p:cxnSp>
+        <p:nvCxnSpPr>
+          <p:cNvPr id="91" name="肘形连接符 90"/>
+          <p:cNvCxnSpPr>
+            <a:stCxn id="63" idx="3"/>
+            <a:endCxn id="90" idx="1"/>
+          </p:cNvCxnSpPr>
+          <p:nvPr/>
+        </p:nvCxnSpPr>
+        <p:spPr>
+          <a:xfrm flipV="1">
+            <a:off x="2894330" y="3182620"/>
+            <a:ext cx="1964690" cy="232410"/>
+          </a:xfrm>
+          <a:prstGeom prst="bentConnector3">
+            <a:avLst>
+              <a:gd name="adj1" fmla="val 18261"/>
+            </a:avLst>
+          </a:prstGeom>
+          <a:ln>
+            <a:tailEnd type="arrow"/>
+          </a:ln>
+        </p:spPr>
+        <p:style>
+          <a:lnRef idx="1">
+            <a:schemeClr val="accent1"/>
+          </a:lnRef>
+          <a:fillRef idx="0">
+            <a:schemeClr val="accent1"/>
+          </a:fillRef>
+          <a:effectRef idx="0">
+            <a:schemeClr val="accent1"/>
+          </a:effectRef>
+          <a:fontRef idx="minor">
+            <a:schemeClr val="tx1"/>
+          </a:fontRef>
+        </p:style>
+      </p:cxnSp>
+      <p:cxnSp>
+        <p:nvCxnSpPr>
+          <p:cNvPr id="92" name="肘形连接符 91"/>
+          <p:cNvCxnSpPr>
+            <a:stCxn id="49" idx="3"/>
+            <a:endCxn id="87" idx="1"/>
+          </p:cNvCxnSpPr>
+          <p:nvPr/>
+        </p:nvCxnSpPr>
+        <p:spPr>
+          <a:xfrm flipV="1">
+            <a:off x="2894330" y="3465195"/>
+            <a:ext cx="1964690" cy="262890"/>
+          </a:xfrm>
+          <a:prstGeom prst="bentConnector3">
+            <a:avLst>
+              <a:gd name="adj1" fmla="val 29153"/>
+            </a:avLst>
+          </a:prstGeom>
+          <a:ln>
+            <a:tailEnd type="arrow"/>
+          </a:ln>
+        </p:spPr>
+        <p:style>
+          <a:lnRef idx="1">
+            <a:schemeClr val="accent1"/>
+          </a:lnRef>
+          <a:fillRef idx="0">
+            <a:schemeClr val="accent1"/>
+          </a:fillRef>
+          <a:effectRef idx="0">
+            <a:schemeClr val="accent1"/>
+          </a:effectRef>
+          <a:fontRef idx="minor">
+            <a:schemeClr val="tx1"/>
+          </a:fontRef>
+        </p:style>
+      </p:cxnSp>
+      <p:cxnSp>
+        <p:nvCxnSpPr>
+          <p:cNvPr id="93" name="肘形连接符 92"/>
+          <p:cNvCxnSpPr>
+            <a:stCxn id="47" idx="3"/>
+            <a:endCxn id="84" idx="1"/>
+          </p:cNvCxnSpPr>
+          <p:nvPr/>
+        </p:nvCxnSpPr>
+        <p:spPr>
+          <a:xfrm flipV="1">
+            <a:off x="2894330" y="3747770"/>
+            <a:ext cx="1964690" cy="293370"/>
+          </a:xfrm>
+          <a:prstGeom prst="bentConnector3">
+            <a:avLst>
+              <a:gd name="adj1" fmla="val 38267"/>
+            </a:avLst>
+          </a:prstGeom>
+          <a:ln>
+            <a:tailEnd type="arrow"/>
+          </a:ln>
+        </p:spPr>
+        <p:style>
+          <a:lnRef idx="1">
+            <a:schemeClr val="accent1"/>
+          </a:lnRef>
+          <a:fillRef idx="0">
+            <a:schemeClr val="accent1"/>
+          </a:fillRef>
+          <a:effectRef idx="0">
+            <a:schemeClr val="accent1"/>
+          </a:effectRef>
+          <a:fontRef idx="minor">
+            <a:schemeClr val="tx1"/>
+          </a:fontRef>
+        </p:style>
+      </p:cxnSp>
+      <p:cxnSp>
+        <p:nvCxnSpPr>
+          <p:cNvPr id="94" name="肘形连接符 93"/>
+          <p:cNvCxnSpPr>
+            <a:stCxn id="62" idx="3"/>
+            <a:endCxn id="89" idx="1"/>
+          </p:cNvCxnSpPr>
+          <p:nvPr/>
+        </p:nvCxnSpPr>
+        <p:spPr>
+          <a:xfrm flipV="1">
+            <a:off x="2894330" y="4030345"/>
+            <a:ext cx="1964690" cy="323850"/>
+          </a:xfrm>
+          <a:prstGeom prst="bentConnector3">
+            <a:avLst>
+              <a:gd name="adj1" fmla="val 50000"/>
+            </a:avLst>
+          </a:prstGeom>
+          <a:ln>
+            <a:tailEnd type="arrow"/>
+          </a:ln>
+        </p:spPr>
+        <p:style>
+          <a:lnRef idx="1">
+            <a:schemeClr val="accent1"/>
+          </a:lnRef>
+          <a:fillRef idx="0">
+            <a:schemeClr val="accent1"/>
+          </a:fillRef>
+          <a:effectRef idx="0">
+            <a:schemeClr val="accent1"/>
+          </a:effectRef>
+          <a:fontRef idx="minor">
+            <a:schemeClr val="tx1"/>
+          </a:fontRef>
+        </p:style>
+      </p:cxnSp>
+      <p:cxnSp>
+        <p:nvCxnSpPr>
+          <p:cNvPr id="95" name="肘形连接符 94"/>
+          <p:cNvCxnSpPr>
+            <a:stCxn id="59" idx="3"/>
+            <a:endCxn id="88" idx="1"/>
+          </p:cNvCxnSpPr>
+          <p:nvPr/>
+        </p:nvCxnSpPr>
+        <p:spPr>
+          <a:xfrm flipV="1">
+            <a:off x="2894330" y="4312920"/>
+            <a:ext cx="1964690" cy="354330"/>
+          </a:xfrm>
+          <a:prstGeom prst="bentConnector3">
+            <a:avLst>
+              <a:gd name="adj1" fmla="val 64350"/>
+            </a:avLst>
+          </a:prstGeom>
+          <a:ln>
+            <a:tailEnd type="arrow"/>
+          </a:ln>
+        </p:spPr>
+        <p:style>
+          <a:lnRef idx="1">
+            <a:schemeClr val="accent1"/>
+          </a:lnRef>
+          <a:fillRef idx="0">
+            <a:schemeClr val="accent1"/>
+          </a:fillRef>
+          <a:effectRef idx="0">
+            <a:schemeClr val="accent1"/>
+          </a:effectRef>
+          <a:fontRef idx="minor">
+            <a:schemeClr val="tx1"/>
+          </a:fontRef>
+        </p:style>
+      </p:cxnSp>
+      <p:sp>
+        <p:nvSpPr>
+          <p:cNvPr id="97" name="文本框 96"/>
+          <p:cNvSpPr txBox="1"/>
+          <p:nvPr/>
+        </p:nvSpPr>
+        <p:spPr>
+          <a:xfrm>
+            <a:off x="4859020" y="2794635"/>
+            <a:ext cx="883920" cy="213995"/>
+          </a:xfrm>
+          <a:prstGeom prst="rect">
+            <a:avLst/>
+          </a:prstGeom>
+          <a:noFill/>
+        </p:spPr>
+        <p:txBody>
+          <a:bodyPr wrap="square" rtlCol="0">
+            <a:spAutoFit/>
+          </a:bodyPr>
+          <a:p>
+            <a:pPr algn="l"/>
+            <a:r>
+              <a:rPr lang="en-US" altLang="zh-CN" sz="800">
+                <a:solidFill>
+                  <a:schemeClr val="tx1"/>
+                </a:solidFill>
+              </a:rPr>
+              <a:t>upg_rst_i</a:t>
+            </a:r>
+            <a:endParaRPr lang="en-US" altLang="zh-CN" sz="800">
+              <a:solidFill>
+                <a:schemeClr val="tx1"/>
+              </a:solidFill>
+            </a:endParaRPr>
+          </a:p>
+        </p:txBody>
+      </p:sp>
+      <p:sp>
+        <p:nvSpPr>
+          <p:cNvPr id="98" name="文本框 97"/>
+          <p:cNvSpPr txBox="1"/>
+          <p:nvPr/>
+        </p:nvSpPr>
+        <p:spPr>
+          <a:xfrm>
+            <a:off x="4058285" y="2763520"/>
+            <a:ext cx="565150" cy="275590"/>
+          </a:xfrm>
+          <a:prstGeom prst="rect">
+            <a:avLst/>
+          </a:prstGeom>
+          <a:noFill/>
+        </p:spPr>
+        <p:txBody>
+          <a:bodyPr wrap="square" rtlCol="0">
+            <a:spAutoFit/>
+          </a:bodyPr>
+          <a:p>
+            <a:pPr algn="r"/>
+            <a:r>
+              <a:rPr lang="en-US" altLang="zh-CN" sz="1200">
+                <a:solidFill>
+                  <a:schemeClr val="bg1">
+                    <a:lumMod val="50000"/>
+                  </a:schemeClr>
+                </a:solidFill>
+              </a:rPr>
+              <a:t>rst_n</a:t>
+            </a:r>
+            <a:endParaRPr lang="en-US" altLang="zh-CN" sz="1200">
+              <a:solidFill>
+                <a:schemeClr val="bg1">
+                  <a:lumMod val="50000"/>
+                </a:schemeClr>
+              </a:solidFill>
+            </a:endParaRPr>
+          </a:p>
+        </p:txBody>
+      </p:sp>
+      <p:cxnSp>
+        <p:nvCxnSpPr>
+          <p:cNvPr id="99" name="直接箭头连接符 98"/>
+          <p:cNvCxnSpPr/>
+          <p:nvPr/>
+        </p:nvCxnSpPr>
+        <p:spPr>
+          <a:xfrm>
+            <a:off x="4587875" y="2894965"/>
+            <a:ext cx="277495" cy="5080"/>
+          </a:xfrm>
+          <a:prstGeom prst="straightConnector1">
+            <a:avLst/>
+          </a:prstGeom>
+          <a:ln>
+            <a:tailEnd type="arrow" w="med" len="med"/>
+          </a:ln>
+        </p:spPr>
+        <p:style>
+          <a:lnRef idx="2">
+            <a:schemeClr val="accent6"/>
+          </a:lnRef>
+          <a:fillRef idx="0">
+            <a:schemeClr val="accent6"/>
+          </a:fillRef>
+          <a:effectRef idx="1">
+            <a:schemeClr val="accent6"/>
+          </a:effectRef>
+          <a:fontRef idx="minor">
+            <a:schemeClr val="tx1"/>
+          </a:fontRef>
+        </p:style>
+      </p:cxnSp>
+      <p:sp>
+        <p:nvSpPr>
+          <p:cNvPr id="145" name="文本框 144"/>
+          <p:cNvSpPr txBox="1"/>
+          <p:nvPr/>
+        </p:nvSpPr>
+        <p:spPr>
+          <a:xfrm>
+            <a:off x="9556750" y="2763520"/>
+            <a:ext cx="761365" cy="245110"/>
+          </a:xfrm>
+          <a:prstGeom prst="rect">
+            <a:avLst/>
+          </a:prstGeom>
+          <a:noFill/>
+        </p:spPr>
+        <p:txBody>
+          <a:bodyPr wrap="square" rtlCol="0">
+            <a:spAutoFit/>
+          </a:bodyPr>
+          <a:p>
+            <a:pPr algn="l"/>
+            <a:r>
+              <a:rPr lang="en-US" altLang="zh-CN" sz="1000">
+                <a:solidFill>
+                  <a:srgbClr val="FF0000"/>
+                </a:solidFill>
+              </a:rPr>
+              <a:t>100MHz</a:t>
+            </a:r>
+            <a:endParaRPr lang="en-US" altLang="zh-CN" sz="1000">
+              <a:solidFill>
+                <a:srgbClr val="FF0000"/>
+              </a:solidFill>
+            </a:endParaRPr>
+          </a:p>
+        </p:txBody>
+      </p:sp>
+      <p:sp>
+        <p:nvSpPr>
+          <p:cNvPr id="146" name="文本框 145"/>
+          <p:cNvSpPr txBox="1"/>
+          <p:nvPr/>
+        </p:nvSpPr>
+        <p:spPr>
+          <a:xfrm>
+            <a:off x="9459595" y="1811655"/>
+            <a:ext cx="1054100" cy="213995"/>
+          </a:xfrm>
+          <a:prstGeom prst="rect">
+            <a:avLst/>
+          </a:prstGeom>
+          <a:noFill/>
+        </p:spPr>
+        <p:txBody>
+          <a:bodyPr wrap="square" rtlCol="0">
+            <a:spAutoFit/>
+          </a:bodyPr>
+          <a:p>
+            <a:pPr algn="l"/>
+            <a:r>
+              <a:rPr lang="en-US" altLang="zh-CN" sz="800">
+                <a:solidFill>
+                  <a:schemeClr val="tx1"/>
+                </a:solidFill>
+              </a:rPr>
+              <a:t>upg_addr_i[14:0]</a:t>
+            </a:r>
+            <a:endParaRPr lang="en-US" altLang="zh-CN" sz="800">
+              <a:solidFill>
+                <a:schemeClr val="tx1"/>
+              </a:solidFill>
+            </a:endParaRPr>
+          </a:p>
+        </p:txBody>
+      </p:sp>
+      <p:sp>
+        <p:nvSpPr>
+          <p:cNvPr id="147" name="文本框 146"/>
+          <p:cNvSpPr txBox="1"/>
+          <p:nvPr/>
+        </p:nvSpPr>
+        <p:spPr>
+          <a:xfrm>
+            <a:off x="9459595" y="1529080"/>
+            <a:ext cx="903605" cy="213995"/>
+          </a:xfrm>
+          <a:prstGeom prst="rect">
+            <a:avLst/>
+          </a:prstGeom>
+          <a:noFill/>
+        </p:spPr>
+        <p:txBody>
+          <a:bodyPr wrap="square" rtlCol="0">
+            <a:spAutoFit/>
+          </a:bodyPr>
+          <a:p>
+            <a:pPr algn="l"/>
+            <a:r>
+              <a:rPr lang="en-US" altLang="zh-CN" sz="800">
+                <a:solidFill>
+                  <a:schemeClr val="tx1"/>
+                </a:solidFill>
+                <a:sym typeface="+mn-ea"/>
+              </a:rPr>
+              <a:t>upg_wen_i</a:t>
+            </a:r>
+            <a:endParaRPr lang="en-US" altLang="zh-CN" sz="800">
+              <a:solidFill>
+                <a:schemeClr val="tx1"/>
+              </a:solidFill>
+              <a:sym typeface="+mn-ea"/>
+            </a:endParaRPr>
+          </a:p>
+        </p:txBody>
+      </p:sp>
+      <p:sp>
+        <p:nvSpPr>
+          <p:cNvPr id="148" name="文本框 147"/>
+          <p:cNvSpPr txBox="1"/>
+          <p:nvPr/>
+        </p:nvSpPr>
+        <p:spPr>
+          <a:xfrm>
+            <a:off x="9459595" y="2376805"/>
+            <a:ext cx="903605" cy="213995"/>
+          </a:xfrm>
+          <a:prstGeom prst="rect">
+            <a:avLst/>
+          </a:prstGeom>
+          <a:noFill/>
+        </p:spPr>
+        <p:txBody>
+          <a:bodyPr wrap="square" rtlCol="0">
+            <a:spAutoFit/>
+          </a:bodyPr>
+          <a:p>
+            <a:pPr algn="l"/>
+            <a:r>
+              <a:rPr lang="en-US" altLang="zh-CN" sz="800">
+                <a:solidFill>
+                  <a:schemeClr val="tx1"/>
+                </a:solidFill>
+              </a:rPr>
+              <a:t>upg_done_i</a:t>
+            </a:r>
+            <a:endParaRPr lang="en-US" altLang="zh-CN" sz="800">
+              <a:solidFill>
+                <a:schemeClr val="tx1"/>
+              </a:solidFill>
+            </a:endParaRPr>
+          </a:p>
+        </p:txBody>
+      </p:sp>
+      <p:sp>
+        <p:nvSpPr>
+          <p:cNvPr id="149" name="文本框 148"/>
+          <p:cNvSpPr txBox="1"/>
+          <p:nvPr/>
+        </p:nvSpPr>
+        <p:spPr>
+          <a:xfrm>
+            <a:off x="9459595" y="2094230"/>
+            <a:ext cx="903605" cy="213995"/>
+          </a:xfrm>
+          <a:prstGeom prst="rect">
+            <a:avLst/>
+          </a:prstGeom>
+          <a:noFill/>
+        </p:spPr>
+        <p:txBody>
+          <a:bodyPr wrap="square" rtlCol="0">
+            <a:spAutoFit/>
+          </a:bodyPr>
+          <a:p>
+            <a:pPr algn="l"/>
+            <a:r>
+              <a:rPr lang="en-US" altLang="zh-CN" sz="800">
+                <a:solidFill>
+                  <a:schemeClr val="tx1"/>
+                </a:solidFill>
+              </a:rPr>
+              <a:t>upg_dat_i[31:0]</a:t>
+            </a:r>
+            <a:endParaRPr lang="en-US" altLang="zh-CN" sz="800">
+              <a:solidFill>
+                <a:schemeClr val="tx1"/>
+              </a:solidFill>
+            </a:endParaRPr>
+          </a:p>
+        </p:txBody>
+      </p:sp>
+      <p:sp>
+        <p:nvSpPr>
+          <p:cNvPr id="150" name="文本框 149"/>
+          <p:cNvSpPr txBox="1"/>
+          <p:nvPr/>
+        </p:nvSpPr>
+        <p:spPr>
+          <a:xfrm>
+            <a:off x="9459595" y="1246505"/>
+            <a:ext cx="903605" cy="213995"/>
+          </a:xfrm>
+          <a:prstGeom prst="rect">
+            <a:avLst/>
+          </a:prstGeom>
+          <a:noFill/>
+        </p:spPr>
+        <p:txBody>
+          <a:bodyPr wrap="square" rtlCol="0">
+            <a:spAutoFit/>
+          </a:bodyPr>
+          <a:p>
+            <a:pPr algn="l"/>
+            <a:r>
+              <a:rPr lang="en-US" altLang="zh-CN" sz="800">
+                <a:solidFill>
+                  <a:schemeClr val="tx1"/>
+                </a:solidFill>
+              </a:rPr>
+              <a:t>upg_clk_i</a:t>
+            </a:r>
+            <a:endParaRPr lang="en-US" altLang="zh-CN" sz="800">
+              <a:solidFill>
+                <a:schemeClr val="tx1"/>
+              </a:solidFill>
+            </a:endParaRPr>
+          </a:p>
+        </p:txBody>
+      </p:sp>
+      <p:sp>
+        <p:nvSpPr>
+          <p:cNvPr id="151" name="文本框 150"/>
+          <p:cNvSpPr txBox="1"/>
+          <p:nvPr/>
+        </p:nvSpPr>
+        <p:spPr>
+          <a:xfrm>
+            <a:off x="9459595" y="974090"/>
+            <a:ext cx="883920" cy="213995"/>
+          </a:xfrm>
+          <a:prstGeom prst="rect">
+            <a:avLst/>
+          </a:prstGeom>
+          <a:noFill/>
+        </p:spPr>
+        <p:txBody>
+          <a:bodyPr wrap="square" rtlCol="0">
+            <a:spAutoFit/>
+          </a:bodyPr>
+          <a:p>
+            <a:pPr algn="l"/>
+            <a:r>
+              <a:rPr lang="en-US" altLang="zh-CN" sz="800">
+                <a:solidFill>
+                  <a:schemeClr val="tx1"/>
+                </a:solidFill>
+              </a:rPr>
+              <a:t>upg_rst_i</a:t>
+            </a:r>
+            <a:endParaRPr lang="en-US" altLang="zh-CN" sz="800">
+              <a:solidFill>
+                <a:schemeClr val="tx1"/>
+              </a:solidFill>
+            </a:endParaRPr>
+          </a:p>
+        </p:txBody>
+      </p:sp>
+      <p:sp>
+        <p:nvSpPr>
+          <p:cNvPr id="152" name="文本框 151"/>
+          <p:cNvSpPr txBox="1"/>
+          <p:nvPr/>
+        </p:nvSpPr>
+        <p:spPr>
+          <a:xfrm>
+            <a:off x="8509000" y="970915"/>
+            <a:ext cx="565150" cy="275590"/>
+          </a:xfrm>
+          <a:prstGeom prst="rect">
+            <a:avLst/>
+          </a:prstGeom>
+          <a:noFill/>
+        </p:spPr>
+        <p:txBody>
+          <a:bodyPr wrap="square" rtlCol="0">
+            <a:spAutoFit/>
+          </a:bodyPr>
+          <a:p>
+            <a:pPr algn="r"/>
+            <a:r>
+              <a:rPr lang="en-US" altLang="zh-CN" sz="1200">
+                <a:solidFill>
+                  <a:schemeClr val="bg1">
+                    <a:lumMod val="50000"/>
+                  </a:schemeClr>
+                </a:solidFill>
+              </a:rPr>
+              <a:t>rst_n</a:t>
+            </a:r>
+            <a:endParaRPr lang="en-US" altLang="zh-CN" sz="1200">
+              <a:solidFill>
+                <a:schemeClr val="bg1">
+                  <a:lumMod val="50000"/>
+                </a:schemeClr>
+              </a:solidFill>
+            </a:endParaRPr>
+          </a:p>
+        </p:txBody>
+      </p:sp>
+      <p:cxnSp>
+        <p:nvCxnSpPr>
+          <p:cNvPr id="153" name="直接箭头连接符 152"/>
+          <p:cNvCxnSpPr/>
+          <p:nvPr/>
+        </p:nvCxnSpPr>
+        <p:spPr>
+          <a:xfrm>
+            <a:off x="9043035" y="1107440"/>
+            <a:ext cx="413385" cy="0"/>
+          </a:xfrm>
+          <a:prstGeom prst="straightConnector1">
+            <a:avLst/>
+          </a:prstGeom>
+          <a:ln>
+            <a:tailEnd type="arrow" w="med" len="med"/>
+          </a:ln>
+        </p:spPr>
+        <p:style>
+          <a:lnRef idx="2">
+            <a:schemeClr val="accent6"/>
+          </a:lnRef>
+          <a:fillRef idx="0">
+            <a:schemeClr val="accent6"/>
+          </a:fillRef>
+          <a:effectRef idx="1">
+            <a:schemeClr val="accent6"/>
+          </a:effectRef>
+          <a:fontRef idx="minor">
+            <a:schemeClr val="tx1"/>
+          </a:fontRef>
+        </p:style>
+      </p:cxnSp>
+      <p:cxnSp>
+        <p:nvCxnSpPr>
+          <p:cNvPr id="154" name="肘形连接符 153"/>
+          <p:cNvCxnSpPr>
+            <a:endCxn id="150" idx="1"/>
+          </p:cNvCxnSpPr>
+          <p:nvPr/>
+        </p:nvCxnSpPr>
+        <p:spPr>
+          <a:xfrm flipV="1">
+            <a:off x="2914015" y="1353820"/>
+            <a:ext cx="6545580" cy="2053590"/>
+          </a:xfrm>
+          <a:prstGeom prst="bentConnector3">
+            <a:avLst>
+              <a:gd name="adj1" fmla="val 5258"/>
+            </a:avLst>
+          </a:prstGeom>
+          <a:ln>
+            <a:tailEnd type="arrow"/>
+          </a:ln>
+        </p:spPr>
+        <p:style>
+          <a:lnRef idx="1">
+            <a:schemeClr val="accent1"/>
+          </a:lnRef>
+          <a:fillRef idx="0">
+            <a:schemeClr val="accent1"/>
+          </a:fillRef>
+          <a:effectRef idx="0">
+            <a:schemeClr val="accent1"/>
+          </a:effectRef>
+          <a:fontRef idx="minor">
+            <a:schemeClr val="tx1"/>
+          </a:fontRef>
+        </p:style>
+      </p:cxnSp>
+      <p:cxnSp>
+        <p:nvCxnSpPr>
+          <p:cNvPr id="155" name="肘形连接符 154"/>
+          <p:cNvCxnSpPr>
+            <a:endCxn id="147" idx="1"/>
+          </p:cNvCxnSpPr>
+          <p:nvPr/>
+        </p:nvCxnSpPr>
+        <p:spPr>
+          <a:xfrm flipV="1">
+            <a:off x="2914015" y="1636395"/>
+            <a:ext cx="6545580" cy="2103755"/>
+          </a:xfrm>
+          <a:prstGeom prst="bentConnector3">
+            <a:avLst>
+              <a:gd name="adj1" fmla="val 8517"/>
+            </a:avLst>
+          </a:prstGeom>
+          <a:ln>
+            <a:tailEnd type="arrow"/>
+          </a:ln>
+        </p:spPr>
+        <p:style>
+          <a:lnRef idx="1">
+            <a:schemeClr val="accent1"/>
+          </a:lnRef>
+          <a:fillRef idx="0">
+            <a:schemeClr val="accent1"/>
+          </a:fillRef>
+          <a:effectRef idx="0">
+            <a:schemeClr val="accent1"/>
+          </a:effectRef>
+          <a:fontRef idx="minor">
+            <a:schemeClr val="tx1"/>
+          </a:fontRef>
+        </p:style>
+      </p:cxnSp>
+      <p:cxnSp>
+        <p:nvCxnSpPr>
+          <p:cNvPr id="157" name="肘形连接符 156"/>
+          <p:cNvCxnSpPr>
+            <a:stCxn id="47" idx="3"/>
+            <a:endCxn id="146" idx="1"/>
+          </p:cNvCxnSpPr>
+          <p:nvPr/>
+        </p:nvCxnSpPr>
+        <p:spPr>
+          <a:xfrm flipV="1">
+            <a:off x="2894330" y="1918970"/>
+            <a:ext cx="6565265" cy="2113915"/>
+          </a:xfrm>
+          <a:prstGeom prst="bentConnector3">
+            <a:avLst>
+              <a:gd name="adj1" fmla="val 11500"/>
+            </a:avLst>
+          </a:prstGeom>
+          <a:ln>
+            <a:tailEnd type="arrow"/>
+          </a:ln>
+        </p:spPr>
+        <p:style>
+          <a:lnRef idx="1">
+            <a:schemeClr val="accent1"/>
+          </a:lnRef>
+          <a:fillRef idx="0">
+            <a:schemeClr val="accent1"/>
+          </a:fillRef>
+          <a:effectRef idx="0">
+            <a:schemeClr val="accent1"/>
+          </a:effectRef>
+          <a:fontRef idx="minor">
+            <a:schemeClr val="tx1"/>
+          </a:fontRef>
+        </p:style>
+      </p:cxnSp>
+      <p:cxnSp>
+        <p:nvCxnSpPr>
+          <p:cNvPr id="158" name="肘形连接符 157"/>
+          <p:cNvCxnSpPr>
+            <a:stCxn id="62" idx="3"/>
+            <a:endCxn id="149" idx="1"/>
+          </p:cNvCxnSpPr>
+          <p:nvPr/>
+        </p:nvCxnSpPr>
+        <p:spPr>
+          <a:xfrm flipV="1">
+            <a:off x="2894330" y="2201545"/>
+            <a:ext cx="6565265" cy="2144395"/>
+          </a:xfrm>
+          <a:prstGeom prst="bentConnector3">
+            <a:avLst>
+              <a:gd name="adj1" fmla="val 15011"/>
+            </a:avLst>
+          </a:prstGeom>
+          <a:ln>
+            <a:tailEnd type="arrow"/>
+          </a:ln>
+        </p:spPr>
+        <p:style>
+          <a:lnRef idx="1">
+            <a:schemeClr val="accent1"/>
+          </a:lnRef>
+          <a:fillRef idx="0">
+            <a:schemeClr val="accent1"/>
+          </a:fillRef>
+          <a:effectRef idx="0">
+            <a:schemeClr val="accent1"/>
+          </a:effectRef>
+          <a:fontRef idx="minor">
+            <a:schemeClr val="tx1"/>
+          </a:fontRef>
+        </p:style>
+      </p:cxnSp>
+      <p:cxnSp>
+        <p:nvCxnSpPr>
+          <p:cNvPr id="160" name="肘形连接符 159"/>
+          <p:cNvCxnSpPr>
+            <a:endCxn id="148" idx="1"/>
+          </p:cNvCxnSpPr>
+          <p:nvPr/>
+        </p:nvCxnSpPr>
+        <p:spPr>
+          <a:xfrm flipV="1">
+            <a:off x="2896870" y="2484120"/>
+            <a:ext cx="6562725" cy="2195830"/>
+          </a:xfrm>
+          <a:prstGeom prst="bentConnector3">
+            <a:avLst>
+              <a:gd name="adj1" fmla="val 19158"/>
+            </a:avLst>
+          </a:prstGeom>
+          <a:ln>
+            <a:tailEnd type="arrow"/>
+          </a:ln>
+        </p:spPr>
+        <p:style>
+          <a:lnRef idx="1">
+            <a:schemeClr val="accent1"/>
+          </a:lnRef>
+          <a:fillRef idx="0">
+            <a:schemeClr val="accent1"/>
+          </a:fillRef>
+          <a:effectRef idx="0">
+            <a:schemeClr val="accent1"/>
+          </a:effectRef>
+          <a:fontRef idx="minor">
+            <a:schemeClr val="tx1"/>
+          </a:fontRef>
+        </p:style>
+      </p:cxnSp>
+      <p:cxnSp>
+        <p:nvCxnSpPr>
+          <p:cNvPr id="161" name="肘形连接符 160"/>
+          <p:cNvCxnSpPr>
+            <a:stCxn id="58" idx="3"/>
+            <a:endCxn id="41" idx="3"/>
+          </p:cNvCxnSpPr>
+          <p:nvPr/>
+        </p:nvCxnSpPr>
+        <p:spPr>
+          <a:xfrm flipV="1">
+            <a:off x="10572750" y="1998345"/>
+            <a:ext cx="251460" cy="2825750"/>
+          </a:xfrm>
+          <a:prstGeom prst="bentConnector3">
+            <a:avLst>
+              <a:gd name="adj1" fmla="val 452272"/>
+            </a:avLst>
+          </a:prstGeom>
+          <a:ln>
+            <a:tailEnd type="arrow"/>
+          </a:ln>
+        </p:spPr>
+        <p:style>
+          <a:lnRef idx="1">
+            <a:schemeClr val="accent1"/>
+          </a:lnRef>
+          <a:fillRef idx="0">
+            <a:schemeClr val="accent1"/>
+          </a:fillRef>
+          <a:effectRef idx="0">
+            <a:schemeClr val="accent1"/>
+          </a:effectRef>
+          <a:fontRef idx="minor">
+            <a:schemeClr val="tx1"/>
+          </a:fontRef>
+        </p:style>
+      </p:cxnSp>
+      <p:cxnSp>
+        <p:nvCxnSpPr>
+          <p:cNvPr id="163" name="肘形连接符 162"/>
+          <p:cNvCxnSpPr>
+            <a:stCxn id="54" idx="3"/>
+            <a:endCxn id="38" idx="3"/>
+          </p:cNvCxnSpPr>
+          <p:nvPr/>
+        </p:nvCxnSpPr>
+        <p:spPr>
+          <a:xfrm flipV="1">
+            <a:off x="10572750" y="2564130"/>
+            <a:ext cx="251460" cy="1936115"/>
+          </a:xfrm>
+          <a:prstGeom prst="bentConnector3">
+            <a:avLst>
+              <a:gd name="adj1" fmla="val 276515"/>
+            </a:avLst>
+          </a:prstGeom>
+          <a:ln>
+            <a:tailEnd type="arrow"/>
+          </a:ln>
+        </p:spPr>
+        <p:style>
+          <a:lnRef idx="1">
+            <a:schemeClr val="accent1"/>
+          </a:lnRef>
+          <a:fillRef idx="0">
+            <a:schemeClr val="accent1"/>
+          </a:fillRef>
+          <a:effectRef idx="0">
+            <a:schemeClr val="accent1"/>
+          </a:effectRef>
+          <a:fontRef idx="minor">
+            <a:schemeClr val="tx1"/>
+          </a:fontRef>
+        </p:style>
+      </p:cxnSp>
+      <p:cxnSp>
+        <p:nvCxnSpPr>
+          <p:cNvPr id="165" name="肘形连接符 164"/>
+          <p:cNvCxnSpPr>
+            <a:stCxn id="37" idx="3"/>
+            <a:endCxn id="36" idx="3"/>
+          </p:cNvCxnSpPr>
+          <p:nvPr/>
+        </p:nvCxnSpPr>
+        <p:spPr>
+          <a:xfrm flipH="1">
+            <a:off x="10572750" y="2280920"/>
+            <a:ext cx="251460" cy="2381250"/>
+          </a:xfrm>
+          <a:prstGeom prst="bentConnector3">
+            <a:avLst>
+              <a:gd name="adj1" fmla="val -264393"/>
+            </a:avLst>
+          </a:prstGeom>
+          <a:ln>
+            <a:tailEnd type="arrow"/>
+          </a:ln>
+        </p:spPr>
+        <p:style>
+          <a:lnRef idx="1">
+            <a:schemeClr val="accent1"/>
+          </a:lnRef>
+          <a:fillRef idx="0">
+            <a:schemeClr val="accent1"/>
+          </a:fillRef>
+          <a:effectRef idx="0">
+            <a:schemeClr val="accent1"/>
+          </a:effectRef>
+          <a:fontRef idx="minor">
+            <a:schemeClr val="tx1"/>
+          </a:fontRef>
+        </p:style>
+      </p:cxnSp>
+      <p:sp>
+        <p:nvSpPr>
+          <p:cNvPr id="167" name="文本框 166"/>
+          <p:cNvSpPr txBox="1"/>
+          <p:nvPr/>
+        </p:nvSpPr>
+        <p:spPr>
+          <a:xfrm>
+            <a:off x="751840" y="2129155"/>
+            <a:ext cx="917575" cy="229870"/>
+          </a:xfrm>
+          <a:prstGeom prst="rect">
+            <a:avLst/>
+          </a:prstGeom>
+          <a:noFill/>
+        </p:spPr>
+        <p:txBody>
+          <a:bodyPr wrap="square" rtlCol="0">
+            <a:spAutoFit/>
+          </a:bodyPr>
+          <a:p>
+            <a:pPr algn="ctr"/>
+            <a:r>
+              <a:rPr lang="en-US" altLang="zh-CN" sz="900">
+                <a:solidFill>
+                  <a:schemeClr val="tx1"/>
+                </a:solidFill>
+              </a:rPr>
+              <a:t>inst_mmu</a:t>
+            </a:r>
+            <a:endParaRPr lang="en-US" altLang="zh-CN" sz="900">
+              <a:solidFill>
+                <a:schemeClr val="tx1"/>
+              </a:solidFill>
+            </a:endParaRPr>
+          </a:p>
+        </p:txBody>
+      </p:sp>
+      <p:sp>
+        <p:nvSpPr>
+          <p:cNvPr id="168" name="矩形 167"/>
+          <p:cNvSpPr/>
+          <p:nvPr/>
+        </p:nvSpPr>
+        <p:spPr>
+          <a:xfrm>
+            <a:off x="903605" y="1490980"/>
+            <a:ext cx="614045" cy="614045"/>
+          </a:xfrm>
+          <a:prstGeom prst="rect">
+            <a:avLst/>
+          </a:prstGeom>
+          <a:ln w="19050">
+            <a:solidFill>
+              <a:schemeClr val="accent1"/>
+            </a:solidFill>
+          </a:ln>
+        </p:spPr>
+        <p:style>
+          <a:lnRef idx="2">
+            <a:schemeClr val="accent1"/>
+          </a:lnRef>
+          <a:fillRef idx="1">
+            <a:schemeClr val="lt1"/>
+          </a:fillRef>
+          <a:effectRef idx="0">
+            <a:schemeClr val="accent1"/>
+          </a:effectRef>
+          <a:fontRef idx="minor">
+            <a:schemeClr val="dk1"/>
+          </a:fontRef>
+        </p:style>
+        <p:txBody>
+          <a:bodyPr rtlCol="0" anchor="ctr"/>
+          <a:p>
+            <a:pPr algn="ctr"/>
+            <a:endParaRPr lang="zh-CN" altLang="en-US" sz="900"/>
+          </a:p>
+        </p:txBody>
+      </p:sp>
+      <p:sp>
+        <p:nvSpPr>
+          <p:cNvPr id="169" name="文本框 168"/>
+          <p:cNvSpPr txBox="1"/>
+          <p:nvPr/>
+        </p:nvSpPr>
+        <p:spPr>
+          <a:xfrm>
+            <a:off x="880110" y="1819275"/>
+            <a:ext cx="678180" cy="198755"/>
+          </a:xfrm>
+          <a:prstGeom prst="rect">
+            <a:avLst/>
+          </a:prstGeom>
+          <a:noFill/>
+        </p:spPr>
+        <p:txBody>
+          <a:bodyPr wrap="square" rtlCol="0">
+            <a:spAutoFit/>
+          </a:bodyPr>
+          <a:p>
+            <a:pPr algn="r"/>
+            <a:r>
+              <a:rPr lang="en-US" altLang="zh-CN" sz="700">
+                <a:solidFill>
+                  <a:schemeClr val="tx1"/>
+                </a:solidFill>
+              </a:rPr>
+              <a:t>virtual_addr</a:t>
+            </a:r>
+            <a:endParaRPr lang="en-US" altLang="zh-CN" sz="700">
+              <a:solidFill>
+                <a:schemeClr val="tx1"/>
+              </a:solidFill>
+            </a:endParaRPr>
+          </a:p>
+        </p:txBody>
+      </p:sp>
+      <p:sp>
+        <p:nvSpPr>
+          <p:cNvPr id="170" name="文本框 169"/>
+          <p:cNvSpPr txBox="1"/>
+          <p:nvPr/>
+        </p:nvSpPr>
+        <p:spPr>
+          <a:xfrm>
+            <a:off x="899160" y="1561465"/>
+            <a:ext cx="580390" cy="198755"/>
+          </a:xfrm>
+          <a:prstGeom prst="rect">
+            <a:avLst/>
+          </a:prstGeom>
+          <a:noFill/>
+        </p:spPr>
+        <p:txBody>
+          <a:bodyPr wrap="square" rtlCol="0">
+            <a:spAutoFit/>
+          </a:bodyPr>
+          <a:p>
+            <a:pPr algn="l"/>
+            <a:r>
+              <a:rPr lang="en-US" altLang="zh-CN" sz="700">
+                <a:solidFill>
+                  <a:schemeClr val="tx1"/>
+                </a:solidFill>
+              </a:rPr>
+              <a:t>real_addr</a:t>
+            </a:r>
+            <a:endParaRPr lang="en-US" altLang="zh-CN" sz="700">
+              <a:solidFill>
+                <a:schemeClr val="tx1"/>
+              </a:solidFill>
+            </a:endParaRPr>
+          </a:p>
+        </p:txBody>
+      </p:sp>
+      <p:cxnSp>
+        <p:nvCxnSpPr>
+          <p:cNvPr id="171" name="肘形连接符 170"/>
+          <p:cNvCxnSpPr>
+            <a:stCxn id="21" idx="3"/>
+            <a:endCxn id="8" idx="1"/>
+          </p:cNvCxnSpPr>
+          <p:nvPr/>
+        </p:nvCxnSpPr>
+        <p:spPr>
+          <a:xfrm flipV="1">
+            <a:off x="6026150" y="4279900"/>
+            <a:ext cx="685165" cy="355600"/>
+          </a:xfrm>
+          <a:prstGeom prst="bentConnector3">
+            <a:avLst>
+              <a:gd name="adj1" fmla="val 50046"/>
+            </a:avLst>
+          </a:prstGeom>
+          <a:ln>
+            <a:tailEnd type="arrow"/>
+          </a:ln>
+        </p:spPr>
+        <p:style>
+          <a:lnRef idx="1">
+            <a:schemeClr val="accent1"/>
+          </a:lnRef>
+          <a:fillRef idx="0">
+            <a:schemeClr val="accent1"/>
+          </a:fillRef>
+          <a:effectRef idx="0">
+            <a:schemeClr val="accent1"/>
+          </a:effectRef>
+          <a:fontRef idx="minor">
+            <a:schemeClr val="tx1"/>
+          </a:fontRef>
+        </p:style>
+      </p:cxnSp>
     </p:spTree>
     <p:custDataLst>
       <p:tags r:id="rId1"/>
@@ -15541,6 +20228,27 @@
 </p:tagLst>
 </file>
 
+<file path=ppt/tags/tag72.xml><?xml version="1.0" encoding="utf-8"?>
+<p:tagLst xmlns:p="http://schemas.openxmlformats.org/presentationml/2006/main">
+  <p:tag name="KSO_WM_SLIDE_ID" val="custom20205081_1"/>
+  <p:tag name="KSO_WM_TEMPLATE_SUBCATEGORY" val="19"/>
+  <p:tag name="KSO_WM_TEMPLATE_MASTER_TYPE" val="0"/>
+  <p:tag name="KSO_WM_TEMPLATE_COLOR_TYPE" val="1"/>
+  <p:tag name="KSO_WM_SLIDE_TYPE" val="title"/>
+  <p:tag name="KSO_WM_SLIDE_SUBTYPE" val="defaultBlank"/>
+  <p:tag name="KSO_WM_SLIDE_ITEM_CNT" val="0"/>
+  <p:tag name="KSO_WM_SLIDE_INDEX" val="1"/>
+  <p:tag name="KSO_WM_TAG_VERSION" val="1.0"/>
+  <p:tag name="KSO_WM_BEAUTIFY_FLAG" val="#wm#"/>
+  <p:tag name="KSO_WM_TEMPLATE_CATEGORY" val="custom"/>
+  <p:tag name="KSO_WM_TEMPLATE_INDEX" val="20205081"/>
+  <p:tag name="KSO_WM_SLIDE_LAYOUT" val="a_b"/>
+  <p:tag name="KSO_WM_SLIDE_LAYOUT_CNT" val="1_1"/>
+  <p:tag name="KSO_WM_UNIT_SHOW_EDIT_AREA_INDICATION" val="1"/>
+  <p:tag name="KSO_WM_TEMPLATE_THUMBS_INDEX" val="1、4、7、12、13、14、15、16、17、18、20、24、25、28、33、36、40、43、44"/>
+</p:tagLst>
+</file>
+
 <file path=ppt/tags/tag8.xml><?xml version="1.0" encoding="utf-8"?>
 <p:tagLst xmlns:p="http://schemas.openxmlformats.org/presentationml/2006/main">
   <p:tag name="KSO_WM_UNIT_HIGHLIGHT" val="0"/>
@@ -15764,4 +20472,263 @@
     </a:ext>
   </a:extLst>
 </a:theme>
+</file>
+
+<file path=ppt/theme/theme2.xml><?xml version="1.0" encoding="utf-8"?>
+<a:theme xmlns:a="http://schemas.openxmlformats.org/drawingml/2006/main" name="Office 主题">
+  <a:themeElements>
+    <a:clrScheme name="Office">
+      <a:dk1>
+        <a:sysClr val="windowText" lastClr="000000"/>
+      </a:dk1>
+      <a:lt1>
+        <a:sysClr val="window" lastClr="FFFFFF"/>
+      </a:lt1>
+      <a:dk2>
+        <a:srgbClr val="44546A"/>
+      </a:dk2>
+      <a:lt2>
+        <a:srgbClr val="E7E6E6"/>
+      </a:lt2>
+      <a:accent1>
+        <a:srgbClr val="5B9BD5"/>
+      </a:accent1>
+      <a:accent2>
+        <a:srgbClr val="ED7D31"/>
+      </a:accent2>
+      <a:accent3>
+        <a:srgbClr val="A5A5A5"/>
+      </a:accent3>
+      <a:accent4>
+        <a:srgbClr val="FFC000"/>
+      </a:accent4>
+      <a:accent5>
+        <a:srgbClr val="4472C4"/>
+      </a:accent5>
+      <a:accent6>
+        <a:srgbClr val="70AD47"/>
+      </a:accent6>
+      <a:hlink>
+        <a:srgbClr val="0563C1"/>
+      </a:hlink>
+      <a:folHlink>
+        <a:srgbClr val="954F72"/>
+      </a:folHlink>
+    </a:clrScheme>
+    <a:fontScheme name="Office">
+      <a:majorFont>
+        <a:latin typeface="Calibri Light"/>
+        <a:ea typeface=""/>
+        <a:cs typeface=""/>
+        <a:font script="Jpan" typeface="ＭＳ Ｐゴシック"/>
+        <a:font script="Hang" typeface="맑은 고딕"/>
+        <a:font script="Hans" typeface="宋体"/>
+        <a:font script="Hant" typeface="新細明體"/>
+        <a:font script="Arab" typeface="Times New Roman"/>
+        <a:font script="Hebr" typeface="Times New Roman"/>
+        <a:font script="Thai" typeface="Angsana New"/>
+        <a:font script="Ethi" typeface="Nyala"/>
+        <a:font script="Beng" typeface="Vrinda"/>
+        <a:font script="Gujr" typeface="Shruti"/>
+        <a:font script="Khmr" typeface="MoolBoran"/>
+        <a:font script="Knda" typeface="Tunga"/>
+        <a:font script="Guru" typeface="Raavi"/>
+        <a:font script="Cans" typeface="Euphemia"/>
+        <a:font script="Cher" typeface="Plantagenet Cherokee"/>
+        <a:font script="Yiii" typeface="Microsoft Yi Baiti"/>
+        <a:font script="Tibt" typeface="Microsoft Himalaya"/>
+        <a:font script="Thaa" typeface="MV Boli"/>
+        <a:font script="Deva" typeface="Mangal"/>
+        <a:font script="Telu" typeface="Gautami"/>
+        <a:font script="Taml" typeface="Latha"/>
+        <a:font script="Syrc" typeface="Estrangelo Edessa"/>
+        <a:font script="Orya" typeface="Kalinga"/>
+        <a:font script="Mlym" typeface="Kartika"/>
+        <a:font script="Laoo" typeface="DokChampa"/>
+        <a:font script="Sinh" typeface="Iskoola Pota"/>
+        <a:font script="Mong" typeface="Mongolian Baiti"/>
+        <a:font script="Viet" typeface="Times New Roman"/>
+        <a:font script="Uigh" typeface="Microsoft Uighur"/>
+        <a:font script="Geor" typeface="Sylfaen"/>
+      </a:majorFont>
+      <a:minorFont>
+        <a:latin typeface="Calibri"/>
+        <a:ea typeface=""/>
+        <a:cs typeface=""/>
+        <a:font script="Jpan" typeface="ＭＳ Ｐゴシック"/>
+        <a:font script="Hang" typeface="맑은 고딕"/>
+        <a:font script="Hans" typeface="宋体"/>
+        <a:font script="Hant" typeface="新細明體"/>
+        <a:font script="Arab" typeface="Arial"/>
+        <a:font script="Hebr" typeface="Arial"/>
+        <a:font script="Thai" typeface="Cordia New"/>
+        <a:font script="Ethi" typeface="Nyala"/>
+        <a:font script="Beng" typeface="Vrinda"/>
+        <a:font script="Gujr" typeface="Shruti"/>
+        <a:font script="Khmr" typeface="DaunPenh"/>
+        <a:font script="Knda" typeface="Tunga"/>
+        <a:font script="Guru" typeface="Raavi"/>
+        <a:font script="Cans" typeface="Euphemia"/>
+        <a:font script="Cher" typeface="Plantagenet Cherokee"/>
+        <a:font script="Yiii" typeface="Microsoft Yi Baiti"/>
+        <a:font script="Tibt" typeface="Microsoft Himalaya"/>
+        <a:font script="Thaa" typeface="MV Boli"/>
+        <a:font script="Deva" typeface="Mangal"/>
+        <a:font script="Telu" typeface="Gautami"/>
+        <a:font script="Taml" typeface="Latha"/>
+        <a:font script="Syrc" typeface="Estrangelo Edessa"/>
+        <a:font script="Orya" typeface="Kalinga"/>
+        <a:font script="Mlym" typeface="Kartika"/>
+        <a:font script="Laoo" typeface="DokChampa"/>
+        <a:font script="Sinh" typeface="Iskoola Pota"/>
+        <a:font script="Mong" typeface="Mongolian Baiti"/>
+        <a:font script="Viet" typeface="Arial"/>
+        <a:font script="Uigh" typeface="Microsoft Uighur"/>
+        <a:font script="Geor" typeface="Sylfaen"/>
+      </a:minorFont>
+    </a:fontScheme>
+    <a:fmtScheme name="Office">
+      <a:fillStyleLst>
+        <a:solidFill>
+          <a:schemeClr val="phClr"/>
+        </a:solidFill>
+        <a:gradFill rotWithShape="1">
+          <a:gsLst>
+            <a:gs pos="0">
+              <a:schemeClr val="phClr">
+                <a:lumMod val="110000"/>
+                <a:satMod val="105000"/>
+                <a:tint val="67000"/>
+              </a:schemeClr>
+            </a:gs>
+            <a:gs pos="50000">
+              <a:schemeClr val="phClr">
+                <a:lumMod val="105000"/>
+                <a:satMod val="103000"/>
+                <a:tint val="73000"/>
+              </a:schemeClr>
+            </a:gs>
+            <a:gs pos="100000">
+              <a:schemeClr val="phClr">
+                <a:lumMod val="105000"/>
+                <a:satMod val="109000"/>
+                <a:tint val="81000"/>
+              </a:schemeClr>
+            </a:gs>
+          </a:gsLst>
+          <a:lin ang="5400000" scaled="0"/>
+        </a:gradFill>
+        <a:gradFill rotWithShape="1">
+          <a:gsLst>
+            <a:gs pos="0">
+              <a:schemeClr val="phClr">
+                <a:satMod val="103000"/>
+                <a:lumMod val="102000"/>
+                <a:tint val="94000"/>
+              </a:schemeClr>
+            </a:gs>
+            <a:gs pos="50000">
+              <a:schemeClr val="phClr">
+                <a:satMod val="110000"/>
+                <a:lumMod val="100000"/>
+                <a:shade val="100000"/>
+              </a:schemeClr>
+            </a:gs>
+            <a:gs pos="100000">
+              <a:schemeClr val="phClr">
+                <a:lumMod val="99000"/>
+                <a:satMod val="120000"/>
+                <a:shade val="78000"/>
+              </a:schemeClr>
+            </a:gs>
+          </a:gsLst>
+          <a:lin ang="5400000" scaled="0"/>
+        </a:gradFill>
+      </a:fillStyleLst>
+      <a:lnStyleLst>
+        <a:ln w="6350" cap="flat" cmpd="sng" algn="ctr">
+          <a:solidFill>
+            <a:schemeClr val="phClr"/>
+          </a:solidFill>
+          <a:prstDash val="solid"/>
+          <a:miter lim="800000"/>
+        </a:ln>
+        <a:ln w="12700" cap="flat" cmpd="sng" algn="ctr">
+          <a:solidFill>
+            <a:schemeClr val="phClr"/>
+          </a:solidFill>
+          <a:prstDash val="solid"/>
+          <a:miter lim="800000"/>
+        </a:ln>
+        <a:ln w="19050" cap="flat" cmpd="sng" algn="ctr">
+          <a:solidFill>
+            <a:schemeClr val="phClr"/>
+          </a:solidFill>
+          <a:prstDash val="solid"/>
+          <a:miter lim="800000"/>
+        </a:ln>
+      </a:lnStyleLst>
+      <a:effectStyleLst>
+        <a:effectStyle>
+          <a:effectLst/>
+        </a:effectStyle>
+        <a:effectStyle>
+          <a:effectLst/>
+        </a:effectStyle>
+        <a:effectStyle>
+          <a:effectLst>
+            <a:outerShdw blurRad="57150" dist="19050" dir="5400000" algn="ctr" rotWithShape="0">
+              <a:srgbClr val="000000">
+                <a:alpha val="63000"/>
+              </a:srgbClr>
+            </a:outerShdw>
+          </a:effectLst>
+        </a:effectStyle>
+      </a:effectStyleLst>
+      <a:bgFillStyleLst>
+        <a:solidFill>
+          <a:schemeClr val="phClr"/>
+        </a:solidFill>
+        <a:solidFill>
+          <a:schemeClr val="phClr">
+            <a:tint val="95000"/>
+            <a:satMod val="170000"/>
+          </a:schemeClr>
+        </a:solidFill>
+        <a:gradFill rotWithShape="1">
+          <a:gsLst>
+            <a:gs pos="0">
+              <a:schemeClr val="phClr">
+                <a:tint val="93000"/>
+                <a:satMod val="150000"/>
+                <a:shade val="98000"/>
+                <a:lumMod val="102000"/>
+              </a:schemeClr>
+            </a:gs>
+            <a:gs pos="50000">
+              <a:schemeClr val="phClr">
+                <a:tint val="98000"/>
+                <a:satMod val="130000"/>
+                <a:shade val="90000"/>
+                <a:lumMod val="103000"/>
+              </a:schemeClr>
+            </a:gs>
+            <a:gs pos="100000">
+              <a:schemeClr val="phClr">
+                <a:shade val="63000"/>
+                <a:satMod val="120000"/>
+              </a:schemeClr>
+            </a:gs>
+          </a:gsLst>
+          <a:lin ang="5400000" scaled="0"/>
+        </a:gradFill>
+      </a:bgFillStyleLst>
+    </a:fmtScheme>
+  </a:themeElements>
+  <a:extLst>
+    <a:ext uri="{05A4C25C-085E-4340-85A3-A5531E510DB2}">
+      <thm15:themeFamily xmlns:thm15="http://schemas.microsoft.com/office/thememl/2012/main" name="Office Theme" id="{62F939B6-93AF-4DB8-9C6B-D6C7DFDC589F}" vid="{4A3C46E8-61CC-4603-A589-7422A47A8E4A}"/>
+    </a:ext>
+  </a:extLst>
+</a:theme>
 </file>
--- a/PersonalProgress/HaitianJiang/SingleMiniSys/mycpu_design/顶层数据通路设计.pptx
+++ b/PersonalProgress/HaitianJiang/SingleMiniSys/mycpu_design/顶层数据通路设计.pptx
@@ -19135,7 +19135,7 @@
         </p:nvSpPr>
         <p:spPr>
           <a:xfrm>
-            <a:off x="751840" y="2129155"/>
+            <a:off x="1130300" y="2136775"/>
             <a:ext cx="917575" cy="229870"/>
           </a:xfrm>
           <a:prstGeom prst="rect">
@@ -19155,7 +19155,15 @@
                   <a:schemeClr val="tx1"/>
                 </a:solidFill>
               </a:rPr>
-              <a:t>inst_mmu</a:t>
+              <a:t>cpu</a:t>
+            </a:r>
+            <a:r>
+              <a:rPr lang="en-US" altLang="zh-CN" sz="900">
+                <a:solidFill>
+                  <a:schemeClr val="tx1"/>
+                </a:solidFill>
+              </a:rPr>
+              <a:t>_clk</a:t>
             </a:r>
             <a:endParaRPr lang="en-US" altLang="zh-CN" sz="900">
               <a:solidFill>
@@ -19173,7 +19181,7 @@
         </p:nvSpPr>
         <p:spPr>
           <a:xfrm>
-            <a:off x="903605" y="1490980"/>
+            <a:off x="1282065" y="1498600"/>
             <a:ext cx="614045" cy="614045"/>
           </a:xfrm>
           <a:prstGeom prst="rect">
@@ -19215,8 +19223,8 @@
         </p:nvSpPr>
         <p:spPr>
           <a:xfrm>
-            <a:off x="880110" y="1819275"/>
-            <a:ext cx="678180" cy="198755"/>
+            <a:off x="1417320" y="1636395"/>
+            <a:ext cx="541655" cy="198755"/>
           </a:xfrm>
           <a:prstGeom prst="rect">
             <a:avLst/>
@@ -19235,7 +19243,7 @@
                   <a:schemeClr val="tx1"/>
                 </a:solidFill>
               </a:rPr>
-              <a:t>virtual_addr</a:t>
+              <a:t>clk_out1</a:t>
             </a:r>
             <a:endParaRPr lang="en-US" altLang="zh-CN" sz="700">
               <a:solidFill>
@@ -19253,8 +19261,8 @@
         </p:nvSpPr>
         <p:spPr>
           <a:xfrm>
-            <a:off x="899160" y="1561465"/>
-            <a:ext cx="580390" cy="198755"/>
+            <a:off x="1241425" y="1743075"/>
+            <a:ext cx="361315" cy="198755"/>
           </a:xfrm>
           <a:prstGeom prst="rect">
             <a:avLst/>
@@ -19273,7 +19281,7 @@
                   <a:schemeClr val="tx1"/>
                 </a:solidFill>
               </a:rPr>
-              <a:t>real_addr</a:t>
+              <a:t>clk</a:t>
             </a:r>
             <a:endParaRPr lang="en-US" altLang="zh-CN" sz="700">
               <a:solidFill>
@@ -19321,6 +19329,259 @@
           </a:fontRef>
         </p:style>
       </p:cxnSp>
+      <p:sp>
+        <p:nvSpPr>
+          <p:cNvPr id="22" name="文本框 21"/>
+          <p:cNvSpPr txBox="1"/>
+          <p:nvPr/>
+        </p:nvSpPr>
+        <p:spPr>
+          <a:xfrm>
+            <a:off x="1417320" y="1851660"/>
+            <a:ext cx="541655" cy="198755"/>
+          </a:xfrm>
+          <a:prstGeom prst="rect">
+            <a:avLst/>
+          </a:prstGeom>
+          <a:noFill/>
+        </p:spPr>
+        <p:txBody>
+          <a:bodyPr wrap="square" rtlCol="0">
+            <a:spAutoFit/>
+          </a:bodyPr>
+          <a:p>
+            <a:pPr algn="r"/>
+            <a:r>
+              <a:rPr lang="en-US" altLang="zh-CN" sz="700">
+                <a:solidFill>
+                  <a:schemeClr val="tx1"/>
+                </a:solidFill>
+              </a:rPr>
+              <a:t>clk_out2</a:t>
+            </a:r>
+            <a:endParaRPr lang="en-US" altLang="zh-CN" sz="700">
+              <a:solidFill>
+                <a:schemeClr val="tx1"/>
+              </a:solidFill>
+            </a:endParaRPr>
+          </a:p>
+        </p:txBody>
+      </p:sp>
+      <p:sp>
+        <p:nvSpPr>
+          <p:cNvPr id="30" name="文本框 29"/>
+          <p:cNvSpPr txBox="1"/>
+          <p:nvPr/>
+        </p:nvSpPr>
+        <p:spPr>
+          <a:xfrm>
+            <a:off x="73025" y="1689100"/>
+            <a:ext cx="765175" cy="275590"/>
+          </a:xfrm>
+          <a:prstGeom prst="rect">
+            <a:avLst/>
+          </a:prstGeom>
+          <a:noFill/>
+        </p:spPr>
+        <p:txBody>
+          <a:bodyPr wrap="square" rtlCol="0">
+            <a:spAutoFit/>
+          </a:bodyPr>
+          <a:p>
+            <a:pPr algn="r"/>
+            <a:r>
+              <a:rPr lang="en-US" sz="1200">
+                <a:solidFill>
+                  <a:srgbClr val="FF0000"/>
+                </a:solidFill>
+              </a:rPr>
+              <a:t>100MHz</a:t>
+            </a:r>
+            <a:endParaRPr lang="en-US" sz="1200">
+              <a:solidFill>
+                <a:srgbClr val="FF0000"/>
+              </a:solidFill>
+            </a:endParaRPr>
+          </a:p>
+        </p:txBody>
+      </p:sp>
+      <p:cxnSp>
+        <p:nvCxnSpPr>
+          <p:cNvPr id="70" name="直接箭头连接符 69"/>
+          <p:cNvCxnSpPr>
+            <a:stCxn id="30" idx="3"/>
+          </p:cNvCxnSpPr>
+          <p:nvPr/>
+        </p:nvCxnSpPr>
+        <p:spPr>
+          <a:xfrm>
+            <a:off x="838200" y="1826895"/>
+            <a:ext cx="413385" cy="0"/>
+          </a:xfrm>
+          <a:prstGeom prst="straightConnector1">
+            <a:avLst/>
+          </a:prstGeom>
+          <a:ln>
+            <a:tailEnd type="arrow" w="med" len="med"/>
+          </a:ln>
+        </p:spPr>
+        <p:style>
+          <a:lnRef idx="2">
+            <a:schemeClr val="accent6"/>
+          </a:lnRef>
+          <a:fillRef idx="0">
+            <a:schemeClr val="accent6"/>
+          </a:fillRef>
+          <a:effectRef idx="1">
+            <a:schemeClr val="accent6"/>
+          </a:effectRef>
+          <a:fontRef idx="minor">
+            <a:schemeClr val="tx1"/>
+          </a:fontRef>
+        </p:style>
+      </p:cxnSp>
+      <p:cxnSp>
+        <p:nvCxnSpPr>
+          <p:cNvPr id="72" name="直接箭头连接符 71"/>
+          <p:cNvCxnSpPr/>
+          <p:nvPr/>
+        </p:nvCxnSpPr>
+        <p:spPr>
+          <a:xfrm>
+            <a:off x="1896110" y="1743075"/>
+            <a:ext cx="279400" cy="0"/>
+          </a:xfrm>
+          <a:prstGeom prst="straightConnector1">
+            <a:avLst/>
+          </a:prstGeom>
+          <a:ln>
+            <a:tailEnd type="arrow" w="med" len="med"/>
+          </a:ln>
+        </p:spPr>
+        <p:style>
+          <a:lnRef idx="2">
+            <a:schemeClr val="accent6"/>
+          </a:lnRef>
+          <a:fillRef idx="0">
+            <a:schemeClr val="accent6"/>
+          </a:fillRef>
+          <a:effectRef idx="1">
+            <a:schemeClr val="accent6"/>
+          </a:effectRef>
+          <a:fontRef idx="minor">
+            <a:schemeClr val="tx1"/>
+          </a:fontRef>
+        </p:style>
+      </p:cxnSp>
+      <p:cxnSp>
+        <p:nvCxnSpPr>
+          <p:cNvPr id="74" name="直接箭头连接符 73"/>
+          <p:cNvCxnSpPr/>
+          <p:nvPr/>
+        </p:nvCxnSpPr>
+        <p:spPr>
+          <a:xfrm>
+            <a:off x="1896110" y="1964690"/>
+            <a:ext cx="279400" cy="0"/>
+          </a:xfrm>
+          <a:prstGeom prst="straightConnector1">
+            <a:avLst/>
+          </a:prstGeom>
+          <a:ln>
+            <a:tailEnd type="arrow" w="med" len="med"/>
+          </a:ln>
+        </p:spPr>
+        <p:style>
+          <a:lnRef idx="2">
+            <a:schemeClr val="accent6"/>
+          </a:lnRef>
+          <a:fillRef idx="0">
+            <a:schemeClr val="accent6"/>
+          </a:fillRef>
+          <a:effectRef idx="1">
+            <a:schemeClr val="accent6"/>
+          </a:effectRef>
+          <a:fontRef idx="minor">
+            <a:schemeClr val="tx1"/>
+          </a:fontRef>
+        </p:style>
+      </p:cxnSp>
+      <p:sp>
+        <p:nvSpPr>
+          <p:cNvPr id="75" name="文本框 74"/>
+          <p:cNvSpPr txBox="1"/>
+          <p:nvPr/>
+        </p:nvSpPr>
+        <p:spPr>
+          <a:xfrm>
+            <a:off x="2150745" y="1598295"/>
+            <a:ext cx="765175" cy="275590"/>
+          </a:xfrm>
+          <a:prstGeom prst="rect">
+            <a:avLst/>
+          </a:prstGeom>
+          <a:noFill/>
+        </p:spPr>
+        <p:txBody>
+          <a:bodyPr wrap="square" rtlCol="0">
+            <a:spAutoFit/>
+          </a:bodyPr>
+          <a:p>
+            <a:pPr algn="l"/>
+            <a:r>
+              <a:rPr lang="en-US" sz="1200">
+                <a:solidFill>
+                  <a:srgbClr val="FF0000"/>
+                </a:solidFill>
+              </a:rPr>
+              <a:t>20MHz</a:t>
+            </a:r>
+            <a:endParaRPr lang="en-US" sz="1200">
+              <a:solidFill>
+                <a:srgbClr val="FF0000"/>
+              </a:solidFill>
+            </a:endParaRPr>
+          </a:p>
+        </p:txBody>
+      </p:sp>
+      <p:sp>
+        <p:nvSpPr>
+          <p:cNvPr id="76" name="文本框 75"/>
+          <p:cNvSpPr txBox="1"/>
+          <p:nvPr/>
+        </p:nvSpPr>
+        <p:spPr>
+          <a:xfrm>
+            <a:off x="2150745" y="1860550"/>
+            <a:ext cx="765175" cy="275590"/>
+          </a:xfrm>
+          <a:prstGeom prst="rect">
+            <a:avLst/>
+          </a:prstGeom>
+          <a:noFill/>
+        </p:spPr>
+        <p:txBody>
+          <a:bodyPr wrap="square" rtlCol="0">
+            <a:spAutoFit/>
+          </a:bodyPr>
+          <a:p>
+            <a:pPr algn="l"/>
+            <a:r>
+              <a:rPr lang="en-US" sz="1200">
+                <a:solidFill>
+                  <a:srgbClr val="FF0000"/>
+                </a:solidFill>
+              </a:rPr>
+              <a:t>10MHz</a:t>
+            </a:r>
+            <a:endParaRPr lang="en-US" sz="1200">
+              <a:solidFill>
+                <a:srgbClr val="FF0000"/>
+              </a:solidFill>
+            </a:endParaRPr>
+          </a:p>
+        </p:txBody>
+      </p:sp>
     </p:spTree>
     <p:custDataLst>
       <p:tags r:id="rId1"/>
